--- a/version_control/presentations/01_git_intro.pptx
+++ b/version_control/presentations/01_git_intro.pptx
@@ -479,7 +479,7 @@
             <a:fld id="{17F80633-BAA2-0049-BDEC-E483C21777A6}" type="datetimeFigureOut">
               <a:rPr lang="en-GB"/>
               <a:pPr/>
-              <a:t>10/11/2021</a:t>
+              <a:t>19/11/2021</a:t>
             </a:fld>
             <a:endParaRPr lang="en-GB"/>
           </a:p>
@@ -831,14 +831,14 @@
           <a:noFill/>
           <a:extLst>
             <a:ext uri="{909E8E84-426E-40dd-AFC4-6F175D3DCCD1}">
-              <a14:hiddenFill xmlns="" xmlns:a14="http://schemas.microsoft.com/office/drawing/2010/main">
+              <a14:hiddenFill xmlns:a14="http://schemas.microsoft.com/office/drawing/2010/main" xmlns="">
                 <a:solidFill>
                   <a:srgbClr val="FFFFFF"/>
                 </a:solidFill>
               </a14:hiddenFill>
             </a:ext>
             <a:ext uri="{91240B29-F687-4f45-9708-019B960494DF}">
-              <a14:hiddenLine xmlns="" xmlns:a14="http://schemas.microsoft.com/office/drawing/2010/main" w="9525">
+              <a14:hiddenLine xmlns:a14="http://schemas.microsoft.com/office/drawing/2010/main" xmlns="" w="9525">
                 <a:solidFill>
                   <a:srgbClr val="000000"/>
                 </a:solidFill>
@@ -1011,7 +1011,7 @@
           </a:ln>
           <a:extLst>
             <a:ext uri="{FAA26D3D-D897-4be2-8F04-BA451C77F1D7}">
-              <ma14:placeholderFlag xmlns="" xmlns:ma14="http://schemas.microsoft.com/office/mac/drawingml/2011/main" val="1"/>
+              <ma14:placeholderFlag xmlns:ma14="http://schemas.microsoft.com/office/mac/drawingml/2011/main" xmlns="" val="1"/>
             </a:ext>
           </a:extLst>
         </p:spPr>
@@ -1034,17 +1034,17 @@
           <a:noFill/>
           <a:extLst>
             <a:ext uri="{FAA26D3D-D897-4be2-8F04-BA451C77F1D7}">
-              <ma14:placeholderFlag xmlns="" xmlns:ma14="http://schemas.microsoft.com/office/mac/drawingml/2011/main" val="1"/>
+              <ma14:placeholderFlag xmlns:ma14="http://schemas.microsoft.com/office/mac/drawingml/2011/main" xmlns="" val="1"/>
             </a:ext>
             <a:ext uri="{909E8E84-426E-40dd-AFC4-6F175D3DCCD1}">
-              <a14:hiddenFill xmlns="" xmlns:a14="http://schemas.microsoft.com/office/drawing/2010/main">
+              <a14:hiddenFill xmlns:a14="http://schemas.microsoft.com/office/drawing/2010/main" xmlns="">
                 <a:solidFill>
                   <a:srgbClr val="FFFFFF"/>
                 </a:solidFill>
               </a14:hiddenFill>
             </a:ext>
             <a:ext uri="{91240B29-F687-4f45-9708-019B960494DF}">
-              <a14:hiddenLine xmlns="" xmlns:a14="http://schemas.microsoft.com/office/drawing/2010/main" w="9525">
+              <a14:hiddenLine xmlns:a14="http://schemas.microsoft.com/office/drawing/2010/main" xmlns="" w="9525">
                 <a:solidFill>
                   <a:srgbClr val="000000"/>
                 </a:solidFill>
@@ -1123,10 +1123,10 @@
           </a:ln>
           <a:extLst>
             <a:ext uri="{FAA26D3D-D897-4be2-8F04-BA451C77F1D7}">
-              <ma14:placeholderFlag xmlns:ma14="http://schemas.microsoft.com/office/mac/drawingml/2011/main" xmlns="" val="1"/>
+              <ma14:placeholderFlag xmlns="" xmlns:ma14="http://schemas.microsoft.com/office/mac/drawingml/2011/main" val="1"/>
             </a:ext>
             <a:ext uri="{909E8E84-426E-40dd-AFC4-6F175D3DCCD1}">
-              <a14:hiddenFill xmlns="" xmlns:a14="http://schemas.microsoft.com/office/drawing/2010/main">
+              <a14:hiddenFill xmlns:a14="http://schemas.microsoft.com/office/drawing/2010/main" xmlns="">
                 <a:solidFill>
                   <a:srgbClr val="FFFFFF"/>
                 </a:solidFill>
@@ -1149,14 +1149,14 @@
           <a:noFill/>
           <a:extLst>
             <a:ext uri="{909E8E84-426E-40dd-AFC4-6F175D3DCCD1}">
-              <a14:hiddenFill xmlns="" xmlns:a14="http://schemas.microsoft.com/office/drawing/2010/main">
+              <a14:hiddenFill xmlns:a14="http://schemas.microsoft.com/office/drawing/2010/main" xmlns="">
                 <a:solidFill>
                   <a:srgbClr val="FFFFFF"/>
                 </a:solidFill>
               </a14:hiddenFill>
             </a:ext>
             <a:ext uri="{91240B29-F687-4f45-9708-019B960494DF}">
-              <a14:hiddenLine xmlns="" xmlns:a14="http://schemas.microsoft.com/office/drawing/2010/main" w="9525">
+              <a14:hiddenLine xmlns:a14="http://schemas.microsoft.com/office/drawing/2010/main" xmlns="" w="9525">
                 <a:solidFill>
                   <a:srgbClr val="000000"/>
                 </a:solidFill>
@@ -1198,14 +1198,14 @@
           <a:noFill/>
           <a:extLst>
             <a:ext uri="{909E8E84-426E-40dd-AFC4-6F175D3DCCD1}">
-              <a14:hiddenFill xmlns="" xmlns:a14="http://schemas.microsoft.com/office/drawing/2010/main">
+              <a14:hiddenFill xmlns:a14="http://schemas.microsoft.com/office/drawing/2010/main" xmlns="">
                 <a:solidFill>
                   <a:srgbClr val="FFFFFF"/>
                 </a:solidFill>
               </a14:hiddenFill>
             </a:ext>
             <a:ext uri="{91240B29-F687-4f45-9708-019B960494DF}">
-              <a14:hiddenLine xmlns="" xmlns:a14="http://schemas.microsoft.com/office/drawing/2010/main" w="9525">
+              <a14:hiddenLine xmlns:a14="http://schemas.microsoft.com/office/drawing/2010/main" xmlns="" w="9525">
                 <a:solidFill>
                   <a:srgbClr val="000000"/>
                 </a:solidFill>
@@ -1386,10 +1386,10 @@
           </a:ln>
           <a:extLst>
             <a:ext uri="{FAA26D3D-D897-4be2-8F04-BA451C77F1D7}">
-              <ma14:placeholderFlag xmlns:ma14="http://schemas.microsoft.com/office/mac/drawingml/2011/main" xmlns="" val="1"/>
+              <ma14:placeholderFlag xmlns="" xmlns:ma14="http://schemas.microsoft.com/office/mac/drawingml/2011/main" val="1"/>
             </a:ext>
             <a:ext uri="{909E8E84-426E-40dd-AFC4-6F175D3DCCD1}">
-              <a14:hiddenFill xmlns="" xmlns:a14="http://schemas.microsoft.com/office/drawing/2010/main">
+              <a14:hiddenFill xmlns:a14="http://schemas.microsoft.com/office/drawing/2010/main" xmlns="">
                 <a:solidFill>
                   <a:srgbClr val="FFFFFF"/>
                 </a:solidFill>
@@ -1412,14 +1412,14 @@
           <a:noFill/>
           <a:extLst>
             <a:ext uri="{909E8E84-426E-40dd-AFC4-6F175D3DCCD1}">
-              <a14:hiddenFill xmlns="" xmlns:a14="http://schemas.microsoft.com/office/drawing/2010/main">
+              <a14:hiddenFill xmlns:a14="http://schemas.microsoft.com/office/drawing/2010/main" xmlns="">
                 <a:solidFill>
                   <a:srgbClr val="FFFFFF"/>
                 </a:solidFill>
               </a14:hiddenFill>
             </a:ext>
             <a:ext uri="{91240B29-F687-4f45-9708-019B960494DF}">
-              <a14:hiddenLine xmlns="" xmlns:a14="http://schemas.microsoft.com/office/drawing/2010/main" w="9525">
+              <a14:hiddenLine xmlns:a14="http://schemas.microsoft.com/office/drawing/2010/main" xmlns="" w="9525">
                 <a:solidFill>
                   <a:srgbClr val="000000"/>
                 </a:solidFill>
@@ -1461,14 +1461,14 @@
           <a:noFill/>
           <a:extLst>
             <a:ext uri="{909E8E84-426E-40dd-AFC4-6F175D3DCCD1}">
-              <a14:hiddenFill xmlns="" xmlns:a14="http://schemas.microsoft.com/office/drawing/2010/main">
+              <a14:hiddenFill xmlns:a14="http://schemas.microsoft.com/office/drawing/2010/main" xmlns="">
                 <a:solidFill>
                   <a:srgbClr val="FFFFFF"/>
                 </a:solidFill>
               </a14:hiddenFill>
             </a:ext>
             <a:ext uri="{91240B29-F687-4f45-9708-019B960494DF}">
-              <a14:hiddenLine xmlns="" xmlns:a14="http://schemas.microsoft.com/office/drawing/2010/main" w="9525">
+              <a14:hiddenLine xmlns:a14="http://schemas.microsoft.com/office/drawing/2010/main" xmlns="" w="9525">
                 <a:solidFill>
                   <a:srgbClr val="000000"/>
                 </a:solidFill>
@@ -1649,14 +1649,14 @@
           <a:noFill/>
           <a:extLst>
             <a:ext uri="{909E8E84-426E-40dd-AFC4-6F175D3DCCD1}">
-              <a14:hiddenFill xmlns="" xmlns:a14="http://schemas.microsoft.com/office/drawing/2010/main">
+              <a14:hiddenFill xmlns:a14="http://schemas.microsoft.com/office/drawing/2010/main" xmlns="">
                 <a:solidFill>
                   <a:srgbClr val="FFFFFF"/>
                 </a:solidFill>
               </a14:hiddenFill>
             </a:ext>
             <a:ext uri="{91240B29-F687-4f45-9708-019B960494DF}">
-              <a14:hiddenLine xmlns="" xmlns:a14="http://schemas.microsoft.com/office/drawing/2010/main" w="9525">
+              <a14:hiddenLine xmlns:a14="http://schemas.microsoft.com/office/drawing/2010/main" xmlns="" w="9525">
                 <a:solidFill>
                   <a:srgbClr val="000000"/>
                 </a:solidFill>
@@ -1829,7 +1829,7 @@
           </a:ln>
           <a:extLst>
             <a:ext uri="{FAA26D3D-D897-4be2-8F04-BA451C77F1D7}">
-              <ma14:placeholderFlag xmlns="" xmlns:ma14="http://schemas.microsoft.com/office/mac/drawingml/2011/main" val="1"/>
+              <ma14:placeholderFlag xmlns:ma14="http://schemas.microsoft.com/office/mac/drawingml/2011/main" xmlns="" val="1"/>
             </a:ext>
           </a:extLst>
         </p:spPr>
@@ -1852,14 +1852,14 @@
           <a:noFill/>
           <a:extLst>
             <a:ext uri="{909E8E84-426E-40dd-AFC4-6F175D3DCCD1}">
-              <a14:hiddenFill xmlns="" xmlns:a14="http://schemas.microsoft.com/office/drawing/2010/main">
+              <a14:hiddenFill xmlns:a14="http://schemas.microsoft.com/office/drawing/2010/main" xmlns="">
                 <a:solidFill>
                   <a:srgbClr val="FFFFFF"/>
                 </a:solidFill>
               </a14:hiddenFill>
             </a:ext>
             <a:ext uri="{91240B29-F687-4f45-9708-019B960494DF}">
-              <a14:hiddenLine xmlns="" xmlns:a14="http://schemas.microsoft.com/office/drawing/2010/main" w="9525">
+              <a14:hiddenLine xmlns:a14="http://schemas.microsoft.com/office/drawing/2010/main" xmlns="" w="9525">
                 <a:solidFill>
                   <a:srgbClr val="000000"/>
                 </a:solidFill>
@@ -2268,10 +2268,10 @@
           </a:ln>
           <a:extLst>
             <a:ext uri="{FAA26D3D-D897-4be2-8F04-BA451C77F1D7}">
-              <ma14:placeholderFlag xmlns:ma14="http://schemas.microsoft.com/office/mac/drawingml/2011/main" xmlns="" val="1"/>
+              <ma14:placeholderFlag xmlns="" xmlns:ma14="http://schemas.microsoft.com/office/mac/drawingml/2011/main" val="1"/>
             </a:ext>
             <a:ext uri="{909E8E84-426E-40dd-AFC4-6F175D3DCCD1}">
-              <a14:hiddenFill xmlns="" xmlns:a14="http://schemas.microsoft.com/office/drawing/2010/main">
+              <a14:hiddenFill xmlns:a14="http://schemas.microsoft.com/office/drawing/2010/main" xmlns="">
                 <a:solidFill>
                   <a:srgbClr val="FFFFFF"/>
                 </a:solidFill>
@@ -2294,14 +2294,14 @@
           <a:noFill/>
           <a:extLst>
             <a:ext uri="{909E8E84-426E-40dd-AFC4-6F175D3DCCD1}">
-              <a14:hiddenFill xmlns="" xmlns:a14="http://schemas.microsoft.com/office/drawing/2010/main">
+              <a14:hiddenFill xmlns:a14="http://schemas.microsoft.com/office/drawing/2010/main" xmlns="">
                 <a:solidFill>
                   <a:srgbClr val="FFFFFF"/>
                 </a:solidFill>
               </a14:hiddenFill>
             </a:ext>
             <a:ext uri="{91240B29-F687-4f45-9708-019B960494DF}">
-              <a14:hiddenLine xmlns="" xmlns:a14="http://schemas.microsoft.com/office/drawing/2010/main" w="9525">
+              <a14:hiddenLine xmlns:a14="http://schemas.microsoft.com/office/drawing/2010/main" xmlns="" w="9525">
                 <a:solidFill>
                   <a:srgbClr val="000000"/>
                 </a:solidFill>
@@ -2343,14 +2343,14 @@
           <a:noFill/>
           <a:extLst>
             <a:ext uri="{909E8E84-426E-40dd-AFC4-6F175D3DCCD1}">
-              <a14:hiddenFill xmlns="" xmlns:a14="http://schemas.microsoft.com/office/drawing/2010/main">
+              <a14:hiddenFill xmlns:a14="http://schemas.microsoft.com/office/drawing/2010/main" xmlns="">
                 <a:solidFill>
                   <a:srgbClr val="FFFFFF"/>
                 </a:solidFill>
               </a14:hiddenFill>
             </a:ext>
             <a:ext uri="{91240B29-F687-4f45-9708-019B960494DF}">
-              <a14:hiddenLine xmlns="" xmlns:a14="http://schemas.microsoft.com/office/drawing/2010/main" w="9525">
+              <a14:hiddenLine xmlns:a14="http://schemas.microsoft.com/office/drawing/2010/main" xmlns="" w="9525">
                 <a:solidFill>
                   <a:srgbClr val="000000"/>
                 </a:solidFill>
@@ -2531,10 +2531,10 @@
           </a:ln>
           <a:extLst>
             <a:ext uri="{FAA26D3D-D897-4be2-8F04-BA451C77F1D7}">
-              <ma14:placeholderFlag xmlns:ma14="http://schemas.microsoft.com/office/mac/drawingml/2011/main" xmlns="" val="1"/>
+              <ma14:placeholderFlag xmlns="" xmlns:ma14="http://schemas.microsoft.com/office/mac/drawingml/2011/main" val="1"/>
             </a:ext>
             <a:ext uri="{909E8E84-426E-40dd-AFC4-6F175D3DCCD1}">
-              <a14:hiddenFill xmlns="" xmlns:a14="http://schemas.microsoft.com/office/drawing/2010/main">
+              <a14:hiddenFill xmlns:a14="http://schemas.microsoft.com/office/drawing/2010/main" xmlns="">
                 <a:solidFill>
                   <a:srgbClr val="FFFFFF"/>
                 </a:solidFill>
@@ -2557,14 +2557,14 @@
           <a:noFill/>
           <a:extLst>
             <a:ext uri="{909E8E84-426E-40dd-AFC4-6F175D3DCCD1}">
-              <a14:hiddenFill xmlns="" xmlns:a14="http://schemas.microsoft.com/office/drawing/2010/main">
+              <a14:hiddenFill xmlns:a14="http://schemas.microsoft.com/office/drawing/2010/main" xmlns="">
                 <a:solidFill>
                   <a:srgbClr val="FFFFFF"/>
                 </a:solidFill>
               </a14:hiddenFill>
             </a:ext>
             <a:ext uri="{91240B29-F687-4f45-9708-019B960494DF}">
-              <a14:hiddenLine xmlns="" xmlns:a14="http://schemas.microsoft.com/office/drawing/2010/main" w="9525">
+              <a14:hiddenLine xmlns:a14="http://schemas.microsoft.com/office/drawing/2010/main" xmlns="" w="9525">
                 <a:solidFill>
                   <a:srgbClr val="000000"/>
                 </a:solidFill>
@@ -2618,14 +2618,14 @@
           <a:noFill/>
           <a:extLst>
             <a:ext uri="{909E8E84-426E-40dd-AFC4-6F175D3DCCD1}">
-              <a14:hiddenFill xmlns="" xmlns:a14="http://schemas.microsoft.com/office/drawing/2010/main">
+              <a14:hiddenFill xmlns:a14="http://schemas.microsoft.com/office/drawing/2010/main" xmlns="">
                 <a:solidFill>
                   <a:srgbClr val="FFFFFF"/>
                 </a:solidFill>
               </a14:hiddenFill>
             </a:ext>
             <a:ext uri="{91240B29-F687-4f45-9708-019B960494DF}">
-              <a14:hiddenLine xmlns="" xmlns:a14="http://schemas.microsoft.com/office/drawing/2010/main" w="9525">
+              <a14:hiddenLine xmlns:a14="http://schemas.microsoft.com/office/drawing/2010/main" xmlns="" w="9525">
                 <a:solidFill>
                   <a:srgbClr val="000000"/>
                 </a:solidFill>
@@ -2806,10 +2806,10 @@
           </a:ln>
           <a:extLst>
             <a:ext uri="{FAA26D3D-D897-4be2-8F04-BA451C77F1D7}">
-              <ma14:placeholderFlag xmlns:ma14="http://schemas.microsoft.com/office/mac/drawingml/2011/main" xmlns="" val="1"/>
+              <ma14:placeholderFlag xmlns="" xmlns:ma14="http://schemas.microsoft.com/office/mac/drawingml/2011/main" val="1"/>
             </a:ext>
             <a:ext uri="{909E8E84-426E-40dd-AFC4-6F175D3DCCD1}">
-              <a14:hiddenFill xmlns="" xmlns:a14="http://schemas.microsoft.com/office/drawing/2010/main">
+              <a14:hiddenFill xmlns:a14="http://schemas.microsoft.com/office/drawing/2010/main" xmlns="">
                 <a:solidFill>
                   <a:srgbClr val="FFFFFF"/>
                 </a:solidFill>
@@ -2832,14 +2832,14 @@
           <a:noFill/>
           <a:extLst>
             <a:ext uri="{909E8E84-426E-40dd-AFC4-6F175D3DCCD1}">
-              <a14:hiddenFill xmlns="" xmlns:a14="http://schemas.microsoft.com/office/drawing/2010/main">
+              <a14:hiddenFill xmlns:a14="http://schemas.microsoft.com/office/drawing/2010/main" xmlns="">
                 <a:solidFill>
                   <a:srgbClr val="FFFFFF"/>
                 </a:solidFill>
               </a14:hiddenFill>
             </a:ext>
             <a:ext uri="{91240B29-F687-4f45-9708-019B960494DF}">
-              <a14:hiddenLine xmlns="" xmlns:a14="http://schemas.microsoft.com/office/drawing/2010/main" w="9525">
+              <a14:hiddenLine xmlns:a14="http://schemas.microsoft.com/office/drawing/2010/main" xmlns="" w="9525">
                 <a:solidFill>
                   <a:srgbClr val="000000"/>
                 </a:solidFill>
@@ -2881,14 +2881,14 @@
           <a:noFill/>
           <a:extLst>
             <a:ext uri="{909E8E84-426E-40dd-AFC4-6F175D3DCCD1}">
-              <a14:hiddenFill xmlns="" xmlns:a14="http://schemas.microsoft.com/office/drawing/2010/main">
+              <a14:hiddenFill xmlns:a14="http://schemas.microsoft.com/office/drawing/2010/main" xmlns="">
                 <a:solidFill>
                   <a:srgbClr val="FFFFFF"/>
                 </a:solidFill>
               </a14:hiddenFill>
             </a:ext>
             <a:ext uri="{91240B29-F687-4f45-9708-019B960494DF}">
-              <a14:hiddenLine xmlns="" xmlns:a14="http://schemas.microsoft.com/office/drawing/2010/main" w="9525">
+              <a14:hiddenLine xmlns:a14="http://schemas.microsoft.com/office/drawing/2010/main" xmlns="" w="9525">
                 <a:solidFill>
                   <a:srgbClr val="000000"/>
                 </a:solidFill>
@@ -3069,10 +3069,10 @@
           </a:ln>
           <a:extLst>
             <a:ext uri="{FAA26D3D-D897-4be2-8F04-BA451C77F1D7}">
-              <ma14:placeholderFlag xmlns:ma14="http://schemas.microsoft.com/office/mac/drawingml/2011/main" xmlns="" val="1"/>
+              <ma14:placeholderFlag xmlns="" xmlns:ma14="http://schemas.microsoft.com/office/mac/drawingml/2011/main" val="1"/>
             </a:ext>
             <a:ext uri="{909E8E84-426E-40dd-AFC4-6F175D3DCCD1}">
-              <a14:hiddenFill xmlns="" xmlns:a14="http://schemas.microsoft.com/office/drawing/2010/main">
+              <a14:hiddenFill xmlns:a14="http://schemas.microsoft.com/office/drawing/2010/main" xmlns="">
                 <a:solidFill>
                   <a:srgbClr val="FFFFFF"/>
                 </a:solidFill>
@@ -3095,14 +3095,14 @@
           <a:noFill/>
           <a:extLst>
             <a:ext uri="{909E8E84-426E-40dd-AFC4-6F175D3DCCD1}">
-              <a14:hiddenFill xmlns="" xmlns:a14="http://schemas.microsoft.com/office/drawing/2010/main">
+              <a14:hiddenFill xmlns:a14="http://schemas.microsoft.com/office/drawing/2010/main" xmlns="">
                 <a:solidFill>
                   <a:srgbClr val="FFFFFF"/>
                 </a:solidFill>
               </a14:hiddenFill>
             </a:ext>
             <a:ext uri="{91240B29-F687-4f45-9708-019B960494DF}">
-              <a14:hiddenLine xmlns="" xmlns:a14="http://schemas.microsoft.com/office/drawing/2010/main" w="9525">
+              <a14:hiddenLine xmlns:a14="http://schemas.microsoft.com/office/drawing/2010/main" xmlns="" w="9525">
                 <a:solidFill>
                   <a:srgbClr val="000000"/>
                 </a:solidFill>
@@ -3144,14 +3144,14 @@
           <a:noFill/>
           <a:extLst>
             <a:ext uri="{909E8E84-426E-40dd-AFC4-6F175D3DCCD1}">
-              <a14:hiddenFill xmlns="" xmlns:a14="http://schemas.microsoft.com/office/drawing/2010/main">
+              <a14:hiddenFill xmlns:a14="http://schemas.microsoft.com/office/drawing/2010/main" xmlns="">
                 <a:solidFill>
                   <a:srgbClr val="FFFFFF"/>
                 </a:solidFill>
               </a14:hiddenFill>
             </a:ext>
             <a:ext uri="{91240B29-F687-4f45-9708-019B960494DF}">
-              <a14:hiddenLine xmlns="" xmlns:a14="http://schemas.microsoft.com/office/drawing/2010/main" w="9525">
+              <a14:hiddenLine xmlns:a14="http://schemas.microsoft.com/office/drawing/2010/main" xmlns="" w="9525">
                 <a:solidFill>
                   <a:srgbClr val="000000"/>
                 </a:solidFill>
@@ -4234,7 +4234,7 @@
             <a:fld id="{EC40E7FB-B30A-A942-A21D-EE0E54040989}" type="datetimeFigureOut">
               <a:rPr lang="en-GB" smtClean="0"/>
               <a:pPr/>
-              <a:t>10/11/2021</a:t>
+              <a:t>19/11/2021</a:t>
             </a:fld>
             <a:endParaRPr lang="en-GB"/>
           </a:p>
@@ -4461,7 +4461,7 @@
             <a:fld id="{EC40E7FB-B30A-A942-A21D-EE0E54040989}" type="datetimeFigureOut">
               <a:rPr lang="en-GB" smtClean="0"/>
               <a:pPr/>
-              <a:t>10/11/2021</a:t>
+              <a:t>19/11/2021</a:t>
             </a:fld>
             <a:endParaRPr lang="en-GB"/>
           </a:p>
@@ -8106,7 +8106,7 @@
             <a:fld id="{F967FF78-FFF3-D94C-8CB8-21E3487233EA}" type="datetimeFigureOut">
               <a:rPr lang="en-GB" smtClean="0"/>
               <a:pPr/>
-              <a:t>10/11/2021</a:t>
+              <a:t>19/11/2021</a:t>
             </a:fld>
             <a:endParaRPr lang="en-GB"/>
           </a:p>
@@ -9828,7 +9828,23 @@
                   <a:schemeClr val="tx1"/>
                 </a:solidFill>
               </a:rPr>
-              <a:t>is a revision control system, a tool to manage your source code history.</a:t>
+              <a:t>is a </a:t>
+            </a:r>
+            <a:r>
+              <a:rPr lang="en-US" i="1" dirty="0">
+                <a:solidFill>
+                  <a:schemeClr val="tx1"/>
+                </a:solidFill>
+              </a:rPr>
+              <a:t>revision control system</a:t>
+            </a:r>
+            <a:r>
+              <a:rPr lang="en-US" dirty="0">
+                <a:solidFill>
+                  <a:schemeClr val="tx1"/>
+                </a:solidFill>
+              </a:rPr>
+              <a:t>, a tool to manage your source code history.</a:t>
             </a:r>
             <a:endParaRPr dirty="0">
               <a:solidFill>
@@ -9864,7 +9880,23 @@
                   <a:schemeClr val="tx1"/>
                 </a:solidFill>
               </a:rPr>
-              <a:t>is a hosting service for Git repositories.</a:t>
+              <a:t>is a </a:t>
+            </a:r>
+            <a:r>
+              <a:rPr lang="en-US" i="1" dirty="0">
+                <a:solidFill>
+                  <a:schemeClr val="tx1"/>
+                </a:solidFill>
+              </a:rPr>
+              <a:t>hosting service for Git repositories</a:t>
+            </a:r>
+            <a:r>
+              <a:rPr lang="en-US" dirty="0">
+                <a:solidFill>
+                  <a:schemeClr val="tx1"/>
+                </a:solidFill>
+              </a:rPr>
+              <a:t>.</a:t>
             </a:r>
             <a:endParaRPr dirty="0">
               <a:solidFill>
@@ -10028,7 +10060,7 @@
                   <a:schemeClr val="tx1"/>
                 </a:solidFill>
               </a:rPr>
-              <a:t>need GitHub to use Git but GitHub adds useful functionality.</a:t>
+              <a:t>need GitHub to use Git, but GitHub adds useful functionality.</a:t>
             </a:r>
             <a:endParaRPr dirty="0">
               <a:solidFill>
@@ -10050,8 +10082,8 @@
           </a:p>
         </p:txBody>
       </p:sp>
-      <mc:AlternateContent xmlns:mc="http://schemas.openxmlformats.org/markup-compatibility/2006">
-        <mc:Choice xmlns:p14="http://schemas.microsoft.com/office/powerpoint/2010/main" Requires="p14">
+      <mc:AlternateContent xmlns:mc="http://schemas.openxmlformats.org/markup-compatibility/2006" xmlns:p14="http://schemas.microsoft.com/office/powerpoint/2010/main">
+        <mc:Choice Requires="p14">
           <p:contentPart p14:bwMode="auto" r:id="rId3">
             <p14:nvContentPartPr>
               <p14:cNvPr id="2" name="Ink 1">
@@ -10070,7 +10102,7 @@
             </p14:xfrm>
           </p:contentPart>
         </mc:Choice>
-        <mc:Fallback>
+        <mc:Fallback xmlns="">
           <p:pic>
             <p:nvPicPr>
               <p:cNvPr id="2" name="Ink 1">
@@ -10216,7 +10248,7 @@
           </a:ln>
           <a:extLst>
             <a:ext uri="{909E8E84-426E-40dd-AFC4-6F175D3DCCD1}">
-              <a14:hiddenFill xmlns="" xmlns:a14="http://schemas.microsoft.com/office/drawing/2010/main">
+              <a14:hiddenFill xmlns:a14="http://schemas.microsoft.com/office/drawing/2010/main" xmlns="">
                 <a:solidFill>
                   <a:schemeClr val="accent1"/>
                 </a:solidFill>
@@ -10312,7 +10344,7 @@
           </a:ln>
           <a:extLst>
             <a:ext uri="{909E8E84-426E-40dd-AFC4-6F175D3DCCD1}">
-              <a14:hiddenFill xmlns="" xmlns:a14="http://schemas.microsoft.com/office/drawing/2010/main">
+              <a14:hiddenFill xmlns:a14="http://schemas.microsoft.com/office/drawing/2010/main" xmlns="">
                 <a:solidFill>
                   <a:schemeClr val="accent1"/>
                 </a:solidFill>
@@ -10417,7 +10449,7 @@
           </a:ln>
           <a:extLst>
             <a:ext uri="{909E8E84-426E-40dd-AFC4-6F175D3DCCD1}">
-              <a14:hiddenFill xmlns="" xmlns:a14="http://schemas.microsoft.com/office/drawing/2010/main">
+              <a14:hiddenFill xmlns:a14="http://schemas.microsoft.com/office/drawing/2010/main" xmlns="">
                 <a:solidFill>
                   <a:schemeClr val="accent1"/>
                 </a:solidFill>
@@ -10557,7 +10589,7 @@
           </a:ln>
           <a:extLst>
             <a:ext uri="{909E8E84-426E-40dd-AFC4-6F175D3DCCD1}">
-              <a14:hiddenFill xmlns="" xmlns:a14="http://schemas.microsoft.com/office/drawing/2010/main">
+              <a14:hiddenFill xmlns:a14="http://schemas.microsoft.com/office/drawing/2010/main" xmlns="">
                 <a:solidFill>
                   <a:schemeClr val="accent1"/>
                 </a:solidFill>
@@ -10654,7 +10686,7 @@
           </a:ln>
           <a:extLst>
             <a:ext uri="{909E8E84-426E-40dd-AFC4-6F175D3DCCD1}">
-              <a14:hiddenFill xmlns="" xmlns:a14="http://schemas.microsoft.com/office/drawing/2010/main">
+              <a14:hiddenFill xmlns:a14="http://schemas.microsoft.com/office/drawing/2010/main" xmlns="">
                 <a:solidFill>
                   <a:schemeClr val="accent1"/>
                 </a:solidFill>
@@ -10757,10 +10789,10 @@
           </a:ln>
           <a:extLst>
             <a:ext uri="{FAA26D3D-D897-4be2-8F04-BA451C77F1D7}">
-              <ma14:placeholderFlag xmlns:ma14="http://schemas.microsoft.com/office/mac/drawingml/2011/main" xmlns="" val="1"/>
+              <ma14:placeholderFlag xmlns="" xmlns:ma14="http://schemas.microsoft.com/office/mac/drawingml/2011/main" val="1"/>
             </a:ext>
             <a:ext uri="{909E8E84-426E-40dd-AFC4-6F175D3DCCD1}">
-              <a14:hiddenFill xmlns="" xmlns:a14="http://schemas.microsoft.com/office/drawing/2010/main">
+              <a14:hiddenFill xmlns:a14="http://schemas.microsoft.com/office/drawing/2010/main" xmlns="">
                 <a:solidFill>
                   <a:schemeClr val="accent1"/>
                 </a:solidFill>
@@ -10844,21 +10876,13 @@
           <a:p>
             <a:r>
               <a:rPr lang="en-US" dirty="0"/>
-              <a:t>On this course we are going only using it as a remote repository.</a:t>
+              <a:t>On this course we are only using it as a remote repository.</a:t>
             </a:r>
           </a:p>
           <a:p>
             <a:r>
               <a:rPr lang="en-US" dirty="0"/>
-              <a:t>We are going to concentrate on simply using </a:t>
-            </a:r>
-            <a:r>
-              <a:rPr lang="en-US" dirty="0" err="1"/>
-              <a:t>git</a:t>
-            </a:r>
-            <a:r>
-              <a:rPr lang="en-US" dirty="0"/>
-              <a:t>. </a:t>
+              <a:t>We are going to concentrate on simply using Git. </a:t>
             </a:r>
           </a:p>
           <a:p>
@@ -10914,7 +10938,7 @@
         </p:nvSpPr>
         <p:spPr>
           <a:xfrm>
-            <a:off x="457200" y="-26988"/>
+            <a:off x="406400" y="253999"/>
             <a:ext cx="8229600" cy="1143001"/>
           </a:xfrm>
         </p:spPr>
@@ -10923,12 +10947,12 @@
           <a:lstStyle/>
           <a:p>
             <a:r>
-              <a:rPr lang="en-GB" dirty="0">
+              <a:rPr lang="en-GB" b="1" dirty="0">
                 <a:latin typeface="Calibri" charset="0"/>
               </a:rPr>
               <a:t>Where to start?</a:t>
             </a:r>
-            <a:endParaRPr lang="en-GB" dirty="0">
+            <a:endParaRPr lang="en-GB" b="1" dirty="0">
               <a:latin typeface="Courier New" panose="02070309020205020404" pitchFamily="49" charset="0"/>
               <a:cs typeface="Courier New" panose="02070309020205020404" pitchFamily="49" charset="0"/>
             </a:endParaRPr>
@@ -10943,8 +10967,8 @@
         </p:nvSpPr>
         <p:spPr>
           <a:xfrm>
-            <a:off x="508000" y="1397000"/>
-            <a:ext cx="8077860" cy="2677656"/>
+            <a:off x="533070" y="1545856"/>
+            <a:ext cx="8077860" cy="3970318"/>
           </a:xfrm>
           <a:prstGeom prst="rect">
             <a:avLst/>
@@ -10961,12 +10985,18 @@
               <a:rPr lang="en-US" sz="2800" dirty="0">
                 <a:latin typeface="+mn-lt"/>
               </a:rPr>
-              <a:t>There are three start points when using git:</a:t>
-            </a:r>
-          </a:p>
-          <a:p>
-            <a:pPr marL="342900" indent="-342900">
-              <a:buAutoNum type="arabicPeriod"/>
+              <a:t>There are three different start points when using Git:</a:t>
+            </a:r>
+          </a:p>
+          <a:p>
+            <a:endParaRPr lang="en-US" sz="2800" dirty="0">
+              <a:latin typeface="+mn-lt"/>
+            </a:endParaRPr>
+          </a:p>
+          <a:p>
+            <a:pPr marL="457200" indent="-457200">
+              <a:buFont typeface="Arial" panose="020B0604020202020204" pitchFamily="34" charset="0"/>
+              <a:buChar char="•"/>
             </a:pPr>
             <a:r>
               <a:rPr lang="en-US" sz="2800" dirty="0">
@@ -10982,8 +11012,14 @@
             </a:r>
           </a:p>
           <a:p>
-            <a:pPr marL="342900" indent="-342900">
-              <a:buAutoNum type="arabicPeriod"/>
+            <a:endParaRPr lang="en-US" sz="2800" b="1" dirty="0">
+              <a:latin typeface="+mn-lt"/>
+            </a:endParaRPr>
+          </a:p>
+          <a:p>
+            <a:pPr marL="457200" indent="-457200">
+              <a:buFont typeface="Arial" panose="020B0604020202020204" pitchFamily="34" charset="0"/>
+              <a:buChar char="•"/>
             </a:pPr>
             <a:r>
               <a:rPr lang="en-US" sz="2800" dirty="0">
@@ -10999,14 +11035,20 @@
             </a:r>
           </a:p>
           <a:p>
-            <a:pPr marL="342900" indent="-342900">
-              <a:buAutoNum type="arabicPeriod"/>
+            <a:endParaRPr lang="en-US" sz="2800" b="1" dirty="0">
+              <a:latin typeface="+mn-lt"/>
+            </a:endParaRPr>
+          </a:p>
+          <a:p>
+            <a:pPr marL="457200" indent="-457200">
+              <a:buFont typeface="Arial" panose="020B0604020202020204" pitchFamily="34" charset="0"/>
+              <a:buChar char="•"/>
             </a:pPr>
             <a:r>
               <a:rPr lang="en-US" sz="2800" dirty="0">
                 <a:latin typeface="+mn-lt"/>
               </a:rPr>
-              <a:t>Turn existing </a:t>
+              <a:t>Turn an existing </a:t>
             </a:r>
             <a:r>
               <a:rPr lang="en-US" sz="2800" b="1" dirty="0">
@@ -11018,7 +11060,7 @@
               <a:rPr lang="en-US" sz="2800" dirty="0">
                 <a:latin typeface="+mn-lt"/>
               </a:rPr>
-              <a:t>into a git repo, can either contain files or be empty</a:t>
+              <a:t>into a Git repo; it can contain files or be empty</a:t>
             </a:r>
           </a:p>
           <a:p>
@@ -11065,7 +11107,7 @@
         </p:nvSpPr>
         <p:spPr>
           <a:xfrm>
-            <a:off x="457200" y="-26988"/>
+            <a:off x="457200" y="36810"/>
             <a:ext cx="8229600" cy="1143001"/>
           </a:xfrm>
         </p:spPr>
@@ -11262,7 +11304,7 @@
           </a:ln>
           <a:extLst>
             <a:ext uri="{909E8E84-426E-40dd-AFC4-6F175D3DCCD1}">
-              <a14:hiddenFill xmlns:a14="http://schemas.microsoft.com/office/drawing/2010/main" xmlns="">
+              <a14:hiddenFill xmlns="" xmlns:a14="http://schemas.microsoft.com/office/drawing/2010/main">
                 <a:solidFill>
                   <a:schemeClr val="accent1"/>
                 </a:solidFill>
@@ -11371,8 +11413,8 @@
         </p:nvSpPr>
         <p:spPr>
           <a:xfrm>
-            <a:off x="206375" y="1268413"/>
-            <a:ext cx="8686800" cy="5257800"/>
+            <a:off x="508184" y="1162088"/>
+            <a:ext cx="8127631" cy="5257800"/>
           </a:xfrm>
         </p:spPr>
         <p:txBody>
@@ -11407,7 +11449,7 @@
               <a:rPr lang="en-GB" dirty="0">
                 <a:latin typeface="Calibri" charset="0"/>
               </a:rPr>
-              <a:t>Basic </a:t>
+              <a:t>Basic workflow</a:t>
             </a:r>
           </a:p>
           <a:p>
@@ -11494,7 +11536,12 @@
             <p:ph type="title"/>
           </p:nvPr>
         </p:nvSpPr>
-        <p:spPr/>
+        <p:spPr>
+          <a:xfrm>
+            <a:off x="448235" y="263362"/>
+            <a:ext cx="8247530" cy="880969"/>
+          </a:xfrm>
+        </p:spPr>
         <p:txBody>
           <a:bodyPr/>
           <a:lstStyle/>
@@ -11525,7 +11572,7 @@
           </p:nvPr>
         </p:nvPicPr>
         <p:blipFill>
-          <a:blip r:embed="rId2">
+          <a:blip r:embed="rId2" cstate="email">
             <a:extLst>
               <a:ext uri="{28A0092B-C50C-407E-A947-70E740481C1C}">
                 <a14:useLocalDpi xmlns:a14="http://schemas.microsoft.com/office/drawing/2010/main" val="0"/>
@@ -11538,7 +11585,7 @@
         </p:blipFill>
         <p:spPr>
           <a:xfrm>
-            <a:off x="447115" y="1832876"/>
+            <a:off x="447115" y="1258715"/>
             <a:ext cx="8248650" cy="502630"/>
           </a:xfrm>
         </p:spPr>
@@ -11571,7 +11618,7 @@
         </p:blipFill>
         <p:spPr>
           <a:xfrm>
-            <a:off x="447115" y="2790042"/>
+            <a:off x="6252492" y="2876756"/>
             <a:ext cx="2133600" cy="2489200"/>
           </a:xfrm>
           <a:prstGeom prst="rect">
@@ -11592,9 +11639,9 @@
           <p:nvPr/>
         </p:nvSpPr>
         <p:spPr>
-          <a:xfrm rot="10800000">
-            <a:off x="2755075" y="3194463"/>
-            <a:ext cx="2030680" cy="700644"/>
+          <a:xfrm>
+            <a:off x="3211033" y="3360119"/>
+            <a:ext cx="2803261" cy="534988"/>
           </a:xfrm>
           <a:prstGeom prst="rightArrow">
             <a:avLst/>
@@ -11638,9 +11685,9 @@
           <p:nvPr/>
         </p:nvSpPr>
         <p:spPr>
-          <a:xfrm rot="16200000">
-            <a:off x="7066961" y="2844141"/>
-            <a:ext cx="2030680" cy="700644"/>
+          <a:xfrm rot="20553985">
+            <a:off x="5937254" y="1749507"/>
+            <a:ext cx="2030680" cy="362064"/>
           </a:xfrm>
           <a:prstGeom prst="rightArrow">
             <a:avLst/>
@@ -11685,8 +11732,8 @@
         </p:nvSpPr>
         <p:spPr>
           <a:xfrm>
-            <a:off x="7066791" y="4371384"/>
-            <a:ext cx="2024913" cy="369332"/>
+            <a:off x="3904744" y="2108572"/>
+            <a:ext cx="2188420" cy="369332"/>
           </a:xfrm>
           <a:prstGeom prst="rect">
             <a:avLst/>
@@ -11701,7 +11748,7 @@
           <a:p>
             <a:r>
               <a:rPr lang="en-GB" dirty="0"/>
-              <a:t>Click + in top right</a:t>
+              <a:t>Click "+" in top right</a:t>
             </a:r>
           </a:p>
         </p:txBody>
@@ -11720,8 +11767,8 @@
         </p:nvSpPr>
         <p:spPr>
           <a:xfrm>
-            <a:off x="4785754" y="3332103"/>
-            <a:ext cx="2287806" cy="369332"/>
+            <a:off x="757908" y="3450496"/>
+            <a:ext cx="2451312" cy="369332"/>
           </a:xfrm>
           <a:prstGeom prst="rect">
             <a:avLst/>
@@ -11736,7 +11783,7 @@
           <a:p>
             <a:r>
               <a:rPr lang="en-GB" dirty="0"/>
-              <a:t>Click New repository</a:t>
+              <a:t>Click "New repository"</a:t>
             </a:r>
           </a:p>
         </p:txBody>
@@ -11755,8 +11802,8 @@
         </p:nvSpPr>
         <p:spPr>
           <a:xfrm>
-            <a:off x="892413" y="5595331"/>
-            <a:ext cx="7786683" cy="461665"/>
+            <a:off x="757908" y="5456333"/>
+            <a:ext cx="8004692" cy="461665"/>
           </a:xfrm>
           <a:prstGeom prst="rect">
             <a:avLst/>
@@ -11771,7 +11818,7 @@
           <a:p>
             <a:r>
               <a:rPr lang="en-GB" sz="2400" dirty="0"/>
-              <a:t>You can then clone in the same way as Where to start 1</a:t>
+              <a:t>You can then clone in the same way as "Where to start 1"</a:t>
             </a:r>
           </a:p>
         </p:txBody>
@@ -12096,7 +12143,7 @@
           <a:p>
             <a:r>
               <a:rPr lang="en-US" dirty="0"/>
-              <a:t>Where to start 3: start a new repository from existing files</a:t>
+              <a:t>Where to start 3: start a new repository from an existing local directory</a:t>
             </a:r>
           </a:p>
         </p:txBody>
@@ -12113,8 +12160,8 @@
         </p:nvSpPr>
         <p:spPr>
           <a:xfrm>
-            <a:off x="457200" y="1600200"/>
-            <a:ext cx="8229600" cy="4394199"/>
+            <a:off x="457199" y="1600200"/>
+            <a:ext cx="8247529" cy="4394199"/>
           </a:xfrm>
         </p:spPr>
         <p:style>
@@ -12135,7 +12182,7 @@
         </p:style>
         <p:txBody>
           <a:bodyPr>
-            <a:normAutofit lnSpcReduction="10000"/>
+            <a:normAutofit/>
           </a:bodyPr>
           <a:lstStyle/>
           <a:p>
@@ -12143,14 +12190,14 @@
               <a:buNone/>
             </a:pPr>
             <a:r>
-              <a:rPr lang="en-US" sz="1800" dirty="0">
+              <a:rPr lang="en-US" sz="1600" dirty="0">
                 <a:latin typeface="Courier New" panose="02070309020205020404" pitchFamily="49" charset="0"/>
                 <a:cs typeface="Courier New" panose="02070309020205020404" pitchFamily="49" charset="0"/>
               </a:rPr>
               <a:t>$ </a:t>
             </a:r>
             <a:r>
-              <a:rPr lang="en-US" sz="1800" b="1" dirty="0" err="1">
+              <a:rPr lang="en-US" sz="1600" b="1" dirty="0" err="1">
                 <a:solidFill>
                   <a:srgbClr val="FFFF00"/>
                 </a:solidFill>
@@ -12159,7 +12206,7 @@
               </a:rPr>
               <a:t>ls</a:t>
             </a:r>
-            <a:endParaRPr lang="en-US" sz="1800" b="1" dirty="0">
+            <a:endParaRPr lang="en-US" sz="1600" b="1" dirty="0">
               <a:solidFill>
                 <a:srgbClr val="FFFF00"/>
               </a:solidFill>
@@ -12172,7 +12219,7 @@
               <a:buNone/>
             </a:pPr>
             <a:r>
-              <a:rPr lang="en-US" sz="1800" dirty="0">
+              <a:rPr lang="en-US" sz="1600" dirty="0">
                 <a:latin typeface="Courier New" panose="02070309020205020404" pitchFamily="49" charset="0"/>
                 <a:cs typeface="Courier New" panose="02070309020205020404" pitchFamily="49" charset="0"/>
               </a:rPr>
@@ -12184,14 +12231,14 @@
               <a:buNone/>
             </a:pPr>
             <a:r>
-              <a:rPr lang="en-US" sz="1800" dirty="0">
+              <a:rPr lang="en-US" sz="1600" dirty="0">
                 <a:latin typeface="Courier New" panose="02070309020205020404" pitchFamily="49" charset="0"/>
                 <a:cs typeface="Courier New" panose="02070309020205020404" pitchFamily="49" charset="0"/>
               </a:rPr>
               <a:t>$ </a:t>
             </a:r>
             <a:r>
-              <a:rPr lang="en-US" sz="1800" b="1" dirty="0" err="1">
+              <a:rPr lang="en-US" sz="1600" b="1" dirty="0" err="1">
                 <a:solidFill>
                   <a:srgbClr val="FFFF00"/>
                 </a:solidFill>
@@ -12201,7 +12248,7 @@
               <a:t>git</a:t>
             </a:r>
             <a:r>
-              <a:rPr lang="en-US" sz="1800" b="1" dirty="0">
+              <a:rPr lang="en-US" sz="1600" b="1" dirty="0">
                 <a:solidFill>
                   <a:srgbClr val="FFFF00"/>
                 </a:solidFill>
@@ -12211,7 +12258,7 @@
               <a:t> </a:t>
             </a:r>
             <a:r>
-              <a:rPr lang="en-US" sz="1800" b="1" dirty="0" err="1">
+              <a:rPr lang="en-US" sz="1600" b="1" dirty="0" err="1">
                 <a:solidFill>
                   <a:srgbClr val="FFFF00"/>
                 </a:solidFill>
@@ -12220,7 +12267,7 @@
               </a:rPr>
               <a:t>init</a:t>
             </a:r>
-            <a:endParaRPr lang="en-US" sz="1800" b="1" dirty="0">
+            <a:endParaRPr lang="en-US" sz="1600" b="1" dirty="0">
               <a:solidFill>
                 <a:srgbClr val="FFFF00"/>
               </a:solidFill>
@@ -12233,63 +12280,63 @@
               <a:buNone/>
             </a:pPr>
             <a:r>
-              <a:rPr lang="en-US" sz="1800" dirty="0">
+              <a:rPr lang="en-US" sz="1600" dirty="0">
                 <a:latin typeface="Courier New" panose="02070309020205020404" pitchFamily="49" charset="0"/>
                 <a:cs typeface="Courier New" panose="02070309020205020404" pitchFamily="49" charset="0"/>
               </a:rPr>
               <a:t>Initialized empty </a:t>
             </a:r>
             <a:r>
-              <a:rPr lang="en-US" sz="1800" dirty="0" err="1">
+              <a:rPr lang="en-US" sz="1600" dirty="0" err="1">
                 <a:latin typeface="Courier New" panose="02070309020205020404" pitchFamily="49" charset="0"/>
                 <a:cs typeface="Courier New" panose="02070309020205020404" pitchFamily="49" charset="0"/>
               </a:rPr>
               <a:t>Git</a:t>
             </a:r>
             <a:r>
-              <a:rPr lang="en-US" sz="1800" dirty="0">
+              <a:rPr lang="en-US" sz="1600" dirty="0">
                 <a:latin typeface="Courier New" panose="02070309020205020404" pitchFamily="49" charset="0"/>
                 <a:cs typeface="Courier New" panose="02070309020205020404" pitchFamily="49" charset="0"/>
               </a:rPr>
               <a:t> repository in /Users/sjp23/play/</a:t>
             </a:r>
             <a:r>
-              <a:rPr lang="en-US" sz="1800" dirty="0" err="1">
+              <a:rPr lang="en-US" sz="1600" dirty="0" err="1">
                 <a:latin typeface="Courier New" panose="02070309020205020404" pitchFamily="49" charset="0"/>
                 <a:cs typeface="Courier New" panose="02070309020205020404" pitchFamily="49" charset="0"/>
               </a:rPr>
               <a:t>york_workshop_shell</a:t>
             </a:r>
             <a:r>
-              <a:rPr lang="en-US" sz="1800" dirty="0">
+              <a:rPr lang="en-US" sz="1600" dirty="0">
                 <a:latin typeface="Courier New" panose="02070309020205020404" pitchFamily="49" charset="0"/>
                 <a:cs typeface="Courier New" panose="02070309020205020404" pitchFamily="49" charset="0"/>
               </a:rPr>
               <a:t>/test-</a:t>
             </a:r>
             <a:r>
-              <a:rPr lang="en-US" sz="1800" dirty="0" err="1">
+              <a:rPr lang="en-US" sz="1600" dirty="0" err="1">
                 <a:latin typeface="Courier New" panose="02070309020205020404" pitchFamily="49" charset="0"/>
                 <a:cs typeface="Courier New" panose="02070309020205020404" pitchFamily="49" charset="0"/>
               </a:rPr>
               <a:t>pakage</a:t>
             </a:r>
             <a:r>
-              <a:rPr lang="en-US" sz="1800" dirty="0">
+              <a:rPr lang="en-US" sz="1600" dirty="0">
                 <a:latin typeface="Courier New" panose="02070309020205020404" pitchFamily="49" charset="0"/>
                 <a:cs typeface="Courier New" panose="02070309020205020404" pitchFamily="49" charset="0"/>
               </a:rPr>
               <a:t>/.</a:t>
             </a:r>
             <a:r>
-              <a:rPr lang="en-US" sz="1800" dirty="0" err="1">
+              <a:rPr lang="en-US" sz="1600" dirty="0" err="1">
                 <a:latin typeface="Courier New" panose="02070309020205020404" pitchFamily="49" charset="0"/>
                 <a:cs typeface="Courier New" panose="02070309020205020404" pitchFamily="49" charset="0"/>
               </a:rPr>
               <a:t>git</a:t>
             </a:r>
             <a:r>
-              <a:rPr lang="en-US" sz="1800" dirty="0">
+              <a:rPr lang="en-US" sz="1600" dirty="0">
                 <a:latin typeface="Courier New" panose="02070309020205020404" pitchFamily="49" charset="0"/>
                 <a:cs typeface="Courier New" panose="02070309020205020404" pitchFamily="49" charset="0"/>
               </a:rPr>
@@ -12301,14 +12348,14 @@
               <a:buNone/>
             </a:pPr>
             <a:r>
-              <a:rPr lang="en-US" sz="1800" dirty="0">
+              <a:rPr lang="en-US" sz="1600" dirty="0">
                 <a:latin typeface="Courier New" panose="02070309020205020404" pitchFamily="49" charset="0"/>
                 <a:cs typeface="Courier New" panose="02070309020205020404" pitchFamily="49" charset="0"/>
               </a:rPr>
               <a:t>$ </a:t>
             </a:r>
             <a:r>
-              <a:rPr lang="en-US" sz="1800" b="1" dirty="0" err="1">
+              <a:rPr lang="en-US" sz="1600" b="1" dirty="0" err="1">
                 <a:solidFill>
                   <a:srgbClr val="FFFF00"/>
                 </a:solidFill>
@@ -12318,7 +12365,7 @@
               <a:t>git</a:t>
             </a:r>
             <a:r>
-              <a:rPr lang="en-US" sz="1800" b="1" dirty="0">
+              <a:rPr lang="en-US" sz="1600" b="1" dirty="0">
                 <a:solidFill>
                   <a:srgbClr val="FFFF00"/>
                 </a:solidFill>
@@ -12333,14 +12380,14 @@
               <a:buNone/>
             </a:pPr>
             <a:r>
-              <a:rPr lang="en-US" sz="1800" dirty="0">
+              <a:rPr lang="en-US" sz="1600" dirty="0">
                 <a:latin typeface="Courier New" panose="02070309020205020404" pitchFamily="49" charset="0"/>
                 <a:cs typeface="Courier New" panose="02070309020205020404" pitchFamily="49" charset="0"/>
               </a:rPr>
               <a:t>$ </a:t>
             </a:r>
             <a:r>
-              <a:rPr lang="en-US" sz="1800" b="1" dirty="0" err="1">
+              <a:rPr lang="en-US" sz="1600" b="1" dirty="0" err="1">
                 <a:solidFill>
                   <a:srgbClr val="FFFF00"/>
                 </a:solidFill>
@@ -12350,7 +12397,7 @@
               <a:t>git</a:t>
             </a:r>
             <a:r>
-              <a:rPr lang="en-US" sz="1800" b="1" dirty="0">
+              <a:rPr lang="en-US" sz="1600" b="1" dirty="0">
                 <a:solidFill>
                   <a:srgbClr val="FFFF00"/>
                 </a:solidFill>
@@ -12360,7 +12407,7 @@
               <a:t> commit </a:t>
             </a:r>
             <a:r>
-              <a:rPr lang="mr-IN" sz="1800" b="1" dirty="0">
+              <a:rPr lang="mr-IN" sz="1600" b="1" dirty="0">
                 <a:solidFill>
                   <a:srgbClr val="FFFF00"/>
                 </a:solidFill>
@@ -12370,24 +12417,14 @@
               <a:t>–</a:t>
             </a:r>
             <a:r>
-              <a:rPr lang="en-US" sz="1800" b="1" dirty="0" err="1">
+              <a:rPr lang="en-US" sz="1600" b="1" dirty="0">
                 <a:solidFill>
                   <a:srgbClr val="FFFF00"/>
                 </a:solidFill>
                 <a:latin typeface="Courier New" panose="02070309020205020404" pitchFamily="49" charset="0"/>
                 <a:cs typeface="Courier New" panose="02070309020205020404" pitchFamily="49" charset="0"/>
               </a:rPr>
-              <a:t>m'Initial</a:t>
-            </a:r>
-            <a:r>
-              <a:rPr lang="en-US" sz="1800" b="1" dirty="0">
-                <a:solidFill>
-                  <a:srgbClr val="FFFF00"/>
-                </a:solidFill>
-                <a:latin typeface="Courier New" panose="02070309020205020404" pitchFamily="49" charset="0"/>
-                <a:cs typeface="Courier New" panose="02070309020205020404" pitchFamily="49" charset="0"/>
-              </a:rPr>
-              <a:t> commit from existing files'</a:t>
+              <a:t>m 'Initial commit from existing files'</a:t>
             </a:r>
           </a:p>
           <a:p>
@@ -12395,7 +12432,7 @@
               <a:buNone/>
             </a:pPr>
             <a:r>
-              <a:rPr lang="en-US" sz="1800" dirty="0">
+              <a:rPr lang="en-US" sz="1600" dirty="0">
                 <a:latin typeface="Courier New" panose="02070309020205020404" pitchFamily="49" charset="0"/>
                 <a:cs typeface="Courier New" panose="02070309020205020404" pitchFamily="49" charset="0"/>
               </a:rPr>
@@ -12407,7 +12444,7 @@
               <a:buNone/>
             </a:pPr>
             <a:r>
-              <a:rPr lang="en-US" sz="1800" dirty="0">
+              <a:rPr lang="en-US" sz="1600" dirty="0">
                 <a:latin typeface="Courier New" panose="02070309020205020404" pitchFamily="49" charset="0"/>
                 <a:cs typeface="Courier New" panose="02070309020205020404" pitchFamily="49" charset="0"/>
               </a:rPr>
@@ -12419,7 +12456,7 @@
               <a:buNone/>
             </a:pPr>
             <a:r>
-              <a:rPr lang="en-US" sz="1800" dirty="0">
+              <a:rPr lang="en-US" sz="1600" dirty="0">
                 <a:latin typeface="Courier New" panose="02070309020205020404" pitchFamily="49" charset="0"/>
                 <a:cs typeface="Courier New" panose="02070309020205020404" pitchFamily="49" charset="0"/>
               </a:rPr>
@@ -12431,7 +12468,7 @@
               <a:buNone/>
             </a:pPr>
             <a:r>
-              <a:rPr lang="en-US" sz="1800" dirty="0">
+              <a:rPr lang="en-US" sz="1600" dirty="0">
                 <a:latin typeface="Courier New" panose="02070309020205020404" pitchFamily="49" charset="0"/>
                 <a:cs typeface="Courier New" panose="02070309020205020404" pitchFamily="49" charset="0"/>
               </a:rPr>
@@ -12443,7 +12480,7 @@
               <a:buNone/>
             </a:pPr>
             <a:r>
-              <a:rPr lang="en-US" sz="1800" dirty="0">
+              <a:rPr lang="en-US" sz="1600" dirty="0">
                 <a:latin typeface="Courier New" panose="02070309020205020404" pitchFamily="49" charset="0"/>
                 <a:cs typeface="Courier New" panose="02070309020205020404" pitchFamily="49" charset="0"/>
               </a:rPr>
@@ -12798,8 +12835,8 @@
         </p:nvSpPr>
         <p:spPr>
           <a:xfrm>
-            <a:off x="457200" y="1089025"/>
-            <a:ext cx="8229600" cy="5391150"/>
+            <a:off x="457200" y="1073893"/>
+            <a:ext cx="8229600" cy="5523245"/>
           </a:xfrm>
         </p:spPr>
         <p:txBody>
@@ -13659,7 +13696,7 @@
         </p:nvSpPr>
         <p:spPr>
           <a:xfrm>
-            <a:off x="457200" y="42863"/>
+            <a:off x="457200" y="-42201"/>
             <a:ext cx="8229600" cy="1143000"/>
           </a:xfrm>
         </p:spPr>
@@ -13880,14 +13917,14 @@
           </a:ln>
           <a:extLst>
             <a:ext uri="{909E8E84-426E-40dd-AFC4-6F175D3DCCD1}">
-              <a14:hiddenFill xmlns="" xmlns:a14="http://schemas.microsoft.com/office/drawing/2010/main">
+              <a14:hiddenFill xmlns:a14="http://schemas.microsoft.com/office/drawing/2010/main" xmlns="">
                 <a:solidFill>
                   <a:srgbClr val="FFFFFF"/>
                 </a:solidFill>
               </a14:hiddenFill>
             </a:ext>
             <a:ext uri="{91240B29-F687-4f45-9708-019B960494DF}">
-              <a14:hiddenLine xmlns="" xmlns:a14="http://schemas.microsoft.com/office/drawing/2010/main" w="9525">
+              <a14:hiddenLine xmlns:a14="http://schemas.microsoft.com/office/drawing/2010/main" xmlns="" w="9525">
                 <a:solidFill>
                   <a:srgbClr val="000000"/>
                 </a:solidFill>
@@ -15684,7 +15721,12 @@
             <p:ph type="title"/>
           </p:nvPr>
         </p:nvSpPr>
-        <p:spPr/>
+        <p:spPr>
+          <a:xfrm>
+            <a:off x="448235" y="316527"/>
+            <a:ext cx="8247530" cy="880969"/>
+          </a:xfrm>
+        </p:spPr>
         <p:txBody>
           <a:bodyPr/>
           <a:lstStyle/>
@@ -15792,17 +15834,17 @@
           </a:ln>
           <a:extLst>
             <a:ext uri="{FAA26D3D-D897-4be2-8F04-BA451C77F1D7}">
-              <ma14:placeholderFlag xmlns:ma14="http://schemas.microsoft.com/office/mac/drawingml/2011/main" xmlns="" val="1"/>
+              <ma14:placeholderFlag xmlns="" xmlns:ma14="http://schemas.microsoft.com/office/mac/drawingml/2011/main" val="1"/>
             </a:ext>
             <a:ext uri="{909E8E84-426E-40dd-AFC4-6F175D3DCCD1}">
-              <a14:hiddenFill xmlns="" xmlns:a14="http://schemas.microsoft.com/office/drawing/2010/main">
+              <a14:hiddenFill xmlns:a14="http://schemas.microsoft.com/office/drawing/2010/main" xmlns="">
                 <a:solidFill>
                   <a:srgbClr val="FFFFFF"/>
                 </a:solidFill>
               </a14:hiddenFill>
             </a:ext>
             <a:ext uri="{91240B29-F687-4f45-9708-019B960494DF}">
-              <a14:hiddenLine xmlns="" xmlns:a14="http://schemas.microsoft.com/office/drawing/2010/main" w="9525">
+              <a14:hiddenLine xmlns:a14="http://schemas.microsoft.com/office/drawing/2010/main" xmlns="" w="9525">
                 <a:solidFill>
                   <a:srgbClr val="000000"/>
                 </a:solidFill>
@@ -16164,7 +16206,12 @@
             <p:ph type="title"/>
           </p:nvPr>
         </p:nvSpPr>
-        <p:spPr/>
+        <p:spPr>
+          <a:xfrm>
+            <a:off x="448235" y="337793"/>
+            <a:ext cx="8247530" cy="880969"/>
+          </a:xfrm>
+        </p:spPr>
         <p:txBody>
           <a:bodyPr/>
           <a:lstStyle/>
@@ -16241,19 +16288,7 @@
               <a:rPr lang="en-GB" dirty="0">
                 <a:ea typeface="+mn-ea"/>
               </a:rPr>
-              <a:t>You are going to create and update your own </a:t>
-            </a:r>
-            <a:r>
-              <a:rPr lang="en-GB" dirty="0" err="1">
-                <a:ea typeface="+mn-ea"/>
-              </a:rPr>
-              <a:t>Github</a:t>
-            </a:r>
-            <a:r>
-              <a:rPr lang="en-GB" dirty="0">
-                <a:ea typeface="+mn-ea"/>
-              </a:rPr>
-              <a:t> repository with files from exercises throughout the course.</a:t>
+              <a:t>We encourage you to create and update your own GitHub repository with files from exercises throughout the course.</a:t>
             </a:r>
           </a:p>
           <a:p>
@@ -16305,8 +16340,8 @@
         </p:nvSpPr>
         <p:spPr>
           <a:xfrm>
-            <a:off x="206375" y="1268413"/>
-            <a:ext cx="8686800" cy="5257800"/>
+            <a:off x="457200" y="1183352"/>
+            <a:ext cx="8431619" cy="4855941"/>
           </a:xfrm>
         </p:spPr>
         <p:txBody>
@@ -16320,7 +16355,7 @@
               <a:rPr lang="en-GB" dirty="0">
                 <a:latin typeface="Calibri" charset="0"/>
               </a:rPr>
-              <a:t>Git is easy to use but will take a bit of practice to get comfortable. With that in mind:</a:t>
+              <a:t>Git is easy to use but will take a bit of practice to get comfortable with. With that in mind:</a:t>
             </a:r>
           </a:p>
           <a:p>
@@ -16344,57 +16379,53 @@
               <a:rPr lang="en-GB" dirty="0">
                 <a:latin typeface="Calibri" charset="0"/>
               </a:rPr>
-              <a:t>We will provide you with a cheat sheet</a:t>
-            </a:r>
-          </a:p>
-          <a:p>
-            <a:r>
-              <a:rPr lang="en-GB" dirty="0">
-                <a:latin typeface="Calibri" charset="0"/>
-              </a:rPr>
-              <a:t>The internet is full of answers</a:t>
-            </a:r>
-          </a:p>
-          <a:p>
-            <a:r>
-              <a:rPr lang="en-GB" dirty="0">
-                <a:latin typeface="Calibri" charset="0"/>
-              </a:rPr>
-              <a:t>Give it a go. </a:t>
-            </a:r>
-            <a:r>
-              <a:rPr lang="en-GB" b="1" dirty="0">
-                <a:latin typeface="Calibri" charset="0"/>
-              </a:rPr>
-              <a:t>You don’t need to “get it” to “git it”.</a:t>
-            </a:r>
-          </a:p>
-          <a:p>
-            <a:r>
-              <a:rPr lang="en-GB" b="1" dirty="0">
-                <a:latin typeface="Calibri" charset="0"/>
-              </a:rPr>
-              <a:t>The exercise following this presentation will make sure you are setup with git/</a:t>
-            </a:r>
-            <a:r>
-              <a:rPr lang="en-GB" b="1" dirty="0" err="1">
-                <a:latin typeface="Calibri" charset="0"/>
-              </a:rPr>
-              <a:t>github</a:t>
-            </a:r>
-            <a:endParaRPr lang="en-GB" b="1" dirty="0">
-              <a:latin typeface="Calibri" charset="0"/>
-            </a:endParaRPr>
-          </a:p>
-          <a:p>
+              <a:t>We will provide you with a </a:t>
+            </a:r>
+            <a:r>
+              <a:rPr lang="en-GB" dirty="0" err="1">
+                <a:latin typeface="Calibri" charset="0"/>
+              </a:rPr>
+              <a:t>cheatsheet</a:t>
+            </a:r>
             <a:endParaRPr lang="en-GB" dirty="0">
               <a:latin typeface="Calibri" charset="0"/>
             </a:endParaRPr>
           </a:p>
           <a:p>
-            <a:pPr marL="0" indent="0">
-              <a:buNone/>
-            </a:pPr>
+            <a:r>
+              <a:rPr lang="en-GB" dirty="0">
+                <a:latin typeface="Calibri" charset="0"/>
+              </a:rPr>
+              <a:t>The internet is full of answers</a:t>
+            </a:r>
+          </a:p>
+          <a:p>
+            <a:r>
+              <a:rPr lang="en-GB" dirty="0">
+                <a:latin typeface="Calibri" charset="0"/>
+              </a:rPr>
+              <a:t>Give it a go. </a:t>
+            </a:r>
+            <a:r>
+              <a:rPr lang="en-GB" b="1" dirty="0">
+                <a:latin typeface="Calibri" charset="0"/>
+              </a:rPr>
+              <a:t>You don’t need to “get it” to “git it”.</a:t>
+            </a:r>
+          </a:p>
+          <a:p>
+            <a:r>
+              <a:rPr lang="en-GB" b="1" dirty="0">
+                <a:latin typeface="Calibri" charset="0"/>
+              </a:rPr>
+              <a:t>The exercise following this presentation will make sure you are setup with Git/</a:t>
+            </a:r>
+            <a:r>
+              <a:rPr lang="en-GB" b="1" dirty="0" err="1">
+                <a:latin typeface="Calibri" charset="0"/>
+              </a:rPr>
+              <a:t>GitGub</a:t>
+            </a:r>
             <a:endParaRPr lang="en-GB" dirty="0">
               <a:latin typeface="Calibri" charset="0"/>
             </a:endParaRPr>
@@ -16413,7 +16444,7 @@
         </p:nvSpPr>
         <p:spPr>
           <a:xfrm>
-            <a:off x="457200" y="125413"/>
+            <a:off x="393402" y="125413"/>
             <a:ext cx="8229600" cy="1143000"/>
           </a:xfrm>
         </p:spPr>
@@ -16472,8 +16503,8 @@
         </p:nvSpPr>
         <p:spPr>
           <a:xfrm>
-            <a:off x="206375" y="1268413"/>
-            <a:ext cx="8686800" cy="5257800"/>
+            <a:off x="629499" y="1271552"/>
+            <a:ext cx="7885002" cy="4494434"/>
           </a:xfrm>
         </p:spPr>
         <p:txBody>
@@ -16605,8 +16636,8 @@
         </p:nvSpPr>
         <p:spPr>
           <a:xfrm>
-            <a:off x="206375" y="1268413"/>
-            <a:ext cx="8686800" cy="5257800"/>
+            <a:off x="397769" y="1279046"/>
+            <a:ext cx="8229600" cy="5257800"/>
           </a:xfrm>
         </p:spPr>
         <p:txBody>
@@ -16640,7 +16671,7 @@
               <a:rPr lang="en-GB" dirty="0">
                 <a:latin typeface="Calibri" charset="0"/>
               </a:rPr>
-              <a:t>Collaboration between scientists requires data-sharing; this implicitly relies on </a:t>
+              <a:t>Collaboration between scientists requires data-sharing; this implicitly relies upon </a:t>
             </a:r>
             <a:r>
               <a:rPr lang="en-GB" b="1" dirty="0">
@@ -16683,7 +16714,7 @@
               <a:rPr lang="en-GB" dirty="0">
                 <a:latin typeface="Calibri" charset="0"/>
               </a:rPr>
-              <a:t>Reduce errors and admin burden (latest, new1, new2 etc…)</a:t>
+              <a:t>Reduce errors and admin burden ("latest", "new2"…)</a:t>
             </a:r>
           </a:p>
           <a:p>
@@ -16998,14 +17029,14 @@
           </a:ln>
           <a:extLst>
             <a:ext uri="{909E8E84-426E-40dd-AFC4-6F175D3DCCD1}">
-              <a14:hiddenFill xmlns="" xmlns:a14="http://schemas.microsoft.com/office/drawing/2010/main">
+              <a14:hiddenFill xmlns:a14="http://schemas.microsoft.com/office/drawing/2010/main" xmlns="">
                 <a:solidFill>
                   <a:srgbClr val="FFFFFF"/>
                 </a:solidFill>
               </a14:hiddenFill>
             </a:ext>
             <a:ext uri="{91240B29-F687-4f45-9708-019B960494DF}">
-              <a14:hiddenLine xmlns="" xmlns:a14="http://schemas.microsoft.com/office/drawing/2010/main" w="9525">
+              <a14:hiddenLine xmlns:a14="http://schemas.microsoft.com/office/drawing/2010/main" xmlns="" w="9525">
                 <a:solidFill>
                   <a:srgbClr val="000000"/>
                 </a:solidFill>
@@ -17337,14 +17368,14 @@
           </a:ln>
           <a:extLst>
             <a:ext uri="{909E8E84-426E-40dd-AFC4-6F175D3DCCD1}">
-              <a14:hiddenFill xmlns="" xmlns:a14="http://schemas.microsoft.com/office/drawing/2010/main">
+              <a14:hiddenFill xmlns:a14="http://schemas.microsoft.com/office/drawing/2010/main" xmlns="">
                 <a:solidFill>
                   <a:srgbClr val="FFFFFF"/>
                 </a:solidFill>
               </a14:hiddenFill>
             </a:ext>
             <a:ext uri="{91240B29-F687-4f45-9708-019B960494DF}">
-              <a14:hiddenLine xmlns="" xmlns:a14="http://schemas.microsoft.com/office/drawing/2010/main" w="9525">
+              <a14:hiddenLine xmlns:a14="http://schemas.microsoft.com/office/drawing/2010/main" xmlns="" w="9525">
                 <a:solidFill>
                   <a:srgbClr val="000000"/>
                 </a:solidFill>
@@ -17922,8 +17953,8 @@
         </p:nvSpPr>
         <p:spPr>
           <a:xfrm>
-            <a:off x="368300" y="1494263"/>
-            <a:ext cx="8462100" cy="4180200"/>
+            <a:off x="675436" y="1338900"/>
+            <a:ext cx="7777088" cy="4412954"/>
           </a:xfrm>
           <a:prstGeom prst="rect">
             <a:avLst/>
@@ -18191,8 +18222,8 @@
           </a:p>
         </p:txBody>
       </p:sp>
-      <mc:AlternateContent xmlns:mc="http://schemas.openxmlformats.org/markup-compatibility/2006">
-        <mc:Choice xmlns:p14="http://schemas.microsoft.com/office/powerpoint/2010/main" Requires="p14">
+      <mc:AlternateContent xmlns:mc="http://schemas.openxmlformats.org/markup-compatibility/2006" xmlns:p14="http://schemas.microsoft.com/office/powerpoint/2010/main">
+        <mc:Choice Requires="p14">
           <p:contentPart p14:bwMode="auto" r:id="rId3">
             <p14:nvContentPartPr>
               <p14:cNvPr id="2" name="Ink 1">
@@ -18211,7 +18242,7 @@
             </p14:xfrm>
           </p:contentPart>
         </mc:Choice>
-        <mc:Fallback>
+        <mc:Fallback xmlns="">
           <p:pic>
             <p:nvPicPr>
               <p:cNvPr id="2" name="Ink 1">
@@ -18242,8 +18273,8 @@
           </p:pic>
         </mc:Fallback>
       </mc:AlternateContent>
-      <mc:AlternateContent xmlns:mc="http://schemas.openxmlformats.org/markup-compatibility/2006">
-        <mc:Choice xmlns:p14="http://schemas.microsoft.com/office/powerpoint/2010/main" xmlns:aink="http://schemas.microsoft.com/office/drawing/2016/ink" Requires="p14 aink">
+      <mc:AlternateContent xmlns:mc="http://schemas.openxmlformats.org/markup-compatibility/2006" xmlns:p14="http://schemas.microsoft.com/office/powerpoint/2010/main" xmlns:aink="http://schemas.microsoft.com/office/drawing/2016/ink">
+        <mc:Choice Requires="p14 aink">
           <p:contentPart p14:bwMode="auto" r:id="rId5">
             <p14:nvContentPartPr>
               <p14:cNvPr id="3" name="Ink 2">
@@ -18262,7 +18293,7 @@
             </p14:xfrm>
           </p:contentPart>
         </mc:Choice>
-        <mc:Fallback>
+        <mc:Fallback xmlns="">
           <p:pic>
             <p:nvPicPr>
               <p:cNvPr id="3" name="Ink 2">
@@ -18293,8 +18324,8 @@
           </p:pic>
         </mc:Fallback>
       </mc:AlternateContent>
-      <mc:AlternateContent xmlns:mc="http://schemas.openxmlformats.org/markup-compatibility/2006">
-        <mc:Choice xmlns:p14="http://schemas.microsoft.com/office/powerpoint/2010/main" Requires="p14">
+      <mc:AlternateContent xmlns:mc="http://schemas.openxmlformats.org/markup-compatibility/2006" xmlns:p14="http://schemas.microsoft.com/office/powerpoint/2010/main">
+        <mc:Choice Requires="p14">
           <p:contentPart p14:bwMode="auto" r:id="rId7">
             <p14:nvContentPartPr>
               <p14:cNvPr id="4" name="Ink 3">
@@ -18313,7 +18344,7 @@
             </p14:xfrm>
           </p:contentPart>
         </mc:Choice>
-        <mc:Fallback>
+        <mc:Fallback xmlns="">
           <p:pic>
             <p:nvPicPr>
               <p:cNvPr id="4" name="Ink 3">
@@ -18364,8 +18395,8 @@
             <a:chExt cx="4346280" cy="294840"/>
           </a:xfrm>
         </p:grpSpPr>
-        <mc:AlternateContent xmlns:mc="http://schemas.openxmlformats.org/markup-compatibility/2006">
-          <mc:Choice xmlns:p14="http://schemas.microsoft.com/office/powerpoint/2010/main" Requires="p14">
+        <mc:AlternateContent xmlns:mc="http://schemas.openxmlformats.org/markup-compatibility/2006" xmlns:p14="http://schemas.microsoft.com/office/powerpoint/2010/main">
+          <mc:Choice Requires="p14">
             <p:contentPart p14:bwMode="auto" r:id="rId9">
               <p14:nvContentPartPr>
                 <p14:cNvPr id="5" name="Ink 4">
@@ -18384,7 +18415,7 @@
               </p14:xfrm>
             </p:contentPart>
           </mc:Choice>
-          <mc:Fallback>
+          <mc:Fallback xmlns="">
             <p:pic>
               <p:nvPicPr>
                 <p:cNvPr id="5" name="Ink 4">
@@ -18415,8 +18446,8 @@
             </p:pic>
           </mc:Fallback>
         </mc:AlternateContent>
-        <mc:AlternateContent xmlns:mc="http://schemas.openxmlformats.org/markup-compatibility/2006">
-          <mc:Choice xmlns:p14="http://schemas.microsoft.com/office/powerpoint/2010/main" Requires="p14">
+        <mc:AlternateContent xmlns:mc="http://schemas.openxmlformats.org/markup-compatibility/2006" xmlns:p14="http://schemas.microsoft.com/office/powerpoint/2010/main">
+          <mc:Choice Requires="p14">
             <p:contentPart p14:bwMode="auto" r:id="rId11">
               <p14:nvContentPartPr>
                 <p14:cNvPr id="6" name="Ink 5">
@@ -18435,7 +18466,7 @@
               </p14:xfrm>
             </p:contentPart>
           </mc:Choice>
-          <mc:Fallback>
+          <mc:Fallback xmlns="">
             <p:pic>
               <p:nvPicPr>
                 <p:cNvPr id="6" name="Ink 5">
@@ -18467,8 +18498,8 @@
           </mc:Fallback>
         </mc:AlternateContent>
       </p:grpSp>
-      <mc:AlternateContent xmlns:mc="http://schemas.openxmlformats.org/markup-compatibility/2006">
-        <mc:Choice xmlns:p14="http://schemas.microsoft.com/office/powerpoint/2010/main" Requires="p14">
+      <mc:AlternateContent xmlns:mc="http://schemas.openxmlformats.org/markup-compatibility/2006" xmlns:p14="http://schemas.microsoft.com/office/powerpoint/2010/main">
+        <mc:Choice Requires="p14">
           <p:contentPart p14:bwMode="auto" r:id="rId13">
             <p14:nvContentPartPr>
               <p14:cNvPr id="8" name="Ink 7">
@@ -18487,7 +18518,7 @@
             </p14:xfrm>
           </p:contentPart>
         </mc:Choice>
-        <mc:Fallback>
+        <mc:Fallback xmlns="">
           <p:pic>
             <p:nvPicPr>
               <p:cNvPr id="8" name="Ink 7">

--- a/version_control/presentations/01_git_intro.pptx
+++ b/version_control/presentations/01_git_intro.pptx
@@ -5,7 +5,7 @@
     <p:sldMasterId id="2147483711" r:id="rId1"/>
   </p:sldMasterIdLst>
   <p:notesMasterIdLst>
-    <p:notesMasterId r:id="rId27"/>
+    <p:notesMasterId r:id="rId28"/>
   </p:notesMasterIdLst>
   <p:sldIdLst>
     <p:sldId id="256" r:id="rId2"/>
@@ -13,26 +13,27 @@
     <p:sldId id="545" r:id="rId4"/>
     <p:sldId id="544" r:id="rId5"/>
     <p:sldId id="271" r:id="rId6"/>
-    <p:sldId id="273" r:id="rId7"/>
-    <p:sldId id="305" r:id="rId8"/>
-    <p:sldId id="275" r:id="rId9"/>
-    <p:sldId id="276" r:id="rId10"/>
-    <p:sldId id="277" r:id="rId11"/>
-    <p:sldId id="524" r:id="rId12"/>
-    <p:sldId id="525" r:id="rId13"/>
-    <p:sldId id="526" r:id="rId14"/>
-    <p:sldId id="527" r:id="rId15"/>
-    <p:sldId id="528" r:id="rId16"/>
-    <p:sldId id="529" r:id="rId17"/>
-    <p:sldId id="546" r:id="rId18"/>
-    <p:sldId id="531" r:id="rId19"/>
-    <p:sldId id="549" r:id="rId20"/>
-    <p:sldId id="547" r:id="rId21"/>
-    <p:sldId id="548" r:id="rId22"/>
-    <p:sldId id="520" r:id="rId23"/>
-    <p:sldId id="516" r:id="rId24"/>
-    <p:sldId id="517" r:id="rId25"/>
-    <p:sldId id="521" r:id="rId26"/>
+    <p:sldId id="550" r:id="rId7"/>
+    <p:sldId id="273" r:id="rId8"/>
+    <p:sldId id="305" r:id="rId9"/>
+    <p:sldId id="275" r:id="rId10"/>
+    <p:sldId id="276" r:id="rId11"/>
+    <p:sldId id="277" r:id="rId12"/>
+    <p:sldId id="524" r:id="rId13"/>
+    <p:sldId id="525" r:id="rId14"/>
+    <p:sldId id="526" r:id="rId15"/>
+    <p:sldId id="527" r:id="rId16"/>
+    <p:sldId id="528" r:id="rId17"/>
+    <p:sldId id="529" r:id="rId18"/>
+    <p:sldId id="546" r:id="rId19"/>
+    <p:sldId id="531" r:id="rId20"/>
+    <p:sldId id="549" r:id="rId21"/>
+    <p:sldId id="547" r:id="rId22"/>
+    <p:sldId id="548" r:id="rId23"/>
+    <p:sldId id="520" r:id="rId24"/>
+    <p:sldId id="516" r:id="rId25"/>
+    <p:sldId id="517" r:id="rId26"/>
+    <p:sldId id="521" r:id="rId27"/>
   </p:sldIdLst>
   <p:sldSz cx="9144000" cy="6858000" type="screen4x3"/>
   <p:notesSz cx="6858000" cy="9144000"/>
@@ -479,7 +480,7 @@
             <a:fld id="{17F80633-BAA2-0049-BDEC-E483C21777A6}" type="datetimeFigureOut">
               <a:rPr lang="en-GB"/>
               <a:pPr/>
-              <a:t>19/11/2021</a:t>
+              <a:t>14/02/2023</a:t>
             </a:fld>
             <a:endParaRPr lang="en-GB"/>
           </a:p>
@@ -973,7 +974,7 @@
                 <a:buFont typeface="Times New Roman" charset="0"/>
                 <a:buNone/>
               </a:pPr>
-              <a:t>6</a:t>
+              <a:t>7</a:t>
             </a:fld>
             <a:endParaRPr lang="en-US">
               <a:latin typeface="Times New Roman" charset="0"/>
@@ -1331,7 +1332,7 @@
                 <a:latin typeface="Arial" charset="0"/>
               </a:rPr>
               <a:pPr/>
-              <a:t>15</a:t>
+              <a:t>16</a:t>
             </a:fld>
             <a:endParaRPr lang="en-GB">
               <a:latin typeface="Arial" charset="0"/>
@@ -1594,7 +1595,7 @@
                 <a:latin typeface="Arial" charset="0"/>
               </a:rPr>
               <a:pPr/>
-              <a:t>16</a:t>
+              <a:t>17</a:t>
             </a:fld>
             <a:endParaRPr lang="en-GB">
               <a:latin typeface="Arial" charset="0"/>
@@ -1791,7 +1792,7 @@
                 <a:buFont typeface="Times New Roman" charset="0"/>
                 <a:buNone/>
               </a:pPr>
-              <a:t>7</a:t>
+              <a:t>8</a:t>
             </a:fld>
             <a:endParaRPr lang="en-US">
               <a:latin typeface="Times New Roman" charset="0"/>
@@ -1984,8 +1985,8 @@
         </p:nvSpPr>
         <p:spPr>
           <a:xfrm>
-            <a:off x="1143225" y="685800"/>
-            <a:ext cx="4572225" cy="3429000"/>
+            <a:off x="1143000" y="685800"/>
+            <a:ext cx="4572000" cy="3429000"/>
           </a:xfrm>
           <a:custGeom>
             <a:avLst/>
@@ -2476,7 +2477,7 @@
                 <a:latin typeface="Arial" charset="0"/>
               </a:rPr>
               <a:pPr/>
-              <a:t>11</a:t>
+              <a:t>12</a:t>
             </a:fld>
             <a:endParaRPr lang="en-GB">
               <a:latin typeface="Arial" charset="0"/>
@@ -2751,7 +2752,7 @@
                 <a:latin typeface="Arial" charset="0"/>
               </a:rPr>
               <a:pPr/>
-              <a:t>12</a:t>
+              <a:t>13</a:t>
             </a:fld>
             <a:endParaRPr lang="en-GB">
               <a:latin typeface="Arial" charset="0"/>
@@ -3014,7 +3015,7 @@
                 <a:latin typeface="Arial" charset="0"/>
               </a:rPr>
               <a:pPr/>
-              <a:t>13</a:t>
+              <a:t>14</a:t>
             </a:fld>
             <a:endParaRPr lang="en-GB">
               <a:latin typeface="Arial" charset="0"/>
@@ -3277,7 +3278,7 @@
                 <a:latin typeface="Arial" charset="0"/>
               </a:rPr>
               <a:pPr/>
-              <a:t>14</a:t>
+              <a:t>15</a:t>
             </a:fld>
             <a:endParaRPr lang="en-GB">
               <a:latin typeface="Arial" charset="0"/>
@@ -4234,7 +4235,7 @@
             <a:fld id="{EC40E7FB-B30A-A942-A21D-EE0E54040989}" type="datetimeFigureOut">
               <a:rPr lang="en-GB" smtClean="0"/>
               <a:pPr/>
-              <a:t>19/11/2021</a:t>
+              <a:t>14/02/2023</a:t>
             </a:fld>
             <a:endParaRPr lang="en-GB"/>
           </a:p>
@@ -4461,7 +4462,7 @@
             <a:fld id="{EC40E7FB-B30A-A942-A21D-EE0E54040989}" type="datetimeFigureOut">
               <a:rPr lang="en-GB" smtClean="0"/>
               <a:pPr/>
-              <a:t>19/11/2021</a:t>
+              <a:t>14/02/2023</a:t>
             </a:fld>
             <a:endParaRPr lang="en-GB"/>
           </a:p>
@@ -8106,7 +8107,7 @@
             <a:fld id="{F967FF78-FFF3-D94C-8CB8-21E3487233EA}" type="datetimeFigureOut">
               <a:rPr lang="en-GB" smtClean="0"/>
               <a:pPr/>
-              <a:t>19/11/2021</a:t>
+              <a:t>14/02/2023</a:t>
             </a:fld>
             <a:endParaRPr lang="en-GB"/>
           </a:p>
@@ -9611,43 +9612,7 @@
               <a:rPr lang="en-GB" sz="1400" dirty="0">
                 <a:latin typeface="+mn-lt"/>
               </a:rPr>
-              <a:t>Alison </a:t>
-            </a:r>
-            <a:r>
-              <a:rPr lang="en-GB" sz="1400" dirty="0" err="1">
-                <a:latin typeface="+mn-lt"/>
-              </a:rPr>
-              <a:t>Pamment</a:t>
-            </a:r>
-            <a:r>
-              <a:rPr lang="en-GB" sz="1400" dirty="0">
-                <a:latin typeface="+mn-lt"/>
-              </a:rPr>
-              <a:t>, Sam </a:t>
-            </a:r>
-            <a:r>
-              <a:rPr lang="en-GB" sz="1400" dirty="0" err="1">
-                <a:latin typeface="+mn-lt"/>
-              </a:rPr>
-              <a:t>Pepler</a:t>
-            </a:r>
-            <a:r>
-              <a:rPr lang="en-GB" sz="1400" dirty="0">
-                <a:latin typeface="+mn-lt"/>
-              </a:rPr>
-              <a:t>, Ag Stephens, Stephen Pascoe, Kevin Marsh,  Anabelle Guillory, Graham Parton, Esther Conway, Eduardo </a:t>
-            </a:r>
-            <a:r>
-              <a:rPr lang="en-GB" sz="1400" dirty="0" err="1">
-                <a:latin typeface="+mn-lt"/>
-              </a:rPr>
-              <a:t>Damasio</a:t>
-            </a:r>
-            <a:r>
-              <a:rPr lang="en-GB" sz="1400" dirty="0">
-                <a:latin typeface="+mn-lt"/>
-              </a:rPr>
-              <a:t> Da Costa, Wendy Garland, Alan Iwi, Matt Pritchard and Tommy Godfrey.</a:t>
+              <a:t>Alison Pamment, Sam Pepler, Ag Stephens, Stephen Pascoe, Kevin Marsh,  Anabelle Guillory, Graham Parton, Esther Conway, Eduardo Damasio Da Costa, Wendy Garland, Alan Iwi, Matt Pritchard and Tommy Godfrey.</a:t>
             </a:r>
           </a:p>
         </p:txBody>
@@ -9678,7 +9643,7 @@
               <a:rPr lang="en-GB" dirty="0">
                 <a:latin typeface="Calibri" charset="0"/>
               </a:rPr>
-              <a:t>Managing your code: quietly introducing </a:t>
+              <a:t>Managing your code: introducing </a:t>
             </a:r>
             <a:r>
               <a:rPr lang="en-GB" i="1" dirty="0">
@@ -9705,6 +9670,704 @@
 </file>
 
 <file path=ppt/slides/slide10.xml><?xml version="1.0" encoding="utf-8"?>
+<p:sld xmlns:a="http://schemas.openxmlformats.org/drawingml/2006/main" xmlns:r="http://schemas.openxmlformats.org/officeDocument/2006/relationships" xmlns:p="http://schemas.openxmlformats.org/presentationml/2006/main">
+  <p:cSld>
+    <p:spTree>
+      <p:nvGrpSpPr>
+        <p:cNvPr id="1" name="Shape 209"/>
+        <p:cNvGrpSpPr/>
+        <p:nvPr/>
+      </p:nvGrpSpPr>
+      <p:grpSpPr>
+        <a:xfrm>
+          <a:off x="0" y="0"/>
+          <a:ext cx="0" cy="0"/>
+          <a:chOff x="0" y="0"/>
+          <a:chExt cx="0" cy="0"/>
+        </a:xfrm>
+      </p:grpSpPr>
+      <p:sp>
+        <p:nvSpPr>
+          <p:cNvPr id="210" name="Google Shape;210;p28"/>
+          <p:cNvSpPr txBox="1">
+            <a:spLocks noGrp="1"/>
+          </p:cNvSpPr>
+          <p:nvPr>
+            <p:ph type="ctrTitle"/>
+          </p:nvPr>
+        </p:nvSpPr>
+        <p:spPr>
+          <a:xfrm>
+            <a:off x="406400" y="313615"/>
+            <a:ext cx="8462100" cy="715200"/>
+          </a:xfrm>
+          <a:prstGeom prst="rect">
+            <a:avLst/>
+          </a:prstGeom>
+          <a:noFill/>
+          <a:ln>
+            <a:noFill/>
+          </a:ln>
+        </p:spPr>
+        <p:txBody>
+          <a:bodyPr spcFirstLastPara="1" wrap="square" lIns="91425" tIns="45700" rIns="91425" bIns="45700" anchor="t" anchorCtr="0">
+            <a:noAutofit/>
+          </a:bodyPr>
+          <a:lstStyle/>
+          <a:p>
+            <a:pPr marL="0" marR="0" lvl="0" indent="0" algn="l" rtl="0">
+              <a:lnSpc>
+                <a:spcPct val="90000"/>
+              </a:lnSpc>
+              <a:spcBef>
+                <a:spcPts val="0"/>
+              </a:spcBef>
+              <a:spcAft>
+                <a:spcPts val="0"/>
+              </a:spcAft>
+              <a:buClr>
+                <a:srgbClr val="63666A"/>
+              </a:buClr>
+              <a:buSzPts val="2400"/>
+              <a:buFont typeface="Calibri"/>
+              <a:buNone/>
+            </a:pPr>
+            <a:r>
+              <a:rPr lang="en-US" dirty="0">
+                <a:solidFill>
+                  <a:schemeClr val="tx1"/>
+                </a:solidFill>
+              </a:rPr>
+              <a:t>What is GitHub?</a:t>
+            </a:r>
+            <a:endParaRPr sz="2400" b="0" i="0" u="none" strike="noStrike" cap="none" dirty="0">
+              <a:solidFill>
+                <a:schemeClr val="tx1"/>
+              </a:solidFill>
+              <a:ea typeface="Calibri"/>
+              <a:cs typeface="Calibri"/>
+              <a:sym typeface="Calibri"/>
+            </a:endParaRPr>
+          </a:p>
+        </p:txBody>
+      </p:sp>
+      <p:sp>
+        <p:nvSpPr>
+          <p:cNvPr id="211" name="Google Shape;211;p28"/>
+          <p:cNvSpPr txBox="1">
+            <a:spLocks noGrp="1"/>
+          </p:cNvSpPr>
+          <p:nvPr>
+            <p:ph type="body" idx="1"/>
+          </p:nvPr>
+        </p:nvSpPr>
+        <p:spPr>
+          <a:xfrm>
+            <a:off x="675436" y="1338900"/>
+            <a:ext cx="7777088" cy="4412954"/>
+          </a:xfrm>
+          <a:prstGeom prst="rect">
+            <a:avLst/>
+          </a:prstGeom>
+        </p:spPr>
+        <p:txBody>
+          <a:bodyPr spcFirstLastPara="1" wrap="square" lIns="91425" tIns="45700" rIns="91425" bIns="45700" anchor="t" anchorCtr="0">
+            <a:noAutofit/>
+          </a:bodyPr>
+          <a:lstStyle/>
+          <a:p>
+            <a:pPr marL="0" lvl="0" indent="0" algn="l" rtl="0">
+              <a:spcBef>
+                <a:spcPts val="600"/>
+              </a:spcBef>
+              <a:spcAft>
+                <a:spcPts val="0"/>
+              </a:spcAft>
+              <a:buNone/>
+            </a:pPr>
+            <a:r>
+              <a:rPr lang="en-US" sz="2400" dirty="0">
+                <a:solidFill>
+                  <a:schemeClr val="tx1"/>
+                </a:solidFill>
+              </a:rPr>
+              <a:t>“A </a:t>
+            </a:r>
+            <a:r>
+              <a:rPr lang="en-US" sz="2400" b="1" dirty="0">
+                <a:solidFill>
+                  <a:schemeClr val="tx1"/>
+                </a:solidFill>
+              </a:rPr>
+              <a:t>web-based</a:t>
+            </a:r>
+            <a:r>
+              <a:rPr lang="en-US" sz="2400" dirty="0">
+                <a:solidFill>
+                  <a:schemeClr val="tx1"/>
+                </a:solidFill>
+              </a:rPr>
+              <a:t> Git repository </a:t>
+            </a:r>
+            <a:r>
+              <a:rPr lang="en-US" sz="2400" b="1" dirty="0">
+                <a:solidFill>
+                  <a:schemeClr val="tx1"/>
+                </a:solidFill>
+              </a:rPr>
+              <a:t>hosting service</a:t>
+            </a:r>
+            <a:r>
+              <a:rPr lang="en-US" sz="2400" dirty="0">
+                <a:solidFill>
+                  <a:schemeClr val="tx1"/>
+                </a:solidFill>
+              </a:rPr>
+              <a:t>”</a:t>
+            </a:r>
+            <a:endParaRPr sz="2400" dirty="0">
+              <a:solidFill>
+                <a:schemeClr val="tx1"/>
+              </a:solidFill>
+            </a:endParaRPr>
+          </a:p>
+          <a:p>
+            <a:pPr marL="0" lvl="0" indent="0" algn="l" rtl="0">
+              <a:spcBef>
+                <a:spcPts val="600"/>
+              </a:spcBef>
+              <a:spcAft>
+                <a:spcPts val="0"/>
+              </a:spcAft>
+              <a:buNone/>
+            </a:pPr>
+            <a:endParaRPr sz="2400" dirty="0">
+              <a:solidFill>
+                <a:schemeClr val="tx1"/>
+              </a:solidFill>
+            </a:endParaRPr>
+          </a:p>
+          <a:p>
+            <a:pPr marL="0" lvl="0" indent="0" algn="l" rtl="0">
+              <a:spcBef>
+                <a:spcPts val="600"/>
+              </a:spcBef>
+              <a:spcAft>
+                <a:spcPts val="0"/>
+              </a:spcAft>
+              <a:buNone/>
+            </a:pPr>
+            <a:r>
+              <a:rPr lang="en-US" sz="2400" dirty="0">
+                <a:solidFill>
+                  <a:schemeClr val="tx1"/>
+                </a:solidFill>
+              </a:rPr>
+              <a:t>GitHub allows you to:</a:t>
+            </a:r>
+            <a:endParaRPr sz="2400" dirty="0">
+              <a:solidFill>
+                <a:schemeClr val="tx1"/>
+              </a:solidFill>
+            </a:endParaRPr>
+          </a:p>
+          <a:p>
+            <a:pPr marL="457200" lvl="0" indent="-406400" algn="l" rtl="0">
+              <a:spcBef>
+                <a:spcPts val="600"/>
+              </a:spcBef>
+              <a:spcAft>
+                <a:spcPts val="0"/>
+              </a:spcAft>
+              <a:buSzPts val="2800"/>
+              <a:buChar char="●"/>
+            </a:pPr>
+            <a:r>
+              <a:rPr lang="en-US" sz="2400" dirty="0">
+                <a:solidFill>
+                  <a:schemeClr val="tx1"/>
+                </a:solidFill>
+              </a:rPr>
+              <a:t>Share your repositories with others</a:t>
+            </a:r>
+            <a:endParaRPr sz="2400" dirty="0">
+              <a:solidFill>
+                <a:schemeClr val="tx1"/>
+              </a:solidFill>
+            </a:endParaRPr>
+          </a:p>
+          <a:p>
+            <a:pPr marL="457200" lvl="0" indent="-406400" algn="l" rtl="0">
+              <a:spcBef>
+                <a:spcPts val="0"/>
+              </a:spcBef>
+              <a:spcAft>
+                <a:spcPts val="0"/>
+              </a:spcAft>
+              <a:buSzPts val="2800"/>
+              <a:buChar char="●"/>
+            </a:pPr>
+            <a:r>
+              <a:rPr lang="en-US" sz="2400" dirty="0">
+                <a:solidFill>
+                  <a:schemeClr val="tx1"/>
+                </a:solidFill>
+              </a:rPr>
+              <a:t>Access other users’ repositories</a:t>
+            </a:r>
+            <a:endParaRPr sz="2400" dirty="0">
+              <a:solidFill>
+                <a:schemeClr val="tx1"/>
+              </a:solidFill>
+            </a:endParaRPr>
+          </a:p>
+          <a:p>
+            <a:pPr marL="457200" lvl="0" indent="-406400" algn="l" rtl="0">
+              <a:spcBef>
+                <a:spcPts val="0"/>
+              </a:spcBef>
+              <a:spcAft>
+                <a:spcPts val="0"/>
+              </a:spcAft>
+              <a:buSzPts val="2800"/>
+              <a:buChar char="●"/>
+            </a:pPr>
+            <a:r>
+              <a:rPr lang="en-US" sz="2400" dirty="0">
+                <a:solidFill>
+                  <a:schemeClr val="tx1"/>
+                </a:solidFill>
+              </a:rPr>
+              <a:t>Store remote copies as a backup of your local repositories</a:t>
+            </a:r>
+            <a:endParaRPr sz="2400" dirty="0">
+              <a:solidFill>
+                <a:schemeClr val="tx1"/>
+              </a:solidFill>
+            </a:endParaRPr>
+          </a:p>
+          <a:p>
+            <a:pPr marL="457200" lvl="0" indent="-406400" algn="l" rtl="0">
+              <a:spcBef>
+                <a:spcPts val="0"/>
+              </a:spcBef>
+              <a:spcAft>
+                <a:spcPts val="0"/>
+              </a:spcAft>
+              <a:buSzPts val="2800"/>
+              <a:buChar char="●"/>
+            </a:pPr>
+            <a:r>
+              <a:rPr lang="en-US" sz="2400" dirty="0">
+                <a:solidFill>
+                  <a:schemeClr val="tx1"/>
+                </a:solidFill>
+              </a:rPr>
+              <a:t>Add bug tracking, feature requests, wikis, ...</a:t>
+            </a:r>
+            <a:endParaRPr sz="2400" dirty="0">
+              <a:solidFill>
+                <a:schemeClr val="tx1"/>
+              </a:solidFill>
+            </a:endParaRPr>
+          </a:p>
+          <a:p>
+            <a:pPr marL="0" lvl="0" indent="0" algn="l" rtl="0">
+              <a:spcBef>
+                <a:spcPts val="600"/>
+              </a:spcBef>
+              <a:spcAft>
+                <a:spcPts val="0"/>
+              </a:spcAft>
+              <a:buNone/>
+            </a:pPr>
+            <a:r>
+              <a:rPr lang="en-US" sz="2400" dirty="0">
+                <a:solidFill>
+                  <a:schemeClr val="tx1"/>
+                </a:solidFill>
+              </a:rPr>
+              <a:t>GitHub is </a:t>
+            </a:r>
+            <a:r>
+              <a:rPr lang="en-US" sz="2400" b="1" dirty="0">
+                <a:solidFill>
+                  <a:schemeClr val="accent6"/>
+                </a:solidFill>
+              </a:rPr>
+              <a:t>free</a:t>
+            </a:r>
+            <a:r>
+              <a:rPr lang="en-US" sz="2400" dirty="0">
+                <a:solidFill>
+                  <a:schemeClr val="tx1"/>
+                </a:solidFill>
+              </a:rPr>
+              <a:t> for most use cases</a:t>
+            </a:r>
+            <a:endParaRPr sz="2400" dirty="0">
+              <a:solidFill>
+                <a:schemeClr val="tx1"/>
+              </a:solidFill>
+            </a:endParaRPr>
+          </a:p>
+          <a:p>
+            <a:pPr marL="0" lvl="0" indent="0" algn="l" rtl="0">
+              <a:lnSpc>
+                <a:spcPct val="130000"/>
+              </a:lnSpc>
+              <a:spcBef>
+                <a:spcPts val="0"/>
+              </a:spcBef>
+              <a:spcAft>
+                <a:spcPts val="1600"/>
+              </a:spcAft>
+              <a:buNone/>
+            </a:pPr>
+            <a:endParaRPr sz="2400" dirty="0">
+              <a:solidFill>
+                <a:schemeClr val="tx1"/>
+              </a:solidFill>
+            </a:endParaRPr>
+          </a:p>
+        </p:txBody>
+      </p:sp>
+      <mc:AlternateContent xmlns:mc="http://schemas.openxmlformats.org/markup-compatibility/2006" xmlns:p14="http://schemas.microsoft.com/office/powerpoint/2010/main">
+        <mc:Choice Requires="p14">
+          <p:contentPart p14:bwMode="auto" r:id="rId3">
+            <p14:nvContentPartPr>
+              <p14:cNvPr id="2" name="Ink 1">
+                <a:extLst>
+                  <a:ext uri="{FF2B5EF4-FFF2-40B4-BE49-F238E27FC236}">
+                    <a16:creationId xmlns:a16="http://schemas.microsoft.com/office/drawing/2014/main" id="{B9FE3177-D47E-F346-8093-34D0FDDB119A}"/>
+                  </a:ext>
+                </a:extLst>
+              </p14:cNvPr>
+              <p14:cNvContentPartPr/>
+              <p14:nvPr/>
+            </p14:nvContentPartPr>
+            <p14:xfrm>
+              <a:off x="1674309" y="6245014"/>
+              <a:ext cx="1465560" cy="41760"/>
+            </p14:xfrm>
+          </p:contentPart>
+        </mc:Choice>
+        <mc:Fallback xmlns="">
+          <p:pic>
+            <p:nvPicPr>
+              <p:cNvPr id="2" name="Ink 1">
+                <a:extLst>
+                  <a:ext uri="{FF2B5EF4-FFF2-40B4-BE49-F238E27FC236}">
+                    <a16:creationId xmlns:a16="http://schemas.microsoft.com/office/drawing/2014/main" id="{B9FE3177-D47E-F346-8093-34D0FDDB119A}"/>
+                  </a:ext>
+                </a:extLst>
+              </p:cNvPr>
+              <p:cNvPicPr/>
+              <p:nvPr/>
+            </p:nvPicPr>
+            <p:blipFill>
+              <a:blip r:embed="rId4"/>
+              <a:stretch>
+                <a:fillRect/>
+              </a:stretch>
+            </p:blipFill>
+            <p:spPr>
+              <a:xfrm>
+                <a:off x="1620669" y="6137014"/>
+                <a:ext cx="1573200" cy="257400"/>
+              </a:xfrm>
+              <a:prstGeom prst="rect">
+                <a:avLst/>
+              </a:prstGeom>
+            </p:spPr>
+          </p:pic>
+        </mc:Fallback>
+      </mc:AlternateContent>
+      <mc:AlternateContent xmlns:mc="http://schemas.openxmlformats.org/markup-compatibility/2006" xmlns:p14="http://schemas.microsoft.com/office/powerpoint/2010/main" xmlns:aink="http://schemas.microsoft.com/office/drawing/2016/ink">
+        <mc:Choice Requires="p14 aink">
+          <p:contentPart p14:bwMode="auto" r:id="rId5">
+            <p14:nvContentPartPr>
+              <p14:cNvPr id="3" name="Ink 2">
+                <a:extLst>
+                  <a:ext uri="{FF2B5EF4-FFF2-40B4-BE49-F238E27FC236}">
+                    <a16:creationId xmlns:a16="http://schemas.microsoft.com/office/drawing/2014/main" id="{23F3D796-569C-044A-A8D1-BF66F64683B0}"/>
+                  </a:ext>
+                </a:extLst>
+              </p14:cNvPr>
+              <p14:cNvContentPartPr/>
+              <p14:nvPr/>
+            </p14:nvContentPartPr>
+            <p14:xfrm>
+              <a:off x="1721469" y="6291814"/>
+              <a:ext cx="834120" cy="52200"/>
+            </p14:xfrm>
+          </p:contentPart>
+        </mc:Choice>
+        <mc:Fallback xmlns="">
+          <p:pic>
+            <p:nvPicPr>
+              <p:cNvPr id="3" name="Ink 2">
+                <a:extLst>
+                  <a:ext uri="{FF2B5EF4-FFF2-40B4-BE49-F238E27FC236}">
+                    <a16:creationId xmlns:a16="http://schemas.microsoft.com/office/drawing/2014/main" id="{23F3D796-569C-044A-A8D1-BF66F64683B0}"/>
+                  </a:ext>
+                </a:extLst>
+              </p:cNvPr>
+              <p:cNvPicPr/>
+              <p:nvPr/>
+            </p:nvPicPr>
+            <p:blipFill>
+              <a:blip r:embed="rId6"/>
+              <a:stretch>
+                <a:fillRect/>
+              </a:stretch>
+            </p:blipFill>
+            <p:spPr>
+              <a:xfrm>
+                <a:off x="1703829" y="6274174"/>
+                <a:ext cx="869760" cy="87840"/>
+              </a:xfrm>
+              <a:prstGeom prst="rect">
+                <a:avLst/>
+              </a:prstGeom>
+            </p:spPr>
+          </p:pic>
+        </mc:Fallback>
+      </mc:AlternateContent>
+      <mc:AlternateContent xmlns:mc="http://schemas.openxmlformats.org/markup-compatibility/2006" xmlns:p14="http://schemas.microsoft.com/office/powerpoint/2010/main">
+        <mc:Choice Requires="p14">
+          <p:contentPart p14:bwMode="auto" r:id="rId7">
+            <p14:nvContentPartPr>
+              <p14:cNvPr id="4" name="Ink 3">
+                <a:extLst>
+                  <a:ext uri="{FF2B5EF4-FFF2-40B4-BE49-F238E27FC236}">
+                    <a16:creationId xmlns:a16="http://schemas.microsoft.com/office/drawing/2014/main" id="{4E8DBA5F-897F-E646-A684-EE379F95DEFF}"/>
+                  </a:ext>
+                </a:extLst>
+              </p14:cNvPr>
+              <p14:cNvContentPartPr/>
+              <p14:nvPr/>
+            </p14:nvContentPartPr>
+            <p14:xfrm>
+              <a:off x="1706349" y="6216214"/>
+              <a:ext cx="373680" cy="41040"/>
+            </p14:xfrm>
+          </p:contentPart>
+        </mc:Choice>
+        <mc:Fallback xmlns="">
+          <p:pic>
+            <p:nvPicPr>
+              <p:cNvPr id="4" name="Ink 3">
+                <a:extLst>
+                  <a:ext uri="{FF2B5EF4-FFF2-40B4-BE49-F238E27FC236}">
+                    <a16:creationId xmlns:a16="http://schemas.microsoft.com/office/drawing/2014/main" id="{4E8DBA5F-897F-E646-A684-EE379F95DEFF}"/>
+                  </a:ext>
+                </a:extLst>
+              </p:cNvPr>
+              <p:cNvPicPr/>
+              <p:nvPr/>
+            </p:nvPicPr>
+            <p:blipFill>
+              <a:blip r:embed="rId8"/>
+              <a:stretch>
+                <a:fillRect/>
+              </a:stretch>
+            </p:blipFill>
+            <p:spPr>
+              <a:xfrm>
+                <a:off x="1688709" y="6198574"/>
+                <a:ext cx="409320" cy="76680"/>
+              </a:xfrm>
+              <a:prstGeom prst="rect">
+                <a:avLst/>
+              </a:prstGeom>
+            </p:spPr>
+          </p:pic>
+        </mc:Fallback>
+      </mc:AlternateContent>
+      <p:grpSp>
+        <p:nvGrpSpPr>
+          <p:cNvPr id="7" name="Group 6">
+            <a:extLst>
+              <a:ext uri="{FF2B5EF4-FFF2-40B4-BE49-F238E27FC236}">
+                <a16:creationId xmlns:a16="http://schemas.microsoft.com/office/drawing/2014/main" id="{60D7733A-5CFF-0D4A-91FD-464162E4FF92}"/>
+              </a:ext>
+            </a:extLst>
+          </p:cNvPr>
+          <p:cNvGrpSpPr/>
+          <p:nvPr/>
+        </p:nvGrpSpPr>
+        <p:grpSpPr>
+          <a:xfrm>
+            <a:off x="1690509" y="6092734"/>
+            <a:ext cx="4346280" cy="294840"/>
+            <a:chOff x="1690509" y="6092734"/>
+            <a:chExt cx="4346280" cy="294840"/>
+          </a:xfrm>
+        </p:grpSpPr>
+        <mc:AlternateContent xmlns:mc="http://schemas.openxmlformats.org/markup-compatibility/2006" xmlns:p14="http://schemas.microsoft.com/office/powerpoint/2010/main">
+          <mc:Choice Requires="p14">
+            <p:contentPart p14:bwMode="auto" r:id="rId9">
+              <p14:nvContentPartPr>
+                <p14:cNvPr id="5" name="Ink 4">
+                  <a:extLst>
+                    <a:ext uri="{FF2B5EF4-FFF2-40B4-BE49-F238E27FC236}">
+                      <a16:creationId xmlns:a16="http://schemas.microsoft.com/office/drawing/2014/main" id="{BADF720C-B9F5-F44C-A888-2F9B175E2E5C}"/>
+                    </a:ext>
+                  </a:extLst>
+                </p14:cNvPr>
+                <p14:cNvContentPartPr/>
+                <p14:nvPr/>
+              </p14:nvContentPartPr>
+              <p14:xfrm>
+                <a:off x="1690509" y="6092734"/>
+                <a:ext cx="4346280" cy="294840"/>
+              </p14:xfrm>
+            </p:contentPart>
+          </mc:Choice>
+          <mc:Fallback xmlns="">
+            <p:pic>
+              <p:nvPicPr>
+                <p:cNvPr id="5" name="Ink 4">
+                  <a:extLst>
+                    <a:ext uri="{FF2B5EF4-FFF2-40B4-BE49-F238E27FC236}">
+                      <a16:creationId xmlns:a16="http://schemas.microsoft.com/office/drawing/2014/main" id="{BADF720C-B9F5-F44C-A888-2F9B175E2E5C}"/>
+                    </a:ext>
+                  </a:extLst>
+                </p:cNvPr>
+                <p:cNvPicPr/>
+                <p:nvPr/>
+              </p:nvPicPr>
+              <p:blipFill>
+                <a:blip r:embed="rId10"/>
+                <a:stretch>
+                  <a:fillRect/>
+                </a:stretch>
+              </p:blipFill>
+              <p:spPr>
+                <a:xfrm>
+                  <a:off x="1627869" y="6030094"/>
+                  <a:ext cx="4471920" cy="420480"/>
+                </a:xfrm>
+                <a:prstGeom prst="rect">
+                  <a:avLst/>
+                </a:prstGeom>
+              </p:spPr>
+            </p:pic>
+          </mc:Fallback>
+        </mc:AlternateContent>
+        <mc:AlternateContent xmlns:mc="http://schemas.openxmlformats.org/markup-compatibility/2006" xmlns:p14="http://schemas.microsoft.com/office/powerpoint/2010/main">
+          <mc:Choice Requires="p14">
+            <p:contentPart p14:bwMode="auto" r:id="rId11">
+              <p14:nvContentPartPr>
+                <p14:cNvPr id="6" name="Ink 5">
+                  <a:extLst>
+                    <a:ext uri="{FF2B5EF4-FFF2-40B4-BE49-F238E27FC236}">
+                      <a16:creationId xmlns:a16="http://schemas.microsoft.com/office/drawing/2014/main" id="{8501FE56-09A2-AC45-82DC-67268F03E654}"/>
+                    </a:ext>
+                  </a:extLst>
+                </p14:cNvPr>
+                <p14:cNvContentPartPr/>
+                <p14:nvPr/>
+              </p14:nvContentPartPr>
+              <p14:xfrm>
+                <a:off x="6032829" y="6347614"/>
+                <a:ext cx="360" cy="360"/>
+              </p14:xfrm>
+            </p:contentPart>
+          </mc:Choice>
+          <mc:Fallback xmlns="">
+            <p:pic>
+              <p:nvPicPr>
+                <p:cNvPr id="6" name="Ink 5">
+                  <a:extLst>
+                    <a:ext uri="{FF2B5EF4-FFF2-40B4-BE49-F238E27FC236}">
+                      <a16:creationId xmlns:a16="http://schemas.microsoft.com/office/drawing/2014/main" id="{8501FE56-09A2-AC45-82DC-67268F03E654}"/>
+                    </a:ext>
+                  </a:extLst>
+                </p:cNvPr>
+                <p:cNvPicPr/>
+                <p:nvPr/>
+              </p:nvPicPr>
+              <p:blipFill>
+                <a:blip r:embed="rId12"/>
+                <a:stretch>
+                  <a:fillRect/>
+                </a:stretch>
+              </p:blipFill>
+              <p:spPr>
+                <a:xfrm>
+                  <a:off x="5969829" y="6284974"/>
+                  <a:ext cx="126000" cy="126000"/>
+                </a:xfrm>
+                <a:prstGeom prst="rect">
+                  <a:avLst/>
+                </a:prstGeom>
+              </p:spPr>
+            </p:pic>
+          </mc:Fallback>
+        </mc:AlternateContent>
+      </p:grpSp>
+      <mc:AlternateContent xmlns:mc="http://schemas.openxmlformats.org/markup-compatibility/2006" xmlns:p14="http://schemas.microsoft.com/office/powerpoint/2010/main">
+        <mc:Choice Requires="p14">
+          <p:contentPart p14:bwMode="auto" r:id="rId13">
+            <p14:nvContentPartPr>
+              <p14:cNvPr id="8" name="Ink 7">
+                <a:extLst>
+                  <a:ext uri="{FF2B5EF4-FFF2-40B4-BE49-F238E27FC236}">
+                    <a16:creationId xmlns:a16="http://schemas.microsoft.com/office/drawing/2014/main" id="{3ED6A287-2C92-2E4D-8297-7BEB5F0F7107}"/>
+                  </a:ext>
+                </a:extLst>
+              </p14:cNvPr>
+              <p14:cNvContentPartPr/>
+              <p14:nvPr/>
+            </p14:nvContentPartPr>
+            <p14:xfrm>
+              <a:off x="1830549" y="6218014"/>
+              <a:ext cx="462600" cy="159120"/>
+            </p14:xfrm>
+          </p:contentPart>
+        </mc:Choice>
+        <mc:Fallback xmlns="">
+          <p:pic>
+            <p:nvPicPr>
+              <p:cNvPr id="8" name="Ink 7">
+                <a:extLst>
+                  <a:ext uri="{FF2B5EF4-FFF2-40B4-BE49-F238E27FC236}">
+                    <a16:creationId xmlns:a16="http://schemas.microsoft.com/office/drawing/2014/main" id="{3ED6A287-2C92-2E4D-8297-7BEB5F0F7107}"/>
+                  </a:ext>
+                </a:extLst>
+              </p:cNvPr>
+              <p:cNvPicPr/>
+              <p:nvPr/>
+            </p:nvPicPr>
+            <p:blipFill>
+              <a:blip r:embed="rId14"/>
+              <a:stretch>
+                <a:fillRect/>
+              </a:stretch>
+            </p:blipFill>
+            <p:spPr>
+              <a:xfrm>
+                <a:off x="1767909" y="6155374"/>
+                <a:ext cx="588240" cy="284760"/>
+              </a:xfrm>
+              <a:prstGeom prst="rect">
+                <a:avLst/>
+              </a:prstGeom>
+            </p:spPr>
+          </p:pic>
+        </mc:Fallback>
+      </mc:AlternateContent>
+    </p:spTree>
+  </p:cSld>
+  <p:clrMapOvr>
+    <a:masterClrMapping/>
+  </p:clrMapOvr>
+</p:sld>
+</file>
+
+<file path=ppt/slides/slide11.xml><?xml version="1.0" encoding="utf-8"?>
 <p:sld xmlns:a="http://schemas.openxmlformats.org/drawingml/2006/main" xmlns:r="http://schemas.openxmlformats.org/officeDocument/2006/relationships" xmlns:p="http://schemas.openxmlformats.org/presentationml/2006/main">
   <p:cSld>
     <p:spTree>
@@ -9811,7 +10474,7 @@
               <a:buNone/>
             </a:pPr>
             <a:r>
-              <a:rPr lang="en-US" b="1" dirty="0">
+              <a:rPr lang="en-US" sz="2400" b="1" dirty="0">
                 <a:solidFill>
                   <a:schemeClr val="accent6"/>
                 </a:solidFill>
@@ -9819,11 +10482,11 @@
               <a:t>Git</a:t>
             </a:r>
             <a:r>
-              <a:rPr lang="en-US" dirty="0"/>
+              <a:rPr lang="en-US" sz="2400" dirty="0"/>
               <a:t> </a:t>
             </a:r>
             <a:r>
-              <a:rPr lang="en-US" dirty="0">
+              <a:rPr lang="en-US" sz="2400" dirty="0">
                 <a:solidFill>
                   <a:schemeClr val="tx1"/>
                 </a:solidFill>
@@ -9831,7 +10494,7 @@
               <a:t>is a </a:t>
             </a:r>
             <a:r>
-              <a:rPr lang="en-US" i="1" dirty="0">
+              <a:rPr lang="en-US" sz="2400" i="1" dirty="0">
                 <a:solidFill>
                   <a:schemeClr val="tx1"/>
                 </a:solidFill>
@@ -9839,18 +10502,13 @@
               <a:t>revision control system</a:t>
             </a:r>
             <a:r>
-              <a:rPr lang="en-US" dirty="0">
+              <a:rPr lang="en-US" sz="2400" dirty="0">
                 <a:solidFill>
                   <a:schemeClr val="tx1"/>
                 </a:solidFill>
               </a:rPr>
               <a:t>, a tool to manage your source code history.</a:t>
             </a:r>
-            <a:endParaRPr dirty="0">
-              <a:solidFill>
-                <a:schemeClr val="tx1"/>
-              </a:solidFill>
-            </a:endParaRPr>
           </a:p>
           <a:p>
             <a:pPr marL="0" lvl="0" indent="0" algn="l" rtl="0">
@@ -9862,43 +10520,7 @@
               </a:spcAft>
               <a:buNone/>
             </a:pPr>
-            <a:r>
-              <a:rPr lang="en-US" b="1" dirty="0">
-                <a:solidFill>
-                  <a:schemeClr val="accent6"/>
-                </a:solidFill>
-              </a:rPr>
-              <a:t>GitHub</a:t>
-            </a:r>
-            <a:r>
-              <a:rPr lang="en-US" dirty="0"/>
-              <a:t> </a:t>
-            </a:r>
-            <a:r>
-              <a:rPr lang="en-US" dirty="0">
-                <a:solidFill>
-                  <a:schemeClr val="tx1"/>
-                </a:solidFill>
-              </a:rPr>
-              <a:t>is a </a:t>
-            </a:r>
-            <a:r>
-              <a:rPr lang="en-US" i="1" dirty="0">
-                <a:solidFill>
-                  <a:schemeClr val="tx1"/>
-                </a:solidFill>
-              </a:rPr>
-              <a:t>hosting service for Git repositories</a:t>
-            </a:r>
-            <a:r>
-              <a:rPr lang="en-US" dirty="0">
-                <a:solidFill>
-                  <a:schemeClr val="tx1"/>
-                </a:solidFill>
-              </a:rPr>
-              <a:t>.</a:t>
-            </a:r>
-            <a:endParaRPr dirty="0">
+            <a:endParaRPr sz="2400" dirty="0">
               <a:solidFill>
                 <a:schemeClr val="tx1"/>
               </a:solidFill>
@@ -9914,7 +10536,47 @@
               </a:spcAft>
               <a:buNone/>
             </a:pPr>
-            <a:endParaRPr dirty="0"/>
+            <a:r>
+              <a:rPr lang="en-US" sz="2400" b="1" dirty="0">
+                <a:solidFill>
+                  <a:schemeClr val="accent6"/>
+                </a:solidFill>
+              </a:rPr>
+              <a:t>GitHub</a:t>
+            </a:r>
+            <a:r>
+              <a:rPr lang="en-US" sz="2400" dirty="0"/>
+              <a:t> </a:t>
+            </a:r>
+            <a:r>
+              <a:rPr lang="en-US" sz="2400" dirty="0">
+                <a:solidFill>
+                  <a:schemeClr val="tx1"/>
+                </a:solidFill>
+              </a:rPr>
+              <a:t>is a </a:t>
+            </a:r>
+            <a:r>
+              <a:rPr lang="en-US" sz="2400" i="1" dirty="0">
+                <a:solidFill>
+                  <a:schemeClr val="tx1"/>
+                </a:solidFill>
+              </a:rPr>
+              <a:t>hosting service for Git repositories</a:t>
+            </a:r>
+            <a:r>
+              <a:rPr lang="en-US" sz="2400" dirty="0">
+                <a:solidFill>
+                  <a:schemeClr val="tx1"/>
+                </a:solidFill>
+              </a:rPr>
+              <a:t>.</a:t>
+            </a:r>
+            <a:endParaRPr sz="2400" dirty="0">
+              <a:solidFill>
+                <a:schemeClr val="tx1"/>
+              </a:solidFill>
+            </a:endParaRPr>
           </a:p>
           <a:p>
             <a:pPr marL="0" lvl="0" indent="0" algn="l" rtl="0">
@@ -9926,87 +10588,7 @@
               </a:spcAft>
               <a:buNone/>
             </a:pPr>
-            <a:r>
-              <a:rPr lang="en-US" b="1" dirty="0">
-                <a:solidFill>
-                  <a:srgbClr val="FF0000"/>
-                </a:solidFill>
-              </a:rPr>
-              <a:t>They are not the same thing.</a:t>
-            </a:r>
-            <a:r>
-              <a:rPr lang="en-US" dirty="0"/>
-              <a:t> </a:t>
-            </a:r>
-            <a:r>
-              <a:rPr lang="en-US" b="1" dirty="0">
-                <a:solidFill>
-                  <a:schemeClr val="tx1"/>
-                </a:solidFill>
-              </a:rPr>
-              <a:t>Git</a:t>
-            </a:r>
-            <a:r>
-              <a:rPr lang="en-US" dirty="0">
-                <a:solidFill>
-                  <a:schemeClr val="tx1"/>
-                </a:solidFill>
-              </a:rPr>
-              <a:t> is the </a:t>
-            </a:r>
-            <a:r>
-              <a:rPr lang="en-US" b="1" dirty="0">
-                <a:solidFill>
-                  <a:schemeClr val="tx1"/>
-                </a:solidFill>
-              </a:rPr>
-              <a:t>tool</a:t>
-            </a:r>
-            <a:r>
-              <a:rPr lang="en-US" dirty="0">
-                <a:solidFill>
-                  <a:schemeClr val="tx1"/>
-                </a:solidFill>
-              </a:rPr>
-              <a:t>, </a:t>
-            </a:r>
-            <a:r>
-              <a:rPr lang="en-US" b="1" dirty="0">
-                <a:solidFill>
-                  <a:schemeClr val="tx1"/>
-                </a:solidFill>
-              </a:rPr>
-              <a:t>GitHub</a:t>
-            </a:r>
-            <a:r>
-              <a:rPr lang="en-US" dirty="0">
-                <a:solidFill>
-                  <a:schemeClr val="tx1"/>
-                </a:solidFill>
-              </a:rPr>
-              <a:t> is a </a:t>
-            </a:r>
-            <a:r>
-              <a:rPr lang="en-US" b="1" dirty="0">
-                <a:solidFill>
-                  <a:schemeClr val="tx1"/>
-                </a:solidFill>
-              </a:rPr>
-              <a:t>web service</a:t>
-            </a:r>
-            <a:r>
-              <a:rPr lang="en-US" dirty="0">
-                <a:solidFill>
-                  <a:schemeClr val="tx1"/>
-                </a:solidFill>
-              </a:rPr>
-              <a:t>.</a:t>
-            </a:r>
-            <a:endParaRPr dirty="0">
-              <a:solidFill>
-                <a:schemeClr val="tx1"/>
-              </a:solidFill>
-            </a:endParaRPr>
+            <a:endParaRPr sz="2400" dirty="0"/>
           </a:p>
           <a:p>
             <a:pPr marL="0" lvl="0" indent="0" algn="l" rtl="0">
@@ -10018,51 +10600,83 @@
               </a:spcAft>
               <a:buNone/>
             </a:pPr>
-            <a:endParaRPr dirty="0"/>
-          </a:p>
-          <a:p>
-            <a:pPr marL="0" lvl="0" indent="0" algn="l" rtl="0">
-              <a:spcBef>
-                <a:spcPts val="600"/>
-              </a:spcBef>
-              <a:spcAft>
-                <a:spcPts val="0"/>
-              </a:spcAft>
-              <a:buNone/>
-            </a:pPr>
-            <a:r>
-              <a:rPr lang="en-US" dirty="0">
+            <a:r>
+              <a:rPr lang="en-US" sz="2400" b="1" dirty="0">
+                <a:solidFill>
+                  <a:srgbClr val="FF0000"/>
+                </a:solidFill>
+              </a:rPr>
+              <a:t>They are not the same thing.</a:t>
+            </a:r>
+            <a:r>
+              <a:rPr lang="en-US" sz="2400" dirty="0"/>
+              <a:t> </a:t>
+            </a:r>
+            <a:r>
+              <a:rPr lang="en-US" sz="2400" b="1" dirty="0">
                 <a:solidFill>
                   <a:schemeClr val="tx1"/>
                 </a:solidFill>
               </a:rPr>
-              <a:t>You</a:t>
-            </a:r>
-            <a:r>
-              <a:rPr lang="en-US" dirty="0"/>
-              <a:t> </a:t>
-            </a:r>
-            <a:r>
-              <a:rPr lang="en-US" b="1" dirty="0">
-                <a:solidFill>
-                  <a:srgbClr val="FF0000"/>
-                </a:solidFill>
-              </a:rPr>
-              <a:t>do not</a:t>
-            </a:r>
-            <a:r>
-              <a:rPr lang="en-US" dirty="0"/>
-              <a:t> </a:t>
-            </a:r>
-            <a:r>
-              <a:rPr lang="en-US" dirty="0">
+              <a:t>Git</a:t>
+            </a:r>
+            <a:r>
+              <a:rPr lang="en-US" sz="2400" dirty="0">
                 <a:solidFill>
                   <a:schemeClr val="tx1"/>
                 </a:solidFill>
               </a:rPr>
-              <a:t>need GitHub to use Git, but GitHub adds useful functionality.</a:t>
-            </a:r>
-            <a:endParaRPr dirty="0">
+              <a:t> is the </a:t>
+            </a:r>
+            <a:r>
+              <a:rPr lang="en-US" sz="2400" b="1" dirty="0">
+                <a:solidFill>
+                  <a:schemeClr val="tx1"/>
+                </a:solidFill>
+              </a:rPr>
+              <a:t>tool</a:t>
+            </a:r>
+            <a:r>
+              <a:rPr lang="en-US" sz="2400" dirty="0">
+                <a:solidFill>
+                  <a:schemeClr val="tx1"/>
+                </a:solidFill>
+              </a:rPr>
+              <a:t>, </a:t>
+            </a:r>
+            <a:r>
+              <a:rPr lang="en-US" sz="2400" b="1" dirty="0">
+                <a:solidFill>
+                  <a:schemeClr val="tx1"/>
+                </a:solidFill>
+              </a:rPr>
+              <a:t>GitHub</a:t>
+            </a:r>
+            <a:r>
+              <a:rPr lang="en-US" sz="2400" dirty="0">
+                <a:solidFill>
+                  <a:schemeClr val="tx1"/>
+                </a:solidFill>
+              </a:rPr>
+              <a:t> is a </a:t>
+            </a:r>
+            <a:r>
+              <a:rPr lang="en-US" sz="2400" b="1" dirty="0">
+                <a:solidFill>
+                  <a:schemeClr val="tx1"/>
+                </a:solidFill>
+              </a:rPr>
+              <a:t>web service</a:t>
+            </a:r>
+            <a:r>
+              <a:rPr lang="en-US" sz="2400" dirty="0">
+                <a:solidFill>
+                  <a:schemeClr val="tx1"/>
+                </a:solidFill>
+              </a:rPr>
+              <a:t>.</a:t>
+            </a:r>
+            <a:endParaRPr sz="2400" dirty="0">
               <a:solidFill>
                 <a:schemeClr val="tx1"/>
               </a:solidFill>
@@ -10079,6 +10693,66 @@
               <a:buNone/>
             </a:pPr>
             <a:endParaRPr sz="1200" dirty="0"/>
+          </a:p>
+          <a:p>
+            <a:pPr marL="0" lvl="0" indent="0" algn="l" rtl="0">
+              <a:spcBef>
+                <a:spcPts val="600"/>
+              </a:spcBef>
+              <a:spcAft>
+                <a:spcPts val="0"/>
+              </a:spcAft>
+              <a:buNone/>
+            </a:pPr>
+            <a:r>
+              <a:rPr lang="en-US" sz="2400" dirty="0">
+                <a:solidFill>
+                  <a:schemeClr val="tx1"/>
+                </a:solidFill>
+              </a:rPr>
+              <a:t>You</a:t>
+            </a:r>
+            <a:r>
+              <a:rPr lang="en-US" sz="2400" dirty="0"/>
+              <a:t> </a:t>
+            </a:r>
+            <a:r>
+              <a:rPr lang="en-US" sz="2400" b="1" dirty="0">
+                <a:solidFill>
+                  <a:srgbClr val="FF0000"/>
+                </a:solidFill>
+              </a:rPr>
+              <a:t>do not</a:t>
+            </a:r>
+            <a:r>
+              <a:rPr lang="en-US" sz="2400" dirty="0"/>
+              <a:t> </a:t>
+            </a:r>
+            <a:r>
+              <a:rPr lang="en-US" sz="2400" dirty="0">
+                <a:solidFill>
+                  <a:schemeClr val="tx1"/>
+                </a:solidFill>
+              </a:rPr>
+              <a:t>need GitHub to use Git, but GitHub adds useful functionality.</a:t>
+            </a:r>
+            <a:endParaRPr sz="2400" dirty="0">
+              <a:solidFill>
+                <a:schemeClr val="tx1"/>
+              </a:solidFill>
+            </a:endParaRPr>
+          </a:p>
+          <a:p>
+            <a:pPr marL="0" lvl="0" indent="0" algn="l" rtl="0">
+              <a:spcBef>
+                <a:spcPts val="600"/>
+              </a:spcBef>
+              <a:spcAft>
+                <a:spcPts val="0"/>
+              </a:spcAft>
+              <a:buNone/>
+            </a:pPr>
+            <a:endParaRPr sz="1100" dirty="0"/>
           </a:p>
         </p:txBody>
       </p:sp>
@@ -10141,7 +10815,7 @@
 </p:sld>
 </file>
 
-<file path=ppt/slides/slide11.xml><?xml version="1.0" encoding="utf-8"?>
+<file path=ppt/slides/slide12.xml><?xml version="1.0" encoding="utf-8"?>
 <p:sld xmlns:a="http://schemas.openxmlformats.org/drawingml/2006/main" xmlns:r="http://schemas.openxmlformats.org/officeDocument/2006/relationships" xmlns:p="http://schemas.openxmlformats.org/presentationml/2006/main">
   <p:cSld>
     <p:spTree>
@@ -10158,6 +10832,42 @@
           <a:chExt cx="0" cy="0"/>
         </a:xfrm>
       </p:grpSpPr>
+      <p:pic>
+        <p:nvPicPr>
+          <p:cNvPr id="5" name="Picture 4" descr="Graphical user interface, text, application, email&#10;&#10;Description automatically generated">
+            <a:extLst>
+              <a:ext uri="{FF2B5EF4-FFF2-40B4-BE49-F238E27FC236}">
+                <a16:creationId xmlns:a16="http://schemas.microsoft.com/office/drawing/2014/main" id="{F7AF54E6-5656-192C-DB0A-4D76C34E7DE0}"/>
+              </a:ext>
+            </a:extLst>
+          </p:cNvPr>
+          <p:cNvPicPr>
+            <a:picLocks noChangeAspect="1"/>
+          </p:cNvPicPr>
+          <p:nvPr/>
+        </p:nvPicPr>
+        <p:blipFill>
+          <a:blip r:embed="rId3"/>
+          <a:stretch>
+            <a:fillRect/>
+          </a:stretch>
+        </p:blipFill>
+        <p:spPr>
+          <a:xfrm>
+            <a:off x="704144" y="1356702"/>
+            <a:ext cx="7735712" cy="4351338"/>
+          </a:xfrm>
+          <a:prstGeom prst="rect">
+            <a:avLst/>
+          </a:prstGeom>
+          <a:noFill/>
+          <a:ln>
+            <a:solidFill>
+              <a:schemeClr val="tx1"/>
+            </a:solidFill>
+          </a:ln>
+        </p:spPr>
+      </p:pic>
       <p:sp>
         <p:nvSpPr>
           <p:cNvPr id="11266" name="Title 1"/>
@@ -10168,95 +10878,90 @@
             <p:ph type="title"/>
           </p:nvPr>
         </p:nvSpPr>
-        <p:spPr/>
+        <p:spPr>
+          <a:xfrm>
+            <a:off x="448235" y="380325"/>
+            <a:ext cx="8247530" cy="880969"/>
+          </a:xfrm>
+        </p:spPr>
         <p:txBody>
-          <a:bodyPr/>
+          <a:bodyPr anchor="ctr">
+            <a:normAutofit/>
+          </a:bodyPr>
           <a:lstStyle/>
           <a:p>
             <a:r>
-              <a:rPr lang="en-GB" dirty="0">
-                <a:latin typeface="Calibri" charset="0"/>
-              </a:rPr>
-              <a:t>GitHub: repositories</a:t>
-            </a:r>
-            <a:r>
-              <a:rPr lang="en-GB" sz="3200" dirty="0">
-                <a:latin typeface="Calibri" charset="0"/>
-              </a:rPr>
-              <a:t> (public </a:t>
-            </a:r>
-            <a:r>
-              <a:rPr lang="en-GB" sz="3200" i="1" dirty="0">
-                <a:latin typeface="Calibri" charset="0"/>
-              </a:rPr>
+              <a:rPr lang="en-GB"/>
+              <a:t>GitHub: repositories (public </a:t>
+            </a:r>
+            <a:r>
+              <a:rPr lang="en-GB" i="1"/>
               <a:t>or </a:t>
             </a:r>
             <a:r>
-              <a:rPr lang="en-GB" sz="3200" b="1" dirty="0">
-                <a:latin typeface="Calibri" charset="0"/>
-              </a:rPr>
+              <a:rPr lang="en-GB" b="1"/>
               <a:t>private</a:t>
             </a:r>
             <a:r>
-              <a:rPr lang="en-GB" sz="3200" dirty="0">
-                <a:latin typeface="Calibri" charset="0"/>
-              </a:rPr>
+              <a:rPr lang="en-GB"/>
               <a:t>)</a:t>
             </a:r>
-            <a:endParaRPr lang="en-GB" dirty="0">
-              <a:latin typeface="Calibri" charset="0"/>
-            </a:endParaRPr>
           </a:p>
         </p:txBody>
       </p:sp>
-      <p:pic>
-        <p:nvPicPr>
-          <p:cNvPr id="11267" name="Picture 2"/>
-          <p:cNvPicPr>
-            <a:picLocks noGrp="1" noChangeAspect="1" noChangeArrowheads="1"/>
-          </p:cNvPicPr>
-          <p:nvPr>
-            <p:ph idx="1"/>
-          </p:nvPr>
-        </p:nvPicPr>
-        <p:blipFill>
-          <a:blip r:embed="rId3" cstate="email">
+      <p:sp>
+        <p:nvSpPr>
+          <p:cNvPr id="7" name="TextBox 6">
             <a:extLst>
-              <a:ext uri="{28A0092B-C50C-407E-A947-70E740481C1C}">
-                <a14:useLocalDpi xmlns:a14="http://schemas.microsoft.com/office/drawing/2010/main" val="0"/>
+              <a:ext uri="{FF2B5EF4-FFF2-40B4-BE49-F238E27FC236}">
+                <a16:creationId xmlns:a16="http://schemas.microsoft.com/office/drawing/2014/main" id="{FBCE4416-55A8-59EA-A398-7E2B071930F9}"/>
               </a:ext>
             </a:extLst>
-          </a:blip>
-          <a:srcRect t="12589"/>
-          <a:stretch>
-            <a:fillRect/>
-          </a:stretch>
-        </p:blipFill>
+          </p:cNvPr>
+          <p:cNvSpPr txBox="1"/>
+          <p:nvPr/>
+        </p:nvSpPr>
         <p:spPr>
           <a:xfrm>
-            <a:off x="971550" y="1557338"/>
-            <a:ext cx="6959600" cy="4319587"/>
+            <a:off x="1587500" y="5178132"/>
+            <a:ext cx="7108265" cy="646331"/>
           </a:xfrm>
-          <a:noFill/>
+          <a:prstGeom prst="rect">
+            <a:avLst/>
+          </a:prstGeom>
+          <a:solidFill>
+            <a:schemeClr val="bg1"/>
+          </a:solidFill>
           <a:ln>
             <a:solidFill>
               <a:schemeClr val="tx1"/>
             </a:solidFill>
-            <a:miter lim="800000"/>
-            <a:headEnd/>
-            <a:tailEnd/>
           </a:ln>
-          <a:extLst>
-            <a:ext uri="{909E8E84-426E-40dd-AFC4-6F175D3DCCD1}">
-              <a14:hiddenFill xmlns:a14="http://schemas.microsoft.com/office/drawing/2010/main" xmlns="">
-                <a:solidFill>
-                  <a:schemeClr val="accent1"/>
-                </a:solidFill>
-              </a14:hiddenFill>
-            </a:ext>
-          </a:extLst>
         </p:spPr>
-      </p:pic>
+        <p:txBody>
+          <a:bodyPr wrap="square">
+            <a:spAutoFit/>
+          </a:bodyPr>
+          <a:lstStyle/>
+          <a:p>
+            <a:pPr algn="ctr"/>
+            <a:r>
+              <a:rPr lang="en-GB" dirty="0">
+                <a:hlinkClick r:id="rId4"/>
+              </a:rPr>
+              <a:t>https://github.com/cedadev/jasmin-workshop</a:t>
+            </a:r>
+            <a:endParaRPr lang="en-GB" dirty="0"/>
+          </a:p>
+          <a:p>
+            <a:pPr algn="ctr"/>
+            <a:r>
+              <a:rPr lang="en-GB" dirty="0"/>
+              <a:t>https:// github.com / &lt;namespace&gt; / &lt;repository&gt;</a:t>
+            </a:r>
+          </a:p>
+        </p:txBody>
+      </p:sp>
     </p:spTree>
   </p:cSld>
   <p:clrMapOvr>
@@ -10265,7 +10970,7 @@
 </p:sld>
 </file>
 
-<file path=ppt/slides/slide12.xml><?xml version="1.0" encoding="utf-8"?>
+<file path=ppt/slides/slide13.xml><?xml version="1.0" encoding="utf-8"?>
 <p:sld xmlns:a="http://schemas.openxmlformats.org/drawingml/2006/main" xmlns:r="http://schemas.openxmlformats.org/officeDocument/2006/relationships" xmlns:p="http://schemas.openxmlformats.org/presentationml/2006/main">
   <p:cSld>
     <p:spTree>
@@ -10330,8 +11035,8 @@
         </p:blipFill>
         <p:spPr>
           <a:xfrm>
-            <a:off x="1537068" y="1383204"/>
-            <a:ext cx="6096851" cy="4334480"/>
+            <a:off x="1371600" y="1058479"/>
+            <a:ext cx="6668719" cy="4741042"/>
           </a:xfrm>
           <a:noFill/>
           <a:ln>
@@ -10353,6 +11058,62 @@
           </a:extLst>
         </p:spPr>
       </p:pic>
+      <p:sp>
+        <p:nvSpPr>
+          <p:cNvPr id="2" name="TextBox 1">
+            <a:extLst>
+              <a:ext uri="{FF2B5EF4-FFF2-40B4-BE49-F238E27FC236}">
+                <a16:creationId xmlns:a16="http://schemas.microsoft.com/office/drawing/2014/main" id="{24A4027F-68A4-7EB4-5406-22121973D4CA}"/>
+              </a:ext>
+            </a:extLst>
+          </p:cNvPr>
+          <p:cNvSpPr txBox="1"/>
+          <p:nvPr/>
+        </p:nvSpPr>
+        <p:spPr>
+          <a:xfrm>
+            <a:off x="1855419" y="5267032"/>
+            <a:ext cx="7108265" cy="646331"/>
+          </a:xfrm>
+          <a:prstGeom prst="rect">
+            <a:avLst/>
+          </a:prstGeom>
+          <a:solidFill>
+            <a:schemeClr val="bg1"/>
+          </a:solidFill>
+          <a:ln>
+            <a:solidFill>
+              <a:schemeClr val="tx1"/>
+            </a:solidFill>
+          </a:ln>
+        </p:spPr>
+        <p:txBody>
+          <a:bodyPr wrap="square">
+            <a:spAutoFit/>
+          </a:bodyPr>
+          <a:lstStyle/>
+          <a:p>
+            <a:pPr algn="ctr"/>
+            <a:r>
+              <a:rPr lang="en-GB" dirty="0">
+                <a:hlinkClick r:id="rId4"/>
+              </a:rPr>
+              <a:t>https://github.com/cedadev</a:t>
+            </a:r>
+            <a:r>
+              <a:rPr lang="en-GB" dirty="0"/>
+              <a:t> </a:t>
+            </a:r>
+          </a:p>
+          <a:p>
+            <a:pPr algn="ctr"/>
+            <a:r>
+              <a:rPr lang="en-GB" dirty="0"/>
+              <a:t>https:// github.com / &lt;namespace&gt;</a:t>
+            </a:r>
+          </a:p>
+        </p:txBody>
+      </p:sp>
     </p:spTree>
   </p:cSld>
   <p:clrMapOvr>
@@ -10361,7 +11122,7 @@
 </p:sld>
 </file>
 
-<file path=ppt/slides/slide13.xml><?xml version="1.0" encoding="utf-8"?>
+<file path=ppt/slides/slide14.xml><?xml version="1.0" encoding="utf-8"?>
 <p:sld xmlns:a="http://schemas.openxmlformats.org/drawingml/2006/main" xmlns:r="http://schemas.openxmlformats.org/officeDocument/2006/relationships" xmlns:p="http://schemas.openxmlformats.org/presentationml/2006/main">
   <p:cSld>
     <p:spTree>
@@ -10509,7 +11270,7 @@
 </p:sld>
 </file>
 
-<file path=ppt/slides/slide14.xml><?xml version="1.0" encoding="utf-8"?>
+<file path=ppt/slides/slide15.xml><?xml version="1.0" encoding="utf-8"?>
 <p:sld xmlns:a="http://schemas.openxmlformats.org/drawingml/2006/main" xmlns:r="http://schemas.openxmlformats.org/officeDocument/2006/relationships" xmlns:p="http://schemas.openxmlformats.org/presentationml/2006/main">
   <p:cSld>
     <p:spTree>
@@ -10606,7 +11367,7 @@
 </p:sld>
 </file>
 
-<file path=ppt/slides/slide15.xml><?xml version="1.0" encoding="utf-8"?>
+<file path=ppt/slides/slide16.xml><?xml version="1.0" encoding="utf-8"?>
 <p:sld xmlns:a="http://schemas.openxmlformats.org/drawingml/2006/main" xmlns:r="http://schemas.openxmlformats.org/officeDocument/2006/relationships" xmlns:p="http://schemas.openxmlformats.org/presentationml/2006/main">
   <p:cSld>
     <p:spTree>
@@ -10703,7 +11464,7 @@
 </p:sld>
 </file>
 
-<file path=ppt/slides/slide16.xml><?xml version="1.0" encoding="utf-8"?>
+<file path=ppt/slides/slide17.xml><?xml version="1.0" encoding="utf-8"?>
 <p:sld xmlns:a="http://schemas.openxmlformats.org/drawingml/2006/main" xmlns:r="http://schemas.openxmlformats.org/officeDocument/2006/relationships" xmlns:p="http://schemas.openxmlformats.org/presentationml/2006/main">
   <p:cSld>
     <p:spTree>
@@ -10809,7 +11570,7 @@
 </p:sld>
 </file>
 
-<file path=ppt/slides/slide17.xml><?xml version="1.0" encoding="utf-8"?>
+<file path=ppt/slides/slide18.xml><?xml version="1.0" encoding="utf-8"?>
 <p:sld xmlns:a="http://schemas.openxmlformats.org/drawingml/2006/main" xmlns:r="http://schemas.openxmlformats.org/officeDocument/2006/relationships" xmlns:p="http://schemas.openxmlformats.org/presentationml/2006/main">
   <p:cSld>
     <p:spTree>
@@ -10876,7 +11637,7 @@
           <a:p>
             <a:r>
               <a:rPr lang="en-US" dirty="0"/>
-              <a:t>On this course we are only using it as a remote repository.</a:t>
+              <a:t>To start with, we want to learn how to use it as a remote repository.</a:t>
             </a:r>
           </a:p>
           <a:p>
@@ -10902,175 +11663,6 @@
         <p14:creationId xmlns:p14="http://schemas.microsoft.com/office/powerpoint/2010/main" val="3522931917"/>
       </p:ext>
     </p:extLst>
-  </p:cSld>
-  <p:clrMapOvr>
-    <a:masterClrMapping/>
-  </p:clrMapOvr>
-</p:sld>
-</file>
-
-<file path=ppt/slides/slide18.xml><?xml version="1.0" encoding="utf-8"?>
-<p:sld xmlns:a="http://schemas.openxmlformats.org/drawingml/2006/main" xmlns:r="http://schemas.openxmlformats.org/officeDocument/2006/relationships" xmlns:p="http://schemas.openxmlformats.org/presentationml/2006/main">
-  <p:cSld>
-    <p:spTree>
-      <p:nvGrpSpPr>
-        <p:cNvPr id="1" name=""/>
-        <p:cNvGrpSpPr/>
-        <p:nvPr/>
-      </p:nvGrpSpPr>
-      <p:grpSpPr>
-        <a:xfrm>
-          <a:off x="0" y="0"/>
-          <a:ext cx="0" cy="0"/>
-          <a:chOff x="0" y="0"/>
-          <a:chExt cx="0" cy="0"/>
-        </a:xfrm>
-      </p:grpSpPr>
-      <p:sp>
-        <p:nvSpPr>
-          <p:cNvPr id="24578" name="Title 1"/>
-          <p:cNvSpPr>
-            <a:spLocks noGrp="1"/>
-          </p:cNvSpPr>
-          <p:nvPr>
-            <p:ph type="title"/>
-          </p:nvPr>
-        </p:nvSpPr>
-        <p:spPr>
-          <a:xfrm>
-            <a:off x="406400" y="253999"/>
-            <a:ext cx="8229600" cy="1143001"/>
-          </a:xfrm>
-        </p:spPr>
-        <p:txBody>
-          <a:bodyPr/>
-          <a:lstStyle/>
-          <a:p>
-            <a:r>
-              <a:rPr lang="en-GB" b="1" dirty="0">
-                <a:latin typeface="Calibri" charset="0"/>
-              </a:rPr>
-              <a:t>Where to start?</a:t>
-            </a:r>
-            <a:endParaRPr lang="en-GB" b="1" dirty="0">
-              <a:latin typeface="Courier New" panose="02070309020205020404" pitchFamily="49" charset="0"/>
-              <a:cs typeface="Courier New" panose="02070309020205020404" pitchFamily="49" charset="0"/>
-            </a:endParaRPr>
-          </a:p>
-        </p:txBody>
-      </p:sp>
-      <p:sp>
-        <p:nvSpPr>
-          <p:cNvPr id="6" name="TextBox 5"/>
-          <p:cNvSpPr txBox="1"/>
-          <p:nvPr/>
-        </p:nvSpPr>
-        <p:spPr>
-          <a:xfrm>
-            <a:off x="533070" y="1545856"/>
-            <a:ext cx="8077860" cy="3970318"/>
-          </a:xfrm>
-          <a:prstGeom prst="rect">
-            <a:avLst/>
-          </a:prstGeom>
-          <a:noFill/>
-        </p:spPr>
-        <p:txBody>
-          <a:bodyPr wrap="square" rtlCol="0">
-            <a:spAutoFit/>
-          </a:bodyPr>
-          <a:lstStyle/>
-          <a:p>
-            <a:r>
-              <a:rPr lang="en-US" sz="2800" dirty="0">
-                <a:latin typeface="+mn-lt"/>
-              </a:rPr>
-              <a:t>There are three different start points when using Git:</a:t>
-            </a:r>
-          </a:p>
-          <a:p>
-            <a:endParaRPr lang="en-US" sz="2800" dirty="0">
-              <a:latin typeface="+mn-lt"/>
-            </a:endParaRPr>
-          </a:p>
-          <a:p>
-            <a:pPr marL="457200" indent="-457200">
-              <a:buFont typeface="Arial" panose="020B0604020202020204" pitchFamily="34" charset="0"/>
-              <a:buChar char="•"/>
-            </a:pPr>
-            <a:r>
-              <a:rPr lang="en-US" sz="2800" dirty="0">
-                <a:latin typeface="+mn-lt"/>
-              </a:rPr>
-              <a:t>Clone an existing repository </a:t>
-            </a:r>
-            <a:r>
-              <a:rPr lang="en-US" sz="2800" b="1" dirty="0">
-                <a:latin typeface="+mn-lt"/>
-              </a:rPr>
-              <a:t>from GitHub</a:t>
-            </a:r>
-          </a:p>
-          <a:p>
-            <a:endParaRPr lang="en-US" sz="2800" b="1" dirty="0">
-              <a:latin typeface="+mn-lt"/>
-            </a:endParaRPr>
-          </a:p>
-          <a:p>
-            <a:pPr marL="457200" indent="-457200">
-              <a:buFont typeface="Arial" panose="020B0604020202020204" pitchFamily="34" charset="0"/>
-              <a:buChar char="•"/>
-            </a:pPr>
-            <a:r>
-              <a:rPr lang="en-US" sz="2800" dirty="0">
-                <a:latin typeface="+mn-lt"/>
-              </a:rPr>
-              <a:t>Create a new, empty repo and clone it </a:t>
-            </a:r>
-            <a:r>
-              <a:rPr lang="en-US" sz="2800" b="1" dirty="0">
-                <a:latin typeface="+mn-lt"/>
-              </a:rPr>
-              <a:t>from GitHub</a:t>
-            </a:r>
-          </a:p>
-          <a:p>
-            <a:endParaRPr lang="en-US" sz="2800" b="1" dirty="0">
-              <a:latin typeface="+mn-lt"/>
-            </a:endParaRPr>
-          </a:p>
-          <a:p>
-            <a:pPr marL="457200" indent="-457200">
-              <a:buFont typeface="Arial" panose="020B0604020202020204" pitchFamily="34" charset="0"/>
-              <a:buChar char="•"/>
-            </a:pPr>
-            <a:r>
-              <a:rPr lang="en-US" sz="2800" dirty="0">
-                <a:latin typeface="+mn-lt"/>
-              </a:rPr>
-              <a:t>Turn an existing </a:t>
-            </a:r>
-            <a:r>
-              <a:rPr lang="en-US" sz="2800" b="1" dirty="0">
-                <a:latin typeface="+mn-lt"/>
-              </a:rPr>
-              <a:t>local directory </a:t>
-            </a:r>
-            <a:r>
-              <a:rPr lang="en-US" sz="2800" dirty="0">
-                <a:latin typeface="+mn-lt"/>
-              </a:rPr>
-              <a:t>into a Git repo; it can contain files or be empty</a:t>
-            </a:r>
-          </a:p>
-          <a:p>
-            <a:endParaRPr lang="en-US" sz="2800" dirty="0">
-              <a:latin typeface="+mn-lt"/>
-            </a:endParaRPr>
-          </a:p>
-        </p:txBody>
-      </p:sp>
-    </p:spTree>
   </p:cSld>
   <p:clrMapOvr>
     <a:masterClrMapping/>
@@ -11107,7 +11699,7 @@
         </p:nvSpPr>
         <p:spPr>
           <a:xfrm>
-            <a:off x="457200" y="36810"/>
+            <a:off x="406400" y="253999"/>
             <a:ext cx="8229600" cy="1143001"/>
           </a:xfrm>
         </p:spPr>
@@ -11116,118 +11708,13 @@
           <a:lstStyle/>
           <a:p>
             <a:r>
-              <a:rPr lang="en-GB" dirty="0">
+              <a:rPr lang="en-GB" b="1" dirty="0">
                 <a:latin typeface="Calibri" charset="0"/>
               </a:rPr>
-              <a:t>Where to start 1: Clone Existing Repo</a:t>
-            </a:r>
-            <a:endParaRPr lang="en-GB" dirty="0">
+              <a:t>Where to start?</a:t>
+            </a:r>
+            <a:endParaRPr lang="en-GB" b="1" dirty="0">
               <a:latin typeface="Courier New" panose="02070309020205020404" pitchFamily="49" charset="0"/>
-              <a:cs typeface="Courier New" panose="02070309020205020404" pitchFamily="49" charset="0"/>
-            </a:endParaRPr>
-          </a:p>
-        </p:txBody>
-      </p:sp>
-      <p:sp>
-        <p:nvSpPr>
-          <p:cNvPr id="4" name="TextBox 3"/>
-          <p:cNvSpPr txBox="1">
-            <a:spLocks noChangeArrowheads="1"/>
-          </p:cNvSpPr>
-          <p:nvPr/>
-        </p:nvSpPr>
-        <p:spPr bwMode="auto">
-          <a:xfrm>
-            <a:off x="382588" y="4097338"/>
-            <a:ext cx="8407400" cy="1323439"/>
-          </a:xfrm>
-          <a:prstGeom prst="rect">
-            <a:avLst/>
-          </a:prstGeom>
-          <a:solidFill>
-            <a:schemeClr val="tx1"/>
-          </a:solidFill>
-          <a:ln w="38100">
-            <a:solidFill>
-              <a:schemeClr val="bg1"/>
-            </a:solidFill>
-            <a:miter lim="800000"/>
-            <a:headEnd/>
-            <a:tailEnd/>
-          </a:ln>
-          <a:effectLst>
-            <a:outerShdw blurRad="40000" dist="20000" dir="5400000" rotWithShape="0">
-              <a:srgbClr val="000000">
-                <a:alpha val="37999"/>
-              </a:srgbClr>
-            </a:outerShdw>
-          </a:effectLst>
-        </p:spPr>
-        <p:txBody>
-          <a:bodyPr>
-            <a:spAutoFit/>
-          </a:bodyPr>
-          <a:lstStyle/>
-          <a:p>
-            <a:pPr>
-              <a:defRPr/>
-            </a:pPr>
-            <a:endParaRPr lang="en-GB" sz="2000" dirty="0">
-              <a:solidFill>
-                <a:schemeClr val="lt1"/>
-              </a:solidFill>
-              <a:latin typeface="Courier New" panose="02070309020205020404" pitchFamily="49" charset="0"/>
-              <a:ea typeface="+mn-ea"/>
-              <a:cs typeface="Courier New" panose="02070309020205020404" pitchFamily="49" charset="0"/>
-            </a:endParaRPr>
-          </a:p>
-          <a:p>
-            <a:pPr>
-              <a:defRPr/>
-            </a:pPr>
-            <a:r>
-              <a:rPr lang="en-GB" sz="2000" dirty="0">
-                <a:solidFill>
-                  <a:schemeClr val="lt1"/>
-                </a:solidFill>
-                <a:latin typeface="Courier New" panose="02070309020205020404" pitchFamily="49" charset="0"/>
-                <a:ea typeface="+mn-ea"/>
-                <a:cs typeface="Courier New" panose="02070309020205020404" pitchFamily="49" charset="0"/>
-              </a:rPr>
-              <a:t>$ git clone </a:t>
-            </a:r>
-            <a:br>
-              <a:rPr lang="en-GB" sz="2000" dirty="0">
-                <a:solidFill>
-                  <a:schemeClr val="lt1"/>
-                </a:solidFill>
-                <a:latin typeface="Courier New" panose="02070309020205020404" pitchFamily="49" charset="0"/>
-                <a:ea typeface="+mn-ea"/>
-                <a:cs typeface="Courier New" panose="02070309020205020404" pitchFamily="49" charset="0"/>
-              </a:rPr>
-            </a:br>
-            <a:r>
-              <a:rPr lang="en-GB" sz="2000" dirty="0">
-                <a:solidFill>
-                  <a:schemeClr val="lt1"/>
-                </a:solidFill>
-                <a:latin typeface="Courier New" panose="02070309020205020404" pitchFamily="49" charset="0"/>
-                <a:ea typeface="+mn-ea"/>
-                <a:cs typeface="Courier New" panose="02070309020205020404" pitchFamily="49" charset="0"/>
-              </a:rPr>
-              <a:t>  https://github.com/agstephens/keep-safe</a:t>
-            </a:r>
-          </a:p>
-          <a:p>
-            <a:pPr>
-              <a:defRPr/>
-            </a:pPr>
-            <a:endParaRPr lang="en-GB" sz="2000" dirty="0">
-              <a:solidFill>
-                <a:schemeClr val="lt1"/>
-              </a:solidFill>
-              <a:latin typeface="Courier New" panose="02070309020205020404" pitchFamily="49" charset="0"/>
-              <a:ea typeface="+mn-ea"/>
               <a:cs typeface="Courier New" panose="02070309020205020404" pitchFamily="49" charset="0"/>
             </a:endParaRPr>
           </a:p>
@@ -11241,8 +11728,8 @@
         </p:nvSpPr>
         <p:spPr>
           <a:xfrm>
-            <a:off x="508000" y="1397000"/>
-            <a:ext cx="2197100" cy="1815882"/>
+            <a:off x="406400" y="1545856"/>
+            <a:ext cx="8407730" cy="3416320"/>
           </a:xfrm>
           <a:prstGeom prst="rect">
             <a:avLst/>
@@ -11256,131 +11743,212 @@
           <a:lstStyle/>
           <a:p>
             <a:r>
-              <a:rPr lang="en-US" sz="2800" dirty="0">
+              <a:rPr lang="en-US" sz="2400" dirty="0">
                 <a:latin typeface="+mn-lt"/>
               </a:rPr>
-              <a:t>This makes a copy of a repository locally. </a:t>
-            </a:r>
+              <a:t>There are three different start points when using Git:</a:t>
+            </a:r>
+          </a:p>
+          <a:p>
+            <a:endParaRPr lang="en-US" sz="2400" dirty="0">
+              <a:latin typeface="+mn-lt"/>
+            </a:endParaRPr>
+          </a:p>
+          <a:p>
+            <a:r>
+              <a:rPr lang="en-US" sz="2400" dirty="0">
+                <a:latin typeface="+mn-lt"/>
+              </a:rPr>
+              <a:t>1. Clone an existing repository </a:t>
+            </a:r>
+            <a:r>
+              <a:rPr lang="en-US" sz="2400" b="1" dirty="0">
+                <a:latin typeface="+mn-lt"/>
+              </a:rPr>
+              <a:t>from GitHub</a:t>
+            </a:r>
+          </a:p>
+          <a:p>
+            <a:endParaRPr lang="en-US" sz="2400" b="1" dirty="0">
+              <a:latin typeface="+mn-lt"/>
+            </a:endParaRPr>
+          </a:p>
+          <a:p>
+            <a:r>
+              <a:rPr lang="en-US" sz="2400" dirty="0">
+                <a:latin typeface="+mn-lt"/>
+              </a:rPr>
+              <a:t>2. Create a new, empty repo and clone it </a:t>
+            </a:r>
+            <a:r>
+              <a:rPr lang="en-US" sz="2400" b="1" dirty="0">
+                <a:latin typeface="+mn-lt"/>
+              </a:rPr>
+              <a:t>from GitHub</a:t>
+            </a:r>
+          </a:p>
+          <a:p>
+            <a:endParaRPr lang="en-US" sz="2400" b="1" dirty="0">
+              <a:latin typeface="+mn-lt"/>
+            </a:endParaRPr>
+          </a:p>
+          <a:p>
+            <a:r>
+              <a:rPr lang="en-US" sz="2400" dirty="0">
+                <a:latin typeface="+mn-lt"/>
+              </a:rPr>
+              <a:t>3. Turn an existing </a:t>
+            </a:r>
+            <a:r>
+              <a:rPr lang="en-US" sz="2400" b="1" dirty="0">
+                <a:latin typeface="+mn-lt"/>
+              </a:rPr>
+              <a:t>local directory </a:t>
+            </a:r>
+            <a:r>
+              <a:rPr lang="en-US" sz="2400" dirty="0">
+                <a:latin typeface="+mn-lt"/>
+              </a:rPr>
+              <a:t>into a Git repo; it can contain files or be empty</a:t>
+            </a:r>
+          </a:p>
+          <a:p>
+            <a:endParaRPr lang="en-US" sz="2400" dirty="0">
+              <a:latin typeface="+mn-lt"/>
+            </a:endParaRPr>
           </a:p>
         </p:txBody>
       </p:sp>
-      <p:pic>
-        <p:nvPicPr>
-          <p:cNvPr id="7" name="Picture 9"/>
-          <p:cNvPicPr>
-            <a:picLocks noChangeAspect="1" noChangeArrowheads="1"/>
-          </p:cNvPicPr>
-          <p:nvPr/>
-        </p:nvPicPr>
-        <p:blipFill>
-          <a:blip r:embed="rId2">
+      <p:sp>
+        <p:nvSpPr>
+          <p:cNvPr id="2" name="Arrow: Right 1">
             <a:extLst>
-              <a:ext uri="{28A0092B-C50C-407E-A947-70E740481C1C}">
-                <a14:useLocalDpi xmlns:a14="http://schemas.microsoft.com/office/drawing/2010/main" val="0"/>
+              <a:ext uri="{FF2B5EF4-FFF2-40B4-BE49-F238E27FC236}">
+                <a16:creationId xmlns:a16="http://schemas.microsoft.com/office/drawing/2014/main" id="{BFB1611D-2000-ECC7-76BD-B8645FC235CC}"/>
               </a:ext>
             </a:extLst>
-          </a:blip>
-          <a:srcRect l="55545" t="50000" r="7375" b="22105"/>
-          <a:stretch>
-            <a:fillRect/>
-          </a:stretch>
-        </p:blipFill>
-        <p:spPr bwMode="auto">
-          <a:xfrm>
-            <a:off x="2922588" y="1417638"/>
-            <a:ext cx="5651500" cy="2614612"/>
+          </p:cNvPr>
+          <p:cNvSpPr/>
+          <p:nvPr/>
+        </p:nvSpPr>
+        <p:spPr>
+          <a:xfrm flipH="1">
+            <a:off x="7456968" y="1953927"/>
+            <a:ext cx="1357162" cy="1790299"/>
           </a:xfrm>
-          <a:prstGeom prst="rect">
+          <a:prstGeom prst="rightArrow">
             <a:avLst/>
           </a:prstGeom>
-          <a:noFill/>
-          <a:ln w="9525">
-            <a:solidFill>
-              <a:schemeClr val="tx1"/>
-            </a:solidFill>
-            <a:miter lim="800000"/>
-            <a:headEnd/>
-            <a:tailEnd/>
-          </a:ln>
-          <a:extLst>
-            <a:ext uri="{909E8E84-426E-40dd-AFC4-6F175D3DCCD1}">
-              <a14:hiddenFill xmlns="" xmlns:a14="http://schemas.microsoft.com/office/drawing/2010/main">
-                <a:solidFill>
-                  <a:schemeClr val="accent1"/>
-                </a:solidFill>
-              </a14:hiddenFill>
-            </a:ext>
-          </a:extLst>
         </p:spPr>
-      </p:pic>
-      <p:sp>
-        <p:nvSpPr>
-          <p:cNvPr id="8" name="Down Arrow 7"/>
-          <p:cNvSpPr>
-            <a:spLocks noChangeArrowheads="1"/>
-          </p:cNvSpPr>
-          <p:nvPr/>
-        </p:nvSpPr>
-        <p:spPr bwMode="auto">
-          <a:xfrm rot="5400000">
-            <a:off x="8027988" y="2174875"/>
-            <a:ext cx="582612" cy="1462088"/>
-          </a:xfrm>
-          <a:prstGeom prst="downArrow">
-            <a:avLst>
-              <a:gd name="adj1" fmla="val 50000"/>
-              <a:gd name="adj2" fmla="val 50075"/>
-            </a:avLst>
-          </a:prstGeom>
-          <a:solidFill>
-            <a:srgbClr val="0070C0"/>
-          </a:solidFill>
-          <a:ln w="9525">
-            <a:solidFill>
-              <a:schemeClr val="accent1">
-                <a:lumMod val="75000"/>
-              </a:schemeClr>
-            </a:solidFill>
-            <a:miter lim="800000"/>
-            <a:headEnd/>
-            <a:tailEnd/>
-          </a:ln>
-          <a:effectLst>
-            <a:outerShdw blurRad="40000" dist="23000" dir="5400000" rotWithShape="0">
-              <a:srgbClr val="000000">
-                <a:alpha val="34999"/>
-              </a:srgbClr>
-            </a:outerShdw>
-          </a:effectLst>
-        </p:spPr>
+        <p:style>
+          <a:lnRef idx="0">
+            <a:schemeClr val="accent2"/>
+          </a:lnRef>
+          <a:fillRef idx="3">
+            <a:schemeClr val="accent2"/>
+          </a:fillRef>
+          <a:effectRef idx="3">
+            <a:schemeClr val="accent2"/>
+          </a:effectRef>
+          <a:fontRef idx="minor">
+            <a:schemeClr val="lt1"/>
+          </a:fontRef>
+        </p:style>
         <p:txBody>
-          <a:bodyPr anchor="ctr"/>
+          <a:bodyPr rtlCol="0" anchor="ctr"/>
           <a:lstStyle/>
           <a:p>
-            <a:pPr algn="ctr">
-              <a:defRPr/>
-            </a:pPr>
-            <a:endParaRPr lang="en-GB">
-              <a:solidFill>
-                <a:schemeClr val="lt1"/>
-              </a:solidFill>
-              <a:latin typeface="+mn-lt"/>
-              <a:ea typeface="+mn-ea"/>
-              <a:cs typeface="+mn-cs"/>
-            </a:endParaRPr>
+            <a:pPr algn="ctr"/>
+            <a:r>
+              <a:rPr lang="en-GB" dirty="0"/>
+              <a:t>Most common</a:t>
+            </a:r>
           </a:p>
         </p:txBody>
       </p:sp>
     </p:spTree>
-    <p:extLst>
-      <p:ext uri="{BB962C8B-B14F-4D97-AF65-F5344CB8AC3E}">
-        <p14:creationId xmlns:p14="http://schemas.microsoft.com/office/powerpoint/2010/main" val="3391123339"/>
-      </p:ext>
-    </p:extLst>
   </p:cSld>
   <p:clrMapOvr>
     <a:masterClrMapping/>
   </p:clrMapOvr>
+  <p:timing>
+    <p:tnLst>
+      <p:par>
+        <p:cTn id="1" dur="indefinite" restart="never" nodeType="tmRoot">
+          <p:childTnLst>
+            <p:seq concurrent="1" nextAc="seek">
+              <p:cTn id="2" dur="indefinite" nodeType="mainSeq">
+                <p:childTnLst>
+                  <p:par>
+                    <p:cTn id="3" fill="hold">
+                      <p:stCondLst>
+                        <p:cond delay="indefinite"/>
+                      </p:stCondLst>
+                      <p:childTnLst>
+                        <p:par>
+                          <p:cTn id="4" fill="hold">
+                            <p:stCondLst>
+                              <p:cond delay="0"/>
+                            </p:stCondLst>
+                            <p:childTnLst>
+                              <p:par>
+                                <p:cTn id="5" presetID="1" presetClass="entr" presetSubtype="0" fill="hold" grpId="0" nodeType="clickEffect">
+                                  <p:stCondLst>
+                                    <p:cond delay="0"/>
+                                  </p:stCondLst>
+                                  <p:childTnLst>
+                                    <p:set>
+                                      <p:cBhvr>
+                                        <p:cTn id="6" dur="1" fill="hold">
+                                          <p:stCondLst>
+                                            <p:cond delay="0"/>
+                                          </p:stCondLst>
+                                        </p:cTn>
+                                        <p:tgtEl>
+                                          <p:spTgt spid="2"/>
+                                        </p:tgtEl>
+                                        <p:attrNameLst>
+                                          <p:attrName>style.visibility</p:attrName>
+                                        </p:attrNameLst>
+                                      </p:cBhvr>
+                                      <p:to>
+                                        <p:strVal val="visible"/>
+                                      </p:to>
+                                    </p:set>
+                                  </p:childTnLst>
+                                </p:cTn>
+                              </p:par>
+                            </p:childTnLst>
+                          </p:cTn>
+                        </p:par>
+                      </p:childTnLst>
+                    </p:cTn>
+                  </p:par>
+                </p:childTnLst>
+              </p:cTn>
+              <p:prevCondLst>
+                <p:cond evt="onPrev" delay="0">
+                  <p:tgtEl>
+                    <p:sldTgt/>
+                  </p:tgtEl>
+                </p:cond>
+              </p:prevCondLst>
+              <p:nextCondLst>
+                <p:cond evt="onNext" delay="0">
+                  <p:tgtEl>
+                    <p:sldTgt/>
+                  </p:tgtEl>
+                </p:cond>
+              </p:nextCondLst>
+            </p:seq>
+          </p:childTnLst>
+        </p:cTn>
+      </p:par>
+    </p:tnLst>
+    <p:bldLst>
+      <p:bldP spid="2" grpId="0" animBg="1"/>
+    </p:bldLst>
+  </p:timing>
 </p:sld>
 </file>
 
@@ -11413,8 +11981,8 @@
         </p:nvSpPr>
         <p:spPr>
           <a:xfrm>
-            <a:off x="508184" y="1162088"/>
-            <a:ext cx="8127631" cy="5257800"/>
+            <a:off x="508184" y="1383469"/>
+            <a:ext cx="8127631" cy="4266560"/>
           </a:xfrm>
         </p:spPr>
         <p:txBody>
@@ -11449,7 +12017,7 @@
               <a:rPr lang="en-GB" dirty="0">
                 <a:latin typeface="Calibri" charset="0"/>
               </a:rPr>
-              <a:t>Basic workflow</a:t>
+              <a:t>What you need to know - the basic workflow</a:t>
             </a:r>
           </a:p>
           <a:p>
@@ -11510,6 +12078,277 @@
 </file>
 
 <file path=ppt/slides/slide20.xml><?xml version="1.0" encoding="utf-8"?>
+<p:sld xmlns:a="http://schemas.openxmlformats.org/drawingml/2006/main" xmlns:r="http://schemas.openxmlformats.org/officeDocument/2006/relationships" xmlns:p="http://schemas.openxmlformats.org/presentationml/2006/main">
+  <p:cSld>
+    <p:spTree>
+      <p:nvGrpSpPr>
+        <p:cNvPr id="1" name=""/>
+        <p:cNvGrpSpPr/>
+        <p:nvPr/>
+      </p:nvGrpSpPr>
+      <p:grpSpPr>
+        <a:xfrm>
+          <a:off x="0" y="0"/>
+          <a:ext cx="0" cy="0"/>
+          <a:chOff x="0" y="0"/>
+          <a:chExt cx="0" cy="0"/>
+        </a:xfrm>
+      </p:grpSpPr>
+      <p:pic>
+        <p:nvPicPr>
+          <p:cNvPr id="3" name="Picture 2">
+            <a:extLst>
+              <a:ext uri="{FF2B5EF4-FFF2-40B4-BE49-F238E27FC236}">
+                <a16:creationId xmlns:a16="http://schemas.microsoft.com/office/drawing/2014/main" id="{01083668-35D2-079B-9345-2FBF6AAB946A}"/>
+              </a:ext>
+            </a:extLst>
+          </p:cNvPr>
+          <p:cNvPicPr>
+            <a:picLocks noChangeAspect="1"/>
+          </p:cNvPicPr>
+          <p:nvPr/>
+        </p:nvPicPr>
+        <p:blipFill>
+          <a:blip r:embed="rId2"/>
+          <a:stretch>
+            <a:fillRect/>
+          </a:stretch>
+        </p:blipFill>
+        <p:spPr>
+          <a:xfrm>
+            <a:off x="2655625" y="1088862"/>
+            <a:ext cx="5980375" cy="3634114"/>
+          </a:xfrm>
+          <a:prstGeom prst="rect">
+            <a:avLst/>
+          </a:prstGeom>
+          <a:ln>
+            <a:solidFill>
+              <a:schemeClr val="tx1"/>
+            </a:solidFill>
+          </a:ln>
+        </p:spPr>
+      </p:pic>
+      <p:sp>
+        <p:nvSpPr>
+          <p:cNvPr id="24578" name="Title 1"/>
+          <p:cNvSpPr>
+            <a:spLocks noGrp="1"/>
+          </p:cNvSpPr>
+          <p:nvPr>
+            <p:ph type="title"/>
+          </p:nvPr>
+        </p:nvSpPr>
+        <p:spPr>
+          <a:xfrm>
+            <a:off x="457200" y="36810"/>
+            <a:ext cx="8229600" cy="1143001"/>
+          </a:xfrm>
+        </p:spPr>
+        <p:txBody>
+          <a:bodyPr/>
+          <a:lstStyle/>
+          <a:p>
+            <a:r>
+              <a:rPr lang="en-GB" dirty="0">
+                <a:latin typeface="Calibri" charset="0"/>
+              </a:rPr>
+              <a:t>Option 1: Clone Existing Repo</a:t>
+            </a:r>
+            <a:endParaRPr lang="en-GB" dirty="0">
+              <a:latin typeface="Courier New" panose="02070309020205020404" pitchFamily="49" charset="0"/>
+              <a:cs typeface="Courier New" panose="02070309020205020404" pitchFamily="49" charset="0"/>
+            </a:endParaRPr>
+          </a:p>
+        </p:txBody>
+      </p:sp>
+      <p:sp>
+        <p:nvSpPr>
+          <p:cNvPr id="4" name="TextBox 3"/>
+          <p:cNvSpPr txBox="1">
+            <a:spLocks noChangeArrowheads="1"/>
+          </p:cNvSpPr>
+          <p:nvPr/>
+        </p:nvSpPr>
+        <p:spPr bwMode="auto">
+          <a:xfrm>
+            <a:off x="368300" y="4769052"/>
+            <a:ext cx="8407400" cy="1015663"/>
+          </a:xfrm>
+          <a:prstGeom prst="rect">
+            <a:avLst/>
+          </a:prstGeom>
+          <a:solidFill>
+            <a:schemeClr val="tx1"/>
+          </a:solidFill>
+          <a:ln w="38100">
+            <a:solidFill>
+              <a:schemeClr val="bg1"/>
+            </a:solidFill>
+            <a:miter lim="800000"/>
+            <a:headEnd/>
+            <a:tailEnd/>
+          </a:ln>
+          <a:effectLst>
+            <a:outerShdw blurRad="40000" dist="20000" dir="5400000" rotWithShape="0">
+              <a:srgbClr val="000000">
+                <a:alpha val="37999"/>
+              </a:srgbClr>
+            </a:outerShdw>
+          </a:effectLst>
+        </p:spPr>
+        <p:txBody>
+          <a:bodyPr>
+            <a:spAutoFit/>
+          </a:bodyPr>
+          <a:lstStyle/>
+          <a:p>
+            <a:pPr>
+              <a:defRPr/>
+            </a:pPr>
+            <a:endParaRPr lang="en-GB" sz="2000" dirty="0">
+              <a:solidFill>
+                <a:schemeClr val="lt1"/>
+              </a:solidFill>
+              <a:latin typeface="Courier New" panose="02070309020205020404" pitchFamily="49" charset="0"/>
+              <a:ea typeface="+mn-ea"/>
+              <a:cs typeface="Courier New" panose="02070309020205020404" pitchFamily="49" charset="0"/>
+            </a:endParaRPr>
+          </a:p>
+          <a:p>
+            <a:pPr>
+              <a:defRPr/>
+            </a:pPr>
+            <a:r>
+              <a:rPr lang="en-GB" sz="2000" dirty="0">
+                <a:solidFill>
+                  <a:schemeClr val="lt1"/>
+                </a:solidFill>
+                <a:latin typeface="Courier New" panose="02070309020205020404" pitchFamily="49" charset="0"/>
+                <a:ea typeface="+mn-ea"/>
+                <a:cs typeface="Courier New" panose="02070309020205020404" pitchFamily="49" charset="0"/>
+              </a:rPr>
+              <a:t>$ git clone https://github.com/agstephens/keep-safe</a:t>
+            </a:r>
+          </a:p>
+          <a:p>
+            <a:pPr>
+              <a:defRPr/>
+            </a:pPr>
+            <a:endParaRPr lang="en-GB" sz="2000" dirty="0">
+              <a:solidFill>
+                <a:schemeClr val="lt1"/>
+              </a:solidFill>
+              <a:latin typeface="Courier New" panose="02070309020205020404" pitchFamily="49" charset="0"/>
+              <a:ea typeface="+mn-ea"/>
+              <a:cs typeface="Courier New" panose="02070309020205020404" pitchFamily="49" charset="0"/>
+            </a:endParaRPr>
+          </a:p>
+        </p:txBody>
+      </p:sp>
+      <p:sp>
+        <p:nvSpPr>
+          <p:cNvPr id="6" name="TextBox 5"/>
+          <p:cNvSpPr txBox="1"/>
+          <p:nvPr/>
+        </p:nvSpPr>
+        <p:spPr>
+          <a:xfrm>
+            <a:off x="508000" y="1397000"/>
+            <a:ext cx="2197100" cy="1815882"/>
+          </a:xfrm>
+          <a:prstGeom prst="rect">
+            <a:avLst/>
+          </a:prstGeom>
+          <a:noFill/>
+        </p:spPr>
+        <p:txBody>
+          <a:bodyPr wrap="square" rtlCol="0">
+            <a:spAutoFit/>
+          </a:bodyPr>
+          <a:lstStyle/>
+          <a:p>
+            <a:r>
+              <a:rPr lang="en-US" sz="2800" dirty="0">
+                <a:latin typeface="+mn-lt"/>
+              </a:rPr>
+              <a:t>This makes a copy of a repository locally. </a:t>
+            </a:r>
+          </a:p>
+        </p:txBody>
+      </p:sp>
+      <p:sp>
+        <p:nvSpPr>
+          <p:cNvPr id="8" name="Down Arrow 7"/>
+          <p:cNvSpPr>
+            <a:spLocks noChangeArrowheads="1"/>
+          </p:cNvSpPr>
+          <p:nvPr/>
+        </p:nvSpPr>
+        <p:spPr bwMode="auto">
+          <a:xfrm rot="5400000">
+            <a:off x="8357394" y="2737644"/>
+            <a:ext cx="582612" cy="749300"/>
+          </a:xfrm>
+          <a:prstGeom prst="downArrow">
+            <a:avLst>
+              <a:gd name="adj1" fmla="val 50000"/>
+              <a:gd name="adj2" fmla="val 50075"/>
+            </a:avLst>
+          </a:prstGeom>
+          <a:solidFill>
+            <a:srgbClr val="0070C0"/>
+          </a:solidFill>
+          <a:ln w="9525">
+            <a:solidFill>
+              <a:schemeClr val="accent1">
+                <a:lumMod val="75000"/>
+              </a:schemeClr>
+            </a:solidFill>
+            <a:miter lim="800000"/>
+            <a:headEnd/>
+            <a:tailEnd/>
+          </a:ln>
+          <a:effectLst>
+            <a:outerShdw blurRad="40000" dist="23000" dir="5400000" rotWithShape="0">
+              <a:srgbClr val="000000">
+                <a:alpha val="34999"/>
+              </a:srgbClr>
+            </a:outerShdw>
+          </a:effectLst>
+        </p:spPr>
+        <p:txBody>
+          <a:bodyPr anchor="ctr"/>
+          <a:lstStyle/>
+          <a:p>
+            <a:pPr algn="ctr">
+              <a:defRPr/>
+            </a:pPr>
+            <a:endParaRPr lang="en-GB">
+              <a:solidFill>
+                <a:schemeClr val="lt1"/>
+              </a:solidFill>
+              <a:latin typeface="+mn-lt"/>
+              <a:ea typeface="+mn-ea"/>
+              <a:cs typeface="+mn-cs"/>
+            </a:endParaRPr>
+          </a:p>
+        </p:txBody>
+      </p:sp>
+    </p:spTree>
+    <p:extLst>
+      <p:ext uri="{BB962C8B-B14F-4D97-AF65-F5344CB8AC3E}">
+        <p14:creationId xmlns:p14="http://schemas.microsoft.com/office/powerpoint/2010/main" val="3391123339"/>
+      </p:ext>
+    </p:extLst>
+  </p:cSld>
+  <p:clrMapOvr>
+    <a:masterClrMapping/>
+  </p:clrMapOvr>
+</p:sld>
+</file>
+
+<file path=ppt/slides/slide21.xml><?xml version="1.0" encoding="utf-8"?>
 <p:sld xmlns:a="http://schemas.openxmlformats.org/drawingml/2006/main" xmlns:r="http://schemas.openxmlformats.org/officeDocument/2006/relationships" xmlns:p="http://schemas.openxmlformats.org/presentationml/2006/main">
   <p:cSld>
     <p:spTree>
@@ -11550,7 +12389,7 @@
               <a:rPr lang="en-GB" dirty="0">
                 <a:latin typeface="Calibri" charset="0"/>
               </a:rPr>
-              <a:t>Where to start 2: Create a repository on GitHub</a:t>
+              <a:t>Option 2: Create a repository on GitHub</a:t>
             </a:r>
           </a:p>
         </p:txBody>
@@ -11604,7 +12443,7 @@
           </p:cNvPicPr>
           <p:nvPr/>
         </p:nvPicPr>
-        <p:blipFill>
+        <p:blipFill rotWithShape="1">
           <a:blip r:embed="rId3">
             <a:extLst>
               <a:ext uri="{28A0092B-C50C-407E-A947-70E740481C1C}">
@@ -11612,14 +12451,13 @@
               </a:ext>
             </a:extLst>
           </a:blip>
-          <a:stretch>
-            <a:fillRect/>
-          </a:stretch>
+          <a:srcRect l="4112" b="4829"/>
+          <a:stretch/>
         </p:blipFill>
         <p:spPr>
           <a:xfrm>
-            <a:off x="6252492" y="2876756"/>
-            <a:ext cx="2133600" cy="2489200"/>
+            <a:off x="6014294" y="2938254"/>
+            <a:ext cx="2045877" cy="2369012"/>
           </a:xfrm>
           <a:prstGeom prst="rect">
             <a:avLst/>
@@ -11788,6 +12626,50 @@
           </a:p>
         </p:txBody>
       </p:sp>
+      <p:pic>
+        <p:nvPicPr>
+          <p:cNvPr id="4" name="Picture 3">
+            <a:extLst>
+              <a:ext uri="{FF2B5EF4-FFF2-40B4-BE49-F238E27FC236}">
+                <a16:creationId xmlns:a16="http://schemas.microsoft.com/office/drawing/2014/main" id="{0E052588-7947-8D22-4CAF-FEA5EDBDD41A}"/>
+              </a:ext>
+            </a:extLst>
+          </p:cNvPr>
+          <p:cNvPicPr>
+            <a:picLocks noChangeAspect="1"/>
+          </p:cNvPicPr>
+          <p:nvPr/>
+        </p:nvPicPr>
+        <p:blipFill>
+          <a:blip r:embed="rId4"/>
+          <a:stretch>
+            <a:fillRect/>
+          </a:stretch>
+        </p:blipFill>
+        <p:spPr>
+          <a:xfrm>
+            <a:off x="979069" y="1144331"/>
+            <a:ext cx="7184742" cy="4940041"/>
+          </a:xfrm>
+          <a:prstGeom prst="rect">
+            <a:avLst/>
+          </a:prstGeom>
+          <a:ln w="38100" cap="sq">
+            <a:solidFill>
+              <a:srgbClr val="000000"/>
+            </a:solidFill>
+            <a:prstDash val="solid"/>
+            <a:miter lim="800000"/>
+          </a:ln>
+          <a:effectLst>
+            <a:outerShdw blurRad="50800" dist="38100" dir="2700000" algn="tl" rotWithShape="0">
+              <a:srgbClr val="000000">
+                <a:alpha val="43000"/>
+              </a:srgbClr>
+            </a:outerShdw>
+          </a:effectLst>
+        </p:spPr>
+      </p:pic>
       <p:sp>
         <p:nvSpPr>
           <p:cNvPr id="16" name="TextBox 15">
@@ -11802,13 +12684,20 @@
         </p:nvSpPr>
         <p:spPr>
           <a:xfrm>
-            <a:off x="757908" y="5456333"/>
-            <a:ext cx="8004692" cy="461665"/>
+            <a:off x="1511974" y="3366335"/>
+            <a:ext cx="6973960" cy="461665"/>
           </a:xfrm>
           <a:prstGeom prst="rect">
             <a:avLst/>
           </a:prstGeom>
-          <a:noFill/>
+          <a:solidFill>
+            <a:schemeClr val="bg1"/>
+          </a:solidFill>
+          <a:ln w="28575">
+            <a:solidFill>
+              <a:schemeClr val="tx1"/>
+            </a:solidFill>
+          </a:ln>
         </p:spPr>
         <p:txBody>
           <a:bodyPr wrap="none" rtlCol="0">
@@ -11818,7 +12707,7 @@
           <a:p>
             <a:r>
               <a:rPr lang="en-GB" sz="2400" dirty="0"/>
-              <a:t>You can then clone in the same way as "Where to start 1"</a:t>
+              <a:t>You can then clone in the same way as “Option 1"</a:t>
             </a:r>
           </a:p>
         </p:txBody>
@@ -11997,15 +12886,60 @@
                                   </p:childTnLst>
                                 </p:cTn>
                               </p:par>
+                            </p:childTnLst>
+                          </p:cTn>
+                        </p:par>
+                      </p:childTnLst>
+                    </p:cTn>
+                  </p:par>
+                  <p:par>
+                    <p:cTn id="17" fill="hold">
+                      <p:stCondLst>
+                        <p:cond delay="indefinite"/>
+                      </p:stCondLst>
+                      <p:childTnLst>
+                        <p:par>
+                          <p:cTn id="18" fill="hold">
+                            <p:stCondLst>
+                              <p:cond delay="0"/>
+                            </p:stCondLst>
+                            <p:childTnLst>
                               <p:par>
-                                <p:cTn id="17" presetID="1" presetClass="entr" presetSubtype="0" fill="hold" grpId="0" nodeType="withEffect">
+                                <p:cTn id="19" presetID="1" presetClass="entr" presetSubtype="0" fill="hold" nodeType="clickEffect">
                                   <p:stCondLst>
                                     <p:cond delay="0"/>
                                   </p:stCondLst>
                                   <p:childTnLst>
                                     <p:set>
                                       <p:cBhvr>
-                                        <p:cTn id="18" dur="1" fill="hold">
+                                        <p:cTn id="20" dur="1" fill="hold">
+                                          <p:stCondLst>
+                                            <p:cond delay="0"/>
+                                          </p:stCondLst>
+                                        </p:cTn>
+                                        <p:tgtEl>
+                                          <p:spTgt spid="4"/>
+                                        </p:tgtEl>
+                                        <p:attrNameLst>
+                                          <p:attrName>style.visibility</p:attrName>
+                                        </p:attrNameLst>
+                                      </p:cBhvr>
+                                      <p:to>
+                                        <p:strVal val="visible"/>
+                                      </p:to>
+                                    </p:set>
+                                  </p:childTnLst>
+                                </p:cTn>
+                              </p:par>
+                              <p:par>
+                                <p:cTn id="21" presetID="1" presetClass="entr" presetSubtype="0" fill="hold" grpId="0" nodeType="withEffect">
+                                  <p:stCondLst>
+                                    <p:cond delay="0"/>
+                                  </p:stCondLst>
+                                  <p:childTnLst>
+                                    <p:set>
+                                      <p:cBhvr>
+                                        <p:cTn id="22" dur="1" fill="hold">
                                           <p:stCondLst>
                                             <p:cond delay="0"/>
                                           </p:stCondLst>
@@ -12031,26 +12965,26 @@
                     </p:cTn>
                   </p:par>
                   <p:par>
-                    <p:cTn id="19" fill="hold">
+                    <p:cTn id="23" fill="hold">
                       <p:stCondLst>
                         <p:cond delay="indefinite"/>
                       </p:stCondLst>
                       <p:childTnLst>
                         <p:par>
-                          <p:cTn id="20" fill="hold">
+                          <p:cTn id="24" fill="hold">
                             <p:stCondLst>
                               <p:cond delay="0"/>
                             </p:stCondLst>
                             <p:childTnLst>
                               <p:par>
-                                <p:cTn id="21" presetID="1" presetClass="entr" presetSubtype="0" fill="hold" grpId="0" nodeType="clickEffect">
+                                <p:cTn id="25" presetID="1" presetClass="entr" presetSubtype="0" fill="hold" grpId="0" nodeType="clickEffect">
                                   <p:stCondLst>
                                     <p:cond delay="0"/>
                                   </p:stCondLst>
                                   <p:childTnLst>
                                     <p:set>
                                       <p:cBhvr>
-                                        <p:cTn id="22" dur="1" fill="hold">
+                                        <p:cTn id="26" dur="1" fill="hold">
                                           <p:stCondLst>
                                             <p:cond delay="0"/>
                                           </p:stCondLst>
@@ -12101,13 +13035,13 @@
       <p:bldP spid="13" grpId="0" animBg="1"/>
       <p:bldP spid="10" grpId="0"/>
       <p:bldP spid="15" grpId="0"/>
-      <p:bldP spid="16" grpId="0"/>
+      <p:bldP spid="16" grpId="0" animBg="1"/>
     </p:bldLst>
   </p:timing>
 </p:sld>
 </file>
 
-<file path=ppt/slides/slide21.xml><?xml version="1.0" encoding="utf-8"?>
+<file path=ppt/slides/slide22.xml><?xml version="1.0" encoding="utf-8"?>
 <p:sld xmlns:a="http://schemas.openxmlformats.org/drawingml/2006/main" xmlns:r="http://schemas.openxmlformats.org/officeDocument/2006/relationships" xmlns:p="http://schemas.openxmlformats.org/presentationml/2006/main">
   <p:cSld>
     <p:spTree>
@@ -12143,7 +13077,7 @@
           <a:p>
             <a:r>
               <a:rPr lang="en-US" dirty="0"/>
-              <a:t>Where to start 3: start a new repository from an existing local directory</a:t>
+              <a:t>Option 3: repository from an existing local directory</a:t>
             </a:r>
           </a:p>
         </p:txBody>
@@ -12160,7 +13094,7 @@
         </p:nvSpPr>
         <p:spPr>
           <a:xfrm>
-            <a:off x="457199" y="1600200"/>
+            <a:off x="448236" y="1261294"/>
             <a:ext cx="8247529" cy="4394199"/>
           </a:xfrm>
         </p:spPr>
@@ -12284,63 +13218,20 @@
                 <a:latin typeface="Courier New" panose="02070309020205020404" pitchFamily="49" charset="0"/>
                 <a:cs typeface="Courier New" panose="02070309020205020404" pitchFamily="49" charset="0"/>
               </a:rPr>
-              <a:t>Initialized empty </a:t>
-            </a:r>
-            <a:r>
-              <a:rPr lang="en-US" sz="1600" dirty="0" err="1">
-                <a:latin typeface="Courier New" panose="02070309020205020404" pitchFamily="49" charset="0"/>
-                <a:cs typeface="Courier New" panose="02070309020205020404" pitchFamily="49" charset="0"/>
-              </a:rPr>
-              <a:t>Git</a:t>
-            </a:r>
-            <a:r>
+              <a:t>Initialized empty Git repository in:</a:t>
+            </a:r>
+            <a:br>
               <a:rPr lang="en-US" sz="1600" dirty="0">
                 <a:latin typeface="Courier New" panose="02070309020205020404" pitchFamily="49" charset="0"/>
                 <a:cs typeface="Courier New" panose="02070309020205020404" pitchFamily="49" charset="0"/>
               </a:rPr>
-              <a:t> repository in /Users/sjp23/play/</a:t>
-            </a:r>
-            <a:r>
-              <a:rPr lang="en-US" sz="1600" dirty="0" err="1">
-                <a:latin typeface="Courier New" panose="02070309020205020404" pitchFamily="49" charset="0"/>
-                <a:cs typeface="Courier New" panose="02070309020205020404" pitchFamily="49" charset="0"/>
-              </a:rPr>
-              <a:t>york_workshop_shell</a:t>
-            </a:r>
+            </a:br>
             <a:r>
               <a:rPr lang="en-US" sz="1600" dirty="0">
                 <a:latin typeface="Courier New" panose="02070309020205020404" pitchFamily="49" charset="0"/>
                 <a:cs typeface="Courier New" panose="02070309020205020404" pitchFamily="49" charset="0"/>
               </a:rPr>
-              <a:t>/test-</a:t>
-            </a:r>
-            <a:r>
-              <a:rPr lang="en-US" sz="1600" dirty="0" err="1">
-                <a:latin typeface="Courier New" panose="02070309020205020404" pitchFamily="49" charset="0"/>
-                <a:cs typeface="Courier New" panose="02070309020205020404" pitchFamily="49" charset="0"/>
-              </a:rPr>
-              <a:t>pakage</a:t>
-            </a:r>
-            <a:r>
-              <a:rPr lang="en-US" sz="1600" dirty="0">
-                <a:latin typeface="Courier New" panose="02070309020205020404" pitchFamily="49" charset="0"/>
-                <a:cs typeface="Courier New" panose="02070309020205020404" pitchFamily="49" charset="0"/>
-              </a:rPr>
-              <a:t>/.</a:t>
-            </a:r>
-            <a:r>
-              <a:rPr lang="en-US" sz="1600" dirty="0" err="1">
-                <a:latin typeface="Courier New" panose="02070309020205020404" pitchFamily="49" charset="0"/>
-                <a:cs typeface="Courier New" panose="02070309020205020404" pitchFamily="49" charset="0"/>
-              </a:rPr>
-              <a:t>git</a:t>
-            </a:r>
-            <a:r>
-              <a:rPr lang="en-US" sz="1600" dirty="0">
-                <a:latin typeface="Courier New" panose="02070309020205020404" pitchFamily="49" charset="0"/>
-                <a:cs typeface="Courier New" panose="02070309020205020404" pitchFamily="49" charset="0"/>
-              </a:rPr>
-              <a:t>/</a:t>
+              <a:t> /users/someone/test-package/.git/</a:t>
             </a:r>
           </a:p>
           <a:p>
@@ -12502,7 +13393,7 @@
 </p:sld>
 </file>
 
-<file path=ppt/slides/slide22.xml><?xml version="1.0" encoding="utf-8"?>
+<file path=ppt/slides/slide23.xml><?xml version="1.0" encoding="utf-8"?>
 <p:sld xmlns:a="http://schemas.openxmlformats.org/drawingml/2006/main" xmlns:r="http://schemas.openxmlformats.org/officeDocument/2006/relationships" xmlns:p="http://schemas.openxmlformats.org/presentationml/2006/main">
   <p:cSld>
     <p:spTree>
@@ -12529,8 +13420,8 @@
         </p:nvSpPr>
         <p:spPr bwMode="auto">
           <a:xfrm>
-            <a:off x="1104900" y="5027562"/>
-            <a:ext cx="3816350" cy="503238"/>
+            <a:off x="1104900" y="5065662"/>
+            <a:ext cx="3816350" cy="432254"/>
           </a:xfrm>
           <a:prstGeom prst="roundRect">
             <a:avLst>
@@ -12576,7 +13467,7 @@
       </p:sp>
       <p:sp>
         <p:nvSpPr>
-          <p:cNvPr id="6" name="Rounded Rectangle 5"/>
+          <p:cNvPr id="8" name="Rounded Rectangle 7"/>
           <p:cNvSpPr>
             <a:spLocks noChangeArrowheads="1"/>
           </p:cNvSpPr>
@@ -12584,8 +13475,8 @@
         </p:nvSpPr>
         <p:spPr bwMode="auto">
           <a:xfrm>
-            <a:off x="1104900" y="2346826"/>
-            <a:ext cx="6592888" cy="504825"/>
+            <a:off x="1104900" y="4120658"/>
+            <a:ext cx="6592888" cy="432254"/>
           </a:xfrm>
           <a:prstGeom prst="roundRect">
             <a:avLst>
@@ -12640,7 +13531,7 @@
         <p:spPr bwMode="auto">
           <a:xfrm>
             <a:off x="1104900" y="3233938"/>
-            <a:ext cx="6592888" cy="503238"/>
+            <a:ext cx="6592888" cy="432254"/>
           </a:xfrm>
           <a:prstGeom prst="roundRect">
             <a:avLst>
@@ -12686,7 +13577,7 @@
       </p:sp>
       <p:sp>
         <p:nvSpPr>
-          <p:cNvPr id="8" name="Rounded Rectangle 7"/>
+          <p:cNvPr id="6" name="Rounded Rectangle 5"/>
           <p:cNvSpPr>
             <a:spLocks noChangeArrowheads="1"/>
           </p:cNvSpPr>
@@ -12694,8 +13585,8 @@
         </p:nvSpPr>
         <p:spPr bwMode="auto">
           <a:xfrm>
-            <a:off x="1104900" y="4095258"/>
-            <a:ext cx="6592888" cy="503238"/>
+            <a:off x="1104900" y="2346827"/>
+            <a:ext cx="6592888" cy="409073"/>
           </a:xfrm>
           <a:prstGeom prst="roundRect">
             <a:avLst>
@@ -12749,8 +13640,8 @@
         </p:nvSpPr>
         <p:spPr bwMode="auto">
           <a:xfrm>
-            <a:off x="1104900" y="1434318"/>
-            <a:ext cx="3816350" cy="504825"/>
+            <a:off x="1104900" y="1526483"/>
+            <a:ext cx="3816350" cy="371296"/>
           </a:xfrm>
           <a:prstGeom prst="roundRect">
             <a:avLst>
@@ -12796,6 +13687,340 @@
       </p:sp>
       <p:sp>
         <p:nvSpPr>
+          <p:cNvPr id="25608" name="Content Placeholder 2"/>
+          <p:cNvSpPr>
+            <a:spLocks noGrp="1"/>
+          </p:cNvSpPr>
+          <p:nvPr>
+            <p:ph idx="1"/>
+          </p:nvPr>
+        </p:nvSpPr>
+        <p:spPr>
+          <a:xfrm>
+            <a:off x="457200" y="1073893"/>
+            <a:ext cx="7127508" cy="5523245"/>
+          </a:xfrm>
+        </p:spPr>
+        <p:txBody>
+          <a:bodyPr>
+            <a:normAutofit lnSpcReduction="10000"/>
+          </a:bodyPr>
+          <a:lstStyle/>
+          <a:p>
+            <a:pPr marL="0" indent="0">
+              <a:buFont typeface="Arial" charset="0"/>
+              <a:buNone/>
+            </a:pPr>
+            <a:r>
+              <a:rPr lang="en-GB" dirty="0">
+                <a:latin typeface="Calibri" charset="0"/>
+              </a:rPr>
+              <a:t>1. Enter the repository directory:</a:t>
+            </a:r>
+          </a:p>
+          <a:p>
+            <a:pPr marL="0" indent="0">
+              <a:buFont typeface="Arial" charset="0"/>
+              <a:buNone/>
+            </a:pPr>
+            <a:r>
+              <a:rPr lang="en-GB" sz="2400" dirty="0">
+                <a:solidFill>
+                  <a:schemeClr val="bg1"/>
+                </a:solidFill>
+                <a:latin typeface="Courier New" charset="0"/>
+                <a:cs typeface="Courier New" charset="0"/>
+              </a:rPr>
+              <a:t>	</a:t>
+            </a:r>
+            <a:r>
+              <a:rPr lang="en-GB" sz="2000" dirty="0">
+                <a:solidFill>
+                  <a:schemeClr val="bg1"/>
+                </a:solidFill>
+                <a:latin typeface="Courier New" charset="0"/>
+                <a:cs typeface="Courier New" charset="0"/>
+              </a:rPr>
+              <a:t>$ cd keep-safe/</a:t>
+            </a:r>
+          </a:p>
+          <a:p>
+            <a:pPr marL="0" indent="0">
+              <a:buFont typeface="Arial" charset="0"/>
+              <a:buNone/>
+            </a:pPr>
+            <a:r>
+              <a:rPr lang="en-GB" dirty="0">
+                <a:latin typeface="Calibri" charset="0"/>
+              </a:rPr>
+              <a:t>2. Create a new file:</a:t>
+            </a:r>
+          </a:p>
+          <a:p>
+            <a:pPr marL="0" indent="0">
+              <a:buFont typeface="Arial" charset="0"/>
+              <a:buNone/>
+            </a:pPr>
+            <a:r>
+              <a:rPr lang="en-GB" sz="2000" dirty="0">
+                <a:solidFill>
+                  <a:schemeClr val="bg1"/>
+                </a:solidFill>
+                <a:latin typeface="Courier New" charset="0"/>
+                <a:cs typeface="Courier New" charset="0"/>
+              </a:rPr>
+              <a:t>	$ echo "hello world" &gt; hello.txt</a:t>
+            </a:r>
+            <a:br>
+              <a:rPr lang="en-GB" sz="2000" dirty="0">
+                <a:solidFill>
+                  <a:schemeClr val="bg1"/>
+                </a:solidFill>
+                <a:latin typeface="Courier New" charset="0"/>
+                <a:cs typeface="Courier New" charset="0"/>
+              </a:rPr>
+            </a:br>
+            <a:endParaRPr lang="en-GB" sz="400" dirty="0">
+              <a:solidFill>
+                <a:schemeClr val="bg1"/>
+              </a:solidFill>
+              <a:latin typeface="Courier New" charset="0"/>
+              <a:cs typeface="Courier New" charset="0"/>
+            </a:endParaRPr>
+          </a:p>
+          <a:p>
+            <a:pPr marL="0" indent="0">
+              <a:buFont typeface="Arial" charset="0"/>
+              <a:buNone/>
+            </a:pPr>
+            <a:r>
+              <a:rPr lang="en-GB" dirty="0">
+                <a:latin typeface="Calibri" charset="0"/>
+              </a:rPr>
+              <a:t>3. Tell Git about the file:</a:t>
+            </a:r>
+          </a:p>
+          <a:p>
+            <a:pPr marL="0" indent="0">
+              <a:buFont typeface="Arial" charset="0"/>
+              <a:buNone/>
+            </a:pPr>
+            <a:r>
+              <a:rPr lang="en-GB" sz="2400" dirty="0">
+                <a:solidFill>
+                  <a:schemeClr val="bg1"/>
+                </a:solidFill>
+                <a:latin typeface="Courier New" charset="0"/>
+                <a:cs typeface="Courier New" charset="0"/>
+              </a:rPr>
+              <a:t>	</a:t>
+            </a:r>
+            <a:r>
+              <a:rPr lang="en-GB" sz="2000" dirty="0">
+                <a:solidFill>
+                  <a:schemeClr val="bg1"/>
+                </a:solidFill>
+                <a:latin typeface="Courier New" charset="0"/>
+                <a:cs typeface="Courier New" charset="0"/>
+              </a:rPr>
+              <a:t>$ git </a:t>
+            </a:r>
+            <a:r>
+              <a:rPr lang="en-GB" sz="2000" dirty="0">
+                <a:solidFill>
+                  <a:srgbClr val="FFFF00"/>
+                </a:solidFill>
+                <a:latin typeface="Courier New" charset="0"/>
+                <a:cs typeface="Courier New" charset="0"/>
+              </a:rPr>
+              <a:t>add</a:t>
+            </a:r>
+            <a:r>
+              <a:rPr lang="en-GB" sz="2000" dirty="0">
+                <a:solidFill>
+                  <a:schemeClr val="bg1"/>
+                </a:solidFill>
+                <a:latin typeface="Courier New" charset="0"/>
+                <a:cs typeface="Courier New" charset="0"/>
+              </a:rPr>
+              <a:t> hello.txt</a:t>
+            </a:r>
+          </a:p>
+          <a:p>
+            <a:pPr marL="0" indent="0">
+              <a:buFont typeface="Arial" charset="0"/>
+              <a:buNone/>
+            </a:pPr>
+            <a:r>
+              <a:rPr lang="en-GB" dirty="0">
+                <a:latin typeface="Calibri" charset="0"/>
+              </a:rPr>
+              <a:t>4. Commit the file to the </a:t>
+            </a:r>
+            <a:r>
+              <a:rPr lang="en-GB" b="1" dirty="0">
+                <a:solidFill>
+                  <a:srgbClr val="FF0000"/>
+                </a:solidFill>
+                <a:latin typeface="Calibri" charset="0"/>
+              </a:rPr>
+              <a:t>local</a:t>
+            </a:r>
+            <a:r>
+              <a:rPr lang="en-GB" dirty="0">
+                <a:solidFill>
+                  <a:srgbClr val="FF0000"/>
+                </a:solidFill>
+                <a:latin typeface="Calibri" charset="0"/>
+              </a:rPr>
+              <a:t> </a:t>
+            </a:r>
+            <a:r>
+              <a:rPr lang="en-GB" dirty="0">
+                <a:latin typeface="Calibri" charset="0"/>
+              </a:rPr>
+              <a:t>Git repository:</a:t>
+            </a:r>
+          </a:p>
+          <a:p>
+            <a:pPr marL="0" indent="0">
+              <a:buFont typeface="Arial" charset="0"/>
+              <a:buNone/>
+            </a:pPr>
+            <a:r>
+              <a:rPr lang="en-GB" sz="2000" dirty="0">
+                <a:solidFill>
+                  <a:schemeClr val="bg1"/>
+                </a:solidFill>
+                <a:latin typeface="Courier New" charset="0"/>
+                <a:cs typeface="Courier New" charset="0"/>
+              </a:rPr>
+              <a:t>	$ git </a:t>
+            </a:r>
+            <a:r>
+              <a:rPr lang="en-GB" sz="2000" dirty="0">
+                <a:solidFill>
+                  <a:srgbClr val="FFFF00"/>
+                </a:solidFill>
+                <a:latin typeface="Courier New" charset="0"/>
+                <a:cs typeface="Courier New" charset="0"/>
+              </a:rPr>
+              <a:t>commit</a:t>
+            </a:r>
+            <a:r>
+              <a:rPr lang="en-GB" sz="2000" dirty="0">
+                <a:solidFill>
+                  <a:schemeClr val="bg1"/>
+                </a:solidFill>
+                <a:latin typeface="Courier New" charset="0"/>
+                <a:cs typeface="Courier New" charset="0"/>
+              </a:rPr>
+              <a:t> -m "added hello"</a:t>
+            </a:r>
+          </a:p>
+          <a:p>
+            <a:pPr marL="0" indent="0">
+              <a:buFont typeface="Arial" charset="0"/>
+              <a:buNone/>
+            </a:pPr>
+            <a:endParaRPr lang="en-GB" sz="100" dirty="0">
+              <a:solidFill>
+                <a:schemeClr val="bg1"/>
+              </a:solidFill>
+              <a:latin typeface="Courier New" charset="0"/>
+              <a:cs typeface="Courier New" charset="0"/>
+            </a:endParaRPr>
+          </a:p>
+          <a:p>
+            <a:pPr marL="0" indent="0">
+              <a:buFont typeface="Arial" charset="0"/>
+              <a:buNone/>
+            </a:pPr>
+            <a:r>
+              <a:rPr lang="en-GB" dirty="0">
+                <a:latin typeface="Calibri" charset="0"/>
+              </a:rPr>
+              <a:t>5. Push any updates to the </a:t>
+            </a:r>
+            <a:r>
+              <a:rPr lang="en-GB" b="1" dirty="0">
+                <a:solidFill>
+                  <a:srgbClr val="FF0000"/>
+                </a:solidFill>
+                <a:latin typeface="Calibri" charset="0"/>
+              </a:rPr>
+              <a:t>remote</a:t>
+            </a:r>
+            <a:r>
+              <a:rPr lang="en-GB" dirty="0">
+                <a:solidFill>
+                  <a:srgbClr val="FF0000"/>
+                </a:solidFill>
+                <a:latin typeface="Calibri" charset="0"/>
+              </a:rPr>
+              <a:t> </a:t>
+            </a:r>
+            <a:r>
+              <a:rPr lang="en-GB" dirty="0">
+                <a:latin typeface="Calibri" charset="0"/>
+              </a:rPr>
+              <a:t>GitHub repo:</a:t>
+            </a:r>
+          </a:p>
+          <a:p>
+            <a:pPr marL="400050" lvl="1" indent="0">
+              <a:buFont typeface="Arial" charset="0"/>
+              <a:buNone/>
+            </a:pPr>
+            <a:r>
+              <a:rPr lang="en-GB" sz="1800" dirty="0">
+                <a:solidFill>
+                  <a:schemeClr val="bg1"/>
+                </a:solidFill>
+                <a:latin typeface="Courier New" charset="0"/>
+                <a:cs typeface="Courier New" charset="0"/>
+              </a:rPr>
+              <a:t>$  </a:t>
+            </a:r>
+            <a:r>
+              <a:rPr lang="en-GB" sz="2000" dirty="0">
+                <a:solidFill>
+                  <a:schemeClr val="bg1"/>
+                </a:solidFill>
+                <a:latin typeface="Courier New" charset="0"/>
+                <a:cs typeface="Courier New" charset="0"/>
+              </a:rPr>
+              <a:t>$ git </a:t>
+            </a:r>
+            <a:r>
+              <a:rPr lang="en-GB" sz="2000" dirty="0">
+                <a:solidFill>
+                  <a:srgbClr val="FFFF00"/>
+                </a:solidFill>
+                <a:latin typeface="Courier New" charset="0"/>
+                <a:cs typeface="Courier New" charset="0"/>
+              </a:rPr>
+              <a:t>push</a:t>
+            </a:r>
+          </a:p>
+          <a:p>
+            <a:pPr marL="0" indent="0">
+              <a:buFont typeface="Arial" charset="0"/>
+              <a:buNone/>
+            </a:pPr>
+            <a:br>
+              <a:rPr lang="en-GB" dirty="0">
+                <a:latin typeface="Calibri" charset="0"/>
+              </a:rPr>
+            </a:br>
+            <a:endParaRPr lang="en-GB" dirty="0">
+              <a:latin typeface="Calibri" charset="0"/>
+            </a:endParaRPr>
+          </a:p>
+        </p:txBody>
+      </p:sp>
+      <p:sp>
+        <p:nvSpPr>
           <p:cNvPr id="25607" name="Title 1"/>
           <p:cNvSpPr>
             <a:spLocks noGrp="1"/>
@@ -12825,283 +14050,142 @@
       </p:sp>
       <p:sp>
         <p:nvSpPr>
-          <p:cNvPr id="25608" name="Content Placeholder 2"/>
-          <p:cNvSpPr>
-            <a:spLocks noGrp="1"/>
-          </p:cNvSpPr>
-          <p:nvPr>
-            <p:ph idx="1"/>
-          </p:nvPr>
+          <p:cNvPr id="2" name="Arrow: Right 1">
+            <a:extLst>
+              <a:ext uri="{FF2B5EF4-FFF2-40B4-BE49-F238E27FC236}">
+                <a16:creationId xmlns:a16="http://schemas.microsoft.com/office/drawing/2014/main" id="{08718312-D51F-B782-3248-0A2B7D268023}"/>
+              </a:ext>
+            </a:extLst>
+          </p:cNvPr>
+          <p:cNvSpPr/>
+          <p:nvPr/>
         </p:nvSpPr>
         <p:spPr>
-          <a:xfrm>
-            <a:off x="457200" y="1073893"/>
-            <a:ext cx="8229600" cy="5523245"/>
+          <a:xfrm flipH="1">
+            <a:off x="7584708" y="2974729"/>
+            <a:ext cx="1357162" cy="950672"/>
           </a:xfrm>
+          <a:prstGeom prst="rightArrow">
+            <a:avLst/>
+          </a:prstGeom>
         </p:spPr>
+        <p:style>
+          <a:lnRef idx="0">
+            <a:schemeClr val="accent2"/>
+          </a:lnRef>
+          <a:fillRef idx="3">
+            <a:schemeClr val="accent2"/>
+          </a:fillRef>
+          <a:effectRef idx="3">
+            <a:schemeClr val="accent2"/>
+          </a:effectRef>
+          <a:fontRef idx="minor">
+            <a:schemeClr val="lt1"/>
+          </a:fontRef>
+        </p:style>
         <p:txBody>
-          <a:bodyPr>
-            <a:normAutofit lnSpcReduction="10000"/>
-          </a:bodyPr>
+          <a:bodyPr rtlCol="0" anchor="ctr"/>
           <a:lstStyle/>
           <a:p>
-            <a:pPr marL="0" indent="0">
-              <a:buFont typeface="Arial" charset="0"/>
-              <a:buNone/>
-            </a:pPr>
-            <a:r>
-              <a:rPr lang="en-GB" dirty="0">
-                <a:latin typeface="Calibri" charset="0"/>
-              </a:rPr>
-              <a:t>1. Enter the repository directory:</a:t>
-            </a:r>
-          </a:p>
-          <a:p>
-            <a:pPr marL="0" indent="0">
-              <a:buFont typeface="Arial" charset="0"/>
-              <a:buNone/>
-            </a:pPr>
-            <a:r>
-              <a:rPr lang="en-GB" sz="2400" dirty="0">
-                <a:solidFill>
-                  <a:schemeClr val="bg1"/>
-                </a:solidFill>
-                <a:latin typeface="Courier New" charset="0"/>
-                <a:cs typeface="Courier New" charset="0"/>
-              </a:rPr>
-              <a:t>	$ cd </a:t>
-            </a:r>
-            <a:r>
-              <a:rPr lang="en-GB" sz="2400" dirty="0" err="1">
-                <a:solidFill>
-                  <a:schemeClr val="bg1"/>
-                </a:solidFill>
-                <a:latin typeface="Courier New" charset="0"/>
-                <a:cs typeface="Courier New" charset="0"/>
-              </a:rPr>
-              <a:t>ncas-isc</a:t>
-            </a:r>
-            <a:endParaRPr lang="en-GB" sz="2400" dirty="0">
-              <a:solidFill>
-                <a:schemeClr val="bg1"/>
-              </a:solidFill>
-              <a:latin typeface="Courier New" charset="0"/>
-              <a:cs typeface="Courier New" charset="0"/>
-            </a:endParaRPr>
-          </a:p>
-          <a:p>
-            <a:pPr marL="0" indent="0">
-              <a:buFont typeface="Arial" charset="0"/>
-              <a:buNone/>
-            </a:pPr>
-            <a:r>
-              <a:rPr lang="en-GB" dirty="0">
-                <a:latin typeface="Calibri" charset="0"/>
-              </a:rPr>
-              <a:t>2. Create a new file:</a:t>
-            </a:r>
-          </a:p>
-          <a:p>
-            <a:pPr marL="0" indent="0">
-              <a:buFont typeface="Arial" charset="0"/>
-              <a:buNone/>
-            </a:pPr>
-            <a:r>
-              <a:rPr lang="en-GB" sz="2400" dirty="0">
-                <a:solidFill>
-                  <a:schemeClr val="bg1"/>
-                </a:solidFill>
-                <a:latin typeface="Courier New" charset="0"/>
-                <a:cs typeface="Courier New" charset="0"/>
-              </a:rPr>
-              <a:t>	$ echo "hello world" &gt; hello.txt</a:t>
-            </a:r>
-          </a:p>
-          <a:p>
-            <a:pPr marL="0" indent="0">
-              <a:buFont typeface="Arial" charset="0"/>
-              <a:buNone/>
-            </a:pPr>
-            <a:r>
-              <a:rPr lang="en-GB" dirty="0">
-                <a:latin typeface="Calibri" charset="0"/>
-              </a:rPr>
-              <a:t>3. Tell Git about the file:</a:t>
-            </a:r>
-          </a:p>
-          <a:p>
-            <a:pPr marL="0" indent="0">
-              <a:buFont typeface="Arial" charset="0"/>
-              <a:buNone/>
-            </a:pPr>
-            <a:r>
-              <a:rPr lang="en-GB" sz="2400" dirty="0">
-                <a:solidFill>
-                  <a:schemeClr val="bg1"/>
-                </a:solidFill>
-                <a:latin typeface="Courier New" charset="0"/>
-                <a:cs typeface="Courier New" charset="0"/>
-              </a:rPr>
-              <a:t>	$ git add </a:t>
-            </a:r>
-            <a:r>
-              <a:rPr lang="en-GB" sz="2400" dirty="0" err="1">
-                <a:solidFill>
-                  <a:schemeClr val="bg1"/>
-                </a:solidFill>
-                <a:latin typeface="Courier New" charset="0"/>
-                <a:cs typeface="Courier New" charset="0"/>
-              </a:rPr>
-              <a:t>hello.txt</a:t>
-            </a:r>
-            <a:endParaRPr lang="en-GB" sz="2400" dirty="0">
-              <a:solidFill>
-                <a:schemeClr val="bg1"/>
-              </a:solidFill>
-              <a:latin typeface="Courier New" charset="0"/>
-              <a:cs typeface="Courier New" charset="0"/>
-            </a:endParaRPr>
-          </a:p>
-          <a:p>
-            <a:pPr marL="0" indent="0">
-              <a:buFont typeface="Arial" charset="0"/>
-              <a:buNone/>
-            </a:pPr>
-            <a:r>
-              <a:rPr lang="en-GB" dirty="0">
-                <a:latin typeface="Calibri" charset="0"/>
-              </a:rPr>
-              <a:t>4. Commit the file to the </a:t>
-            </a:r>
-            <a:r>
-              <a:rPr lang="en-GB" b="1" dirty="0">
-                <a:solidFill>
-                  <a:srgbClr val="FF0000"/>
-                </a:solidFill>
-                <a:latin typeface="Calibri" charset="0"/>
-              </a:rPr>
-              <a:t>local</a:t>
-            </a:r>
-            <a:r>
-              <a:rPr lang="en-GB" dirty="0">
-                <a:solidFill>
-                  <a:srgbClr val="FF0000"/>
-                </a:solidFill>
-                <a:latin typeface="Calibri" charset="0"/>
-              </a:rPr>
-              <a:t> </a:t>
-            </a:r>
-            <a:r>
-              <a:rPr lang="en-GB" dirty="0">
-                <a:latin typeface="Calibri" charset="0"/>
-              </a:rPr>
-              <a:t>Git repository:</a:t>
-            </a:r>
-          </a:p>
-          <a:p>
-            <a:pPr marL="0" indent="0">
-              <a:buFont typeface="Arial" charset="0"/>
-              <a:buNone/>
-            </a:pPr>
-            <a:r>
-              <a:rPr lang="en-GB" sz="2400" dirty="0">
-                <a:solidFill>
-                  <a:schemeClr val="bg1"/>
-                </a:solidFill>
-                <a:latin typeface="Courier New" charset="0"/>
-                <a:cs typeface="Courier New" charset="0"/>
-              </a:rPr>
-              <a:t>	$ git commit -m "added hello"</a:t>
-            </a:r>
-          </a:p>
-          <a:p>
-            <a:pPr marL="0" indent="0">
-              <a:buFont typeface="Arial" charset="0"/>
-              <a:buNone/>
-            </a:pPr>
-            <a:r>
-              <a:rPr lang="en-GB" dirty="0">
-                <a:latin typeface="Calibri" charset="0"/>
-              </a:rPr>
-              <a:t>5. Push any updates to the </a:t>
-            </a:r>
-            <a:r>
-              <a:rPr lang="en-GB" b="1" dirty="0">
-                <a:solidFill>
-                  <a:srgbClr val="FF0000"/>
-                </a:solidFill>
-                <a:latin typeface="Calibri" charset="0"/>
-              </a:rPr>
-              <a:t>remote</a:t>
-            </a:r>
-            <a:r>
-              <a:rPr lang="en-GB" dirty="0">
-                <a:solidFill>
-                  <a:srgbClr val="FF0000"/>
-                </a:solidFill>
-                <a:latin typeface="Calibri" charset="0"/>
-              </a:rPr>
-              <a:t> </a:t>
-            </a:r>
-            <a:r>
-              <a:rPr lang="en-GB" dirty="0" err="1">
-                <a:latin typeface="Calibri" charset="0"/>
-              </a:rPr>
-              <a:t>GitHub</a:t>
-            </a:r>
-            <a:r>
-              <a:rPr lang="en-GB" dirty="0">
-                <a:latin typeface="Calibri" charset="0"/>
-              </a:rPr>
-              <a:t> repo:</a:t>
-            </a:r>
-          </a:p>
-          <a:p>
-            <a:pPr marL="400050" lvl="1" indent="0">
-              <a:buFont typeface="Arial" charset="0"/>
-              <a:buNone/>
-            </a:pPr>
-            <a:r>
-              <a:rPr lang="en-GB" sz="2000" dirty="0">
-                <a:solidFill>
-                  <a:schemeClr val="bg1"/>
-                </a:solidFill>
-                <a:latin typeface="Courier New" charset="0"/>
-                <a:cs typeface="Courier New" charset="0"/>
-              </a:rPr>
-              <a:t>$  </a:t>
-            </a:r>
-            <a:r>
-              <a:rPr lang="en-GB" sz="2400" dirty="0">
-                <a:solidFill>
-                  <a:schemeClr val="bg1"/>
-                </a:solidFill>
-                <a:latin typeface="Courier New" charset="0"/>
-                <a:cs typeface="Courier New" charset="0"/>
-              </a:rPr>
-              <a:t>$ git push</a:t>
-            </a:r>
-            <a:endParaRPr lang="en-GB" sz="2000" dirty="0">
-              <a:solidFill>
-                <a:schemeClr val="bg1"/>
-              </a:solidFill>
-              <a:latin typeface="Courier New" charset="0"/>
-              <a:cs typeface="Courier New" charset="0"/>
-            </a:endParaRPr>
-          </a:p>
-          <a:p>
-            <a:pPr marL="0" indent="0">
-              <a:buFont typeface="Arial" charset="0"/>
-              <a:buNone/>
-            </a:pPr>
-            <a:br>
-              <a:rPr lang="en-GB" dirty="0">
-                <a:latin typeface="Calibri" charset="0"/>
-              </a:rPr>
-            </a:br>
-            <a:endParaRPr lang="en-GB" dirty="0">
-              <a:latin typeface="Calibri" charset="0"/>
-            </a:endParaRPr>
+            <a:pPr algn="ctr"/>
+            <a:r>
+              <a:rPr lang="en-GB" dirty="0"/>
+              <a:t>ADD</a:t>
+            </a:r>
+          </a:p>
+        </p:txBody>
+      </p:sp>
+      <p:sp>
+        <p:nvSpPr>
+          <p:cNvPr id="3" name="Arrow: Right 2">
+            <a:extLst>
+              <a:ext uri="{FF2B5EF4-FFF2-40B4-BE49-F238E27FC236}">
+                <a16:creationId xmlns:a16="http://schemas.microsoft.com/office/drawing/2014/main" id="{80387521-95D0-D1D8-B2F7-D1CB8D34DE71}"/>
+              </a:ext>
+            </a:extLst>
+          </p:cNvPr>
+          <p:cNvSpPr/>
+          <p:nvPr/>
+        </p:nvSpPr>
+        <p:spPr>
+          <a:xfrm flipH="1">
+            <a:off x="7584708" y="3872729"/>
+            <a:ext cx="1357162" cy="950672"/>
+          </a:xfrm>
+          <a:prstGeom prst="rightArrow">
+            <a:avLst/>
+          </a:prstGeom>
+        </p:spPr>
+        <p:style>
+          <a:lnRef idx="0">
+            <a:schemeClr val="accent2"/>
+          </a:lnRef>
+          <a:fillRef idx="3">
+            <a:schemeClr val="accent2"/>
+          </a:fillRef>
+          <a:effectRef idx="3">
+            <a:schemeClr val="accent2"/>
+          </a:effectRef>
+          <a:fontRef idx="minor">
+            <a:schemeClr val="lt1"/>
+          </a:fontRef>
+        </p:style>
+        <p:txBody>
+          <a:bodyPr rtlCol="0" anchor="ctr"/>
+          <a:lstStyle/>
+          <a:p>
+            <a:pPr algn="ctr"/>
+            <a:r>
+              <a:rPr lang="en-GB" dirty="0"/>
+              <a:t>COMMIT</a:t>
+            </a:r>
+          </a:p>
+        </p:txBody>
+      </p:sp>
+      <p:sp>
+        <p:nvSpPr>
+          <p:cNvPr id="4" name="Arrow: Right 3">
+            <a:extLst>
+              <a:ext uri="{FF2B5EF4-FFF2-40B4-BE49-F238E27FC236}">
+                <a16:creationId xmlns:a16="http://schemas.microsoft.com/office/drawing/2014/main" id="{7725C127-6A46-D12B-AD74-C330A1B5E52A}"/>
+              </a:ext>
+            </a:extLst>
+          </p:cNvPr>
+          <p:cNvSpPr/>
+          <p:nvPr/>
+        </p:nvSpPr>
+        <p:spPr>
+          <a:xfrm flipH="1">
+            <a:off x="7584708" y="4748169"/>
+            <a:ext cx="1357162" cy="950672"/>
+          </a:xfrm>
+          <a:prstGeom prst="rightArrow">
+            <a:avLst/>
+          </a:prstGeom>
+        </p:spPr>
+        <p:style>
+          <a:lnRef idx="0">
+            <a:schemeClr val="accent2"/>
+          </a:lnRef>
+          <a:fillRef idx="3">
+            <a:schemeClr val="accent2"/>
+          </a:fillRef>
+          <a:effectRef idx="3">
+            <a:schemeClr val="accent2"/>
+          </a:effectRef>
+          <a:fontRef idx="minor">
+            <a:schemeClr val="lt1"/>
+          </a:fontRef>
+        </p:style>
+        <p:txBody>
+          <a:bodyPr rtlCol="0" anchor="ctr"/>
+          <a:lstStyle/>
+          <a:p>
+            <a:pPr algn="ctr"/>
+            <a:r>
+              <a:rPr lang="en-GB" dirty="0"/>
+              <a:t>PUSH</a:t>
+            </a:r>
           </a:p>
         </p:txBody>
       </p:sp>
@@ -13131,7 +14215,7 @@
                             </p:stCondLst>
                             <p:childTnLst>
                               <p:par>
-                                <p:cTn id="5" presetID="1" presetClass="entr" presetSubtype="0" fill="hold" grpId="0" nodeType="clickEffect">
+                                <p:cTn id="5" presetID="1" presetClass="entr" presetSubtype="0" fill="hold" nodeType="clickEffect">
                                   <p:stCondLst>
                                     <p:cond delay="0"/>
                                   </p:stCondLst>
@@ -13146,7 +14230,7 @@
                                         <p:tgtEl>
                                           <p:spTgt spid="25608">
                                             <p:txEl>
-                                              <p:pRg st="0" end="0"/>
+                                              <p:pRg st="2" end="2"/>
                                             </p:txEl>
                                           </p:spTgt>
                                         </p:tgtEl>
@@ -13161,26 +14245,39 @@
                                   </p:childTnLst>
                                 </p:cTn>
                               </p:par>
-                            </p:childTnLst>
-                          </p:cTn>
-                        </p:par>
-                      </p:childTnLst>
-                    </p:cTn>
-                  </p:par>
-                  <p:par>
-                    <p:cTn id="7" fill="hold">
-                      <p:stCondLst>
-                        <p:cond delay="indefinite"/>
-                      </p:stCondLst>
-                      <p:childTnLst>
-                        <p:par>
-                          <p:cTn id="8" fill="hold">
-                            <p:stCondLst>
-                              <p:cond delay="0"/>
-                            </p:stCondLst>
-                            <p:childTnLst>
                               <p:par>
-                                <p:cTn id="9" presetID="1" presetClass="entr" presetSubtype="0" fill="hold" grpId="0" nodeType="clickEffect">
+                                <p:cTn id="7" presetID="1" presetClass="entr" presetSubtype="0" fill="hold" nodeType="withEffect">
+                                  <p:stCondLst>
+                                    <p:cond delay="0"/>
+                                  </p:stCondLst>
+                                  <p:childTnLst>
+                                    <p:set>
+                                      <p:cBhvr>
+                                        <p:cTn id="8" dur="1" fill="hold">
+                                          <p:stCondLst>
+                                            <p:cond delay="0"/>
+                                          </p:stCondLst>
+                                        </p:cTn>
+                                        <p:tgtEl>
+                                          <p:spTgt spid="25608">
+                                            <p:txEl>
+                                              <p:pRg st="3" end="3"/>
+                                            </p:txEl>
+                                          </p:spTgt>
+                                        </p:tgtEl>
+                                        <p:attrNameLst>
+                                          <p:attrName>style.visibility</p:attrName>
+                                        </p:attrNameLst>
+                                      </p:cBhvr>
+                                      <p:to>
+                                        <p:strVal val="visible"/>
+                                      </p:to>
+                                    </p:set>
+                                  </p:childTnLst>
+                                </p:cTn>
+                              </p:par>
+                              <p:par>
+                                <p:cTn id="9" presetID="1" presetClass="entr" presetSubtype="0" fill="hold" grpId="0" nodeType="withEffect">
                                   <p:stCondLst>
                                     <p:cond delay="0"/>
                                   </p:stCondLst>
@@ -13193,11 +14290,7 @@
                                           </p:stCondLst>
                                         </p:cTn>
                                         <p:tgtEl>
-                                          <p:spTgt spid="25608">
-                                            <p:txEl>
-                                              <p:pRg st="1" end="1"/>
-                                            </p:txEl>
-                                          </p:spTgt>
+                                          <p:spTgt spid="6"/>
                                         </p:tgtEl>
                                         <p:attrNameLst>
                                           <p:attrName>style.visibility</p:attrName>
@@ -13229,7 +14322,7 @@
                             </p:stCondLst>
                             <p:childTnLst>
                               <p:par>
-                                <p:cTn id="13" presetID="1" presetClass="entr" presetSubtype="0" fill="hold" grpId="0" nodeType="clickEffect">
+                                <p:cTn id="13" presetID="1" presetClass="entr" presetSubtype="0" fill="hold" nodeType="clickEffect">
                                   <p:stCondLst>
                                     <p:cond delay="0"/>
                                   </p:stCondLst>
@@ -13244,7 +14337,7 @@
                                         <p:tgtEl>
                                           <p:spTgt spid="25608">
                                             <p:txEl>
-                                              <p:pRg st="2" end="2"/>
+                                              <p:pRg st="4" end="4"/>
                                             </p:txEl>
                                           </p:spTgt>
                                         </p:tgtEl>
@@ -13259,26 +14352,39 @@
                                   </p:childTnLst>
                                 </p:cTn>
                               </p:par>
-                            </p:childTnLst>
-                          </p:cTn>
-                        </p:par>
-                      </p:childTnLst>
-                    </p:cTn>
-                  </p:par>
-                  <p:par>
-                    <p:cTn id="15" fill="hold">
-                      <p:stCondLst>
-                        <p:cond delay="indefinite"/>
-                      </p:stCondLst>
-                      <p:childTnLst>
-                        <p:par>
-                          <p:cTn id="16" fill="hold">
-                            <p:stCondLst>
-                              <p:cond delay="0"/>
-                            </p:stCondLst>
-                            <p:childTnLst>
                               <p:par>
-                                <p:cTn id="17" presetID="1" presetClass="entr" presetSubtype="0" fill="hold" grpId="0" nodeType="clickEffect">
+                                <p:cTn id="15" presetID="1" presetClass="entr" presetSubtype="0" fill="hold" nodeType="withEffect">
+                                  <p:stCondLst>
+                                    <p:cond delay="0"/>
+                                  </p:stCondLst>
+                                  <p:childTnLst>
+                                    <p:set>
+                                      <p:cBhvr>
+                                        <p:cTn id="16" dur="1" fill="hold">
+                                          <p:stCondLst>
+                                            <p:cond delay="0"/>
+                                          </p:stCondLst>
+                                        </p:cTn>
+                                        <p:tgtEl>
+                                          <p:spTgt spid="25608">
+                                            <p:txEl>
+                                              <p:pRg st="5" end="5"/>
+                                            </p:txEl>
+                                          </p:spTgt>
+                                        </p:tgtEl>
+                                        <p:attrNameLst>
+                                          <p:attrName>style.visibility</p:attrName>
+                                        </p:attrNameLst>
+                                      </p:cBhvr>
+                                      <p:to>
+                                        <p:strVal val="visible"/>
+                                      </p:to>
+                                    </p:set>
+                                  </p:childTnLst>
+                                </p:cTn>
+                              </p:par>
+                              <p:par>
+                                <p:cTn id="17" presetID="1" presetClass="entr" presetSubtype="0" fill="hold" grpId="0" nodeType="withEffect">
                                   <p:stCondLst>
                                     <p:cond delay="0"/>
                                   </p:stCondLst>
@@ -13291,11 +14397,7 @@
                                           </p:stCondLst>
                                         </p:cTn>
                                         <p:tgtEl>
-                                          <p:spTgt spid="25608">
-                                            <p:txEl>
-                                              <p:pRg st="3" end="3"/>
-                                            </p:txEl>
-                                          </p:spTgt>
+                                          <p:spTgt spid="7"/>
                                         </p:tgtEl>
                                         <p:attrNameLst>
                                           <p:attrName>style.visibility</p:attrName>
@@ -13327,7 +14429,7 @@
                             </p:stCondLst>
                             <p:childTnLst>
                               <p:par>
-                                <p:cTn id="21" presetID="1" presetClass="entr" presetSubtype="0" fill="hold" grpId="0" nodeType="clickEffect">
+                                <p:cTn id="21" presetID="1" presetClass="entr" presetSubtype="0" fill="hold" nodeType="clickEffect">
                                   <p:stCondLst>
                                     <p:cond delay="0"/>
                                   </p:stCondLst>
@@ -13342,7 +14444,7 @@
                                         <p:tgtEl>
                                           <p:spTgt spid="25608">
                                             <p:txEl>
-                                              <p:pRg st="4" end="4"/>
+                                              <p:pRg st="6" end="6"/>
                                             </p:txEl>
                                           </p:spTgt>
                                         </p:tgtEl>
@@ -13357,26 +14459,39 @@
                                   </p:childTnLst>
                                 </p:cTn>
                               </p:par>
-                            </p:childTnLst>
-                          </p:cTn>
-                        </p:par>
-                      </p:childTnLst>
-                    </p:cTn>
-                  </p:par>
-                  <p:par>
-                    <p:cTn id="23" fill="hold">
-                      <p:stCondLst>
-                        <p:cond delay="indefinite"/>
-                      </p:stCondLst>
-                      <p:childTnLst>
-                        <p:par>
-                          <p:cTn id="24" fill="hold">
-                            <p:stCondLst>
-                              <p:cond delay="0"/>
-                            </p:stCondLst>
-                            <p:childTnLst>
                               <p:par>
-                                <p:cTn id="25" presetID="1" presetClass="entr" presetSubtype="0" fill="hold" grpId="0" nodeType="clickEffect">
+                                <p:cTn id="23" presetID="1" presetClass="entr" presetSubtype="0" fill="hold" nodeType="withEffect">
+                                  <p:stCondLst>
+                                    <p:cond delay="0"/>
+                                  </p:stCondLst>
+                                  <p:childTnLst>
+                                    <p:set>
+                                      <p:cBhvr>
+                                        <p:cTn id="24" dur="1" fill="hold">
+                                          <p:stCondLst>
+                                            <p:cond delay="0"/>
+                                          </p:stCondLst>
+                                        </p:cTn>
+                                        <p:tgtEl>
+                                          <p:spTgt spid="25608">
+                                            <p:txEl>
+                                              <p:pRg st="7" end="7"/>
+                                            </p:txEl>
+                                          </p:spTgt>
+                                        </p:tgtEl>
+                                        <p:attrNameLst>
+                                          <p:attrName>style.visibility</p:attrName>
+                                        </p:attrNameLst>
+                                      </p:cBhvr>
+                                      <p:to>
+                                        <p:strVal val="visible"/>
+                                      </p:to>
+                                    </p:set>
+                                  </p:childTnLst>
+                                </p:cTn>
+                              </p:par>
+                              <p:par>
+                                <p:cTn id="25" presetID="1" presetClass="entr" presetSubtype="0" fill="hold" grpId="0" nodeType="withEffect">
                                   <p:stCondLst>
                                     <p:cond delay="0"/>
                                   </p:stCondLst>
@@ -13389,11 +14504,7 @@
                                           </p:stCondLst>
                                         </p:cTn>
                                         <p:tgtEl>
-                                          <p:spTgt spid="25608">
-                                            <p:txEl>
-                                              <p:pRg st="5" end="5"/>
-                                            </p:txEl>
-                                          </p:spTgt>
+                                          <p:spTgt spid="8"/>
                                         </p:tgtEl>
                                         <p:attrNameLst>
                                           <p:attrName>style.visibility</p:attrName>
@@ -13425,7 +14536,7 @@
                             </p:stCondLst>
                             <p:childTnLst>
                               <p:par>
-                                <p:cTn id="29" presetID="1" presetClass="entr" presetSubtype="0" fill="hold" grpId="0" nodeType="clickEffect">
+                                <p:cTn id="29" presetID="1" presetClass="entr" presetSubtype="0" fill="hold" nodeType="clickEffect">
                                   <p:stCondLst>
                                     <p:cond delay="0"/>
                                   </p:stCondLst>
@@ -13440,7 +14551,7 @@
                                         <p:tgtEl>
                                           <p:spTgt spid="25608">
                                             <p:txEl>
-                                              <p:pRg st="6" end="6"/>
+                                              <p:pRg st="9" end="9"/>
                                             </p:txEl>
                                           </p:spTgt>
                                         </p:tgtEl>
@@ -13455,26 +14566,39 @@
                                   </p:childTnLst>
                                 </p:cTn>
                               </p:par>
-                            </p:childTnLst>
-                          </p:cTn>
-                        </p:par>
-                      </p:childTnLst>
-                    </p:cTn>
-                  </p:par>
-                  <p:par>
-                    <p:cTn id="31" fill="hold">
-                      <p:stCondLst>
-                        <p:cond delay="indefinite"/>
-                      </p:stCondLst>
-                      <p:childTnLst>
-                        <p:par>
-                          <p:cTn id="32" fill="hold">
-                            <p:stCondLst>
-                              <p:cond delay="0"/>
-                            </p:stCondLst>
-                            <p:childTnLst>
                               <p:par>
-                                <p:cTn id="33" presetID="1" presetClass="entr" presetSubtype="0" fill="hold" grpId="0" nodeType="clickEffect">
+                                <p:cTn id="31" presetID="1" presetClass="entr" presetSubtype="0" fill="hold" nodeType="withEffect">
+                                  <p:stCondLst>
+                                    <p:cond delay="0"/>
+                                  </p:stCondLst>
+                                  <p:childTnLst>
+                                    <p:set>
+                                      <p:cBhvr>
+                                        <p:cTn id="32" dur="1" fill="hold">
+                                          <p:stCondLst>
+                                            <p:cond delay="0"/>
+                                          </p:stCondLst>
+                                        </p:cTn>
+                                        <p:tgtEl>
+                                          <p:spTgt spid="25608">
+                                            <p:txEl>
+                                              <p:pRg st="10" end="10"/>
+                                            </p:txEl>
+                                          </p:spTgt>
+                                        </p:tgtEl>
+                                        <p:attrNameLst>
+                                          <p:attrName>style.visibility</p:attrName>
+                                        </p:attrNameLst>
+                                      </p:cBhvr>
+                                      <p:to>
+                                        <p:strVal val="visible"/>
+                                      </p:to>
+                                    </p:set>
+                                  </p:childTnLst>
+                                </p:cTn>
+                              </p:par>
+                              <p:par>
+                                <p:cTn id="33" presetID="1" presetClass="entr" presetSubtype="0" fill="hold" grpId="0" nodeType="withEffect">
                                   <p:stCondLst>
                                     <p:cond delay="0"/>
                                   </p:stCondLst>
@@ -13487,11 +14611,7 @@
                                           </p:stCondLst>
                                         </p:cTn>
                                         <p:tgtEl>
-                                          <p:spTgt spid="25608">
-                                            <p:txEl>
-                                              <p:pRg st="7" end="7"/>
-                                            </p:txEl>
-                                          </p:spTgt>
+                                          <p:spTgt spid="10"/>
                                         </p:tgtEl>
                                         <p:attrNameLst>
                                           <p:attrName>style.visibility</p:attrName>
@@ -13536,42 +14656,7 @@
                                           </p:stCondLst>
                                         </p:cTn>
                                         <p:tgtEl>
-                                          <p:spTgt spid="25608">
-                                            <p:txEl>
-                                              <p:pRg st="8" end="8"/>
-                                            </p:txEl>
-                                          </p:spTgt>
-                                        </p:tgtEl>
-                                        <p:attrNameLst>
-                                          <p:attrName>style.visibility</p:attrName>
-                                        </p:attrNameLst>
-                                      </p:cBhvr>
-                                      <p:to>
-                                        <p:strVal val="visible"/>
-                                      </p:to>
-                                    </p:set>
-                                  </p:childTnLst>
-                                </p:cTn>
-                              </p:par>
-                              <p:par>
-                                <p:cTn id="39" presetID="1" presetClass="entr" presetSubtype="0" fill="hold" grpId="0" nodeType="withEffect">
-                                  <p:stCondLst>
-                                    <p:cond delay="0"/>
-                                  </p:stCondLst>
-                                  <p:childTnLst>
-                                    <p:set>
-                                      <p:cBhvr>
-                                        <p:cTn id="40" dur="1" fill="hold">
-                                          <p:stCondLst>
-                                            <p:cond delay="0"/>
-                                          </p:stCondLst>
-                                        </p:cTn>
-                                        <p:tgtEl>
-                                          <p:spTgt spid="25608">
-                                            <p:txEl>
-                                              <p:pRg st="9" end="9"/>
-                                            </p:txEl>
-                                          </p:spTgt>
+                                          <p:spTgt spid="2"/>
                                         </p:tgtEl>
                                         <p:attrNameLst>
                                           <p:attrName>style.visibility</p:attrName>
@@ -13591,36 +14676,77 @@
                     </p:cTn>
                   </p:par>
                   <p:par>
-                    <p:cTn id="41" fill="hold">
+                    <p:cTn id="39" fill="hold">
                       <p:stCondLst>
                         <p:cond delay="indefinite"/>
                       </p:stCondLst>
                       <p:childTnLst>
                         <p:par>
-                          <p:cTn id="42" fill="hold">
+                          <p:cTn id="40" fill="hold">
                             <p:stCondLst>
                               <p:cond delay="0"/>
                             </p:stCondLst>
                             <p:childTnLst>
                               <p:par>
-                                <p:cTn id="43" presetID="1" presetClass="entr" presetSubtype="0" fill="hold" grpId="0" nodeType="clickEffect">
+                                <p:cTn id="41" presetID="1" presetClass="entr" presetSubtype="0" fill="hold" grpId="0" nodeType="clickEffect">
                                   <p:stCondLst>
                                     <p:cond delay="0"/>
                                   </p:stCondLst>
                                   <p:childTnLst>
                                     <p:set>
                                       <p:cBhvr>
-                                        <p:cTn id="44" dur="1" fill="hold">
+                                        <p:cTn id="42" dur="1" fill="hold">
                                           <p:stCondLst>
                                             <p:cond delay="0"/>
                                           </p:stCondLst>
                                         </p:cTn>
                                         <p:tgtEl>
-                                          <p:spTgt spid="25608">
-                                            <p:txEl>
-                                              <p:pRg st="10" end="10"/>
-                                            </p:txEl>
-                                          </p:spTgt>
+                                          <p:spTgt spid="3"/>
+                                        </p:tgtEl>
+                                        <p:attrNameLst>
+                                          <p:attrName>style.visibility</p:attrName>
+                                        </p:attrNameLst>
+                                      </p:cBhvr>
+                                      <p:to>
+                                        <p:strVal val="visible"/>
+                                      </p:to>
+                                    </p:set>
+                                  </p:childTnLst>
+                                </p:cTn>
+                              </p:par>
+                            </p:childTnLst>
+                          </p:cTn>
+                        </p:par>
+                      </p:childTnLst>
+                    </p:cTn>
+                  </p:par>
+                  <p:par>
+                    <p:cTn id="43" fill="hold">
+                      <p:stCondLst>
+                        <p:cond delay="indefinite"/>
+                      </p:stCondLst>
+                      <p:childTnLst>
+                        <p:par>
+                          <p:cTn id="44" fill="hold">
+                            <p:stCondLst>
+                              <p:cond delay="0"/>
+                            </p:stCondLst>
+                            <p:childTnLst>
+                              <p:par>
+                                <p:cTn id="45" presetID="1" presetClass="entr" presetSubtype="0" fill="hold" grpId="0" nodeType="clickEffect">
+                                  <p:stCondLst>
+                                    <p:cond delay="0"/>
+                                  </p:stCondLst>
+                                  <p:childTnLst>
+                                    <p:set>
+                                      <p:cBhvr>
+                                        <p:cTn id="46" dur="1" fill="hold">
+                                          <p:stCondLst>
+                                            <p:cond delay="0"/>
+                                          </p:stCondLst>
+                                        </p:cTn>
+                                        <p:tgtEl>
+                                          <p:spTgt spid="4"/>
                                         </p:tgtEl>
                                         <p:attrNameLst>
                                           <p:attrName>style.visibility</p:attrName>
@@ -13661,13 +14787,19 @@
       </p:par>
     </p:tnLst>
     <p:bldLst>
-      <p:bldP spid="25608" grpId="0" build="p"/>
+      <p:bldP spid="10" grpId="0" animBg="1"/>
+      <p:bldP spid="8" grpId="0" animBg="1"/>
+      <p:bldP spid="7" grpId="0" animBg="1"/>
+      <p:bldP spid="6" grpId="0" animBg="1"/>
+      <p:bldP spid="2" grpId="0" animBg="1"/>
+      <p:bldP spid="3" grpId="0" animBg="1"/>
+      <p:bldP spid="4" grpId="0" animBg="1"/>
     </p:bldLst>
   </p:timing>
 </p:sld>
 </file>
 
-<file path=ppt/slides/slide23.xml><?xml version="1.0" encoding="utf-8"?>
+<file path=ppt/slides/slide24.xml><?xml version="1.0" encoding="utf-8"?>
 <p:sld xmlns:a="http://schemas.openxmlformats.org/drawingml/2006/main" xmlns:r="http://schemas.openxmlformats.org/officeDocument/2006/relationships" xmlns:p="http://schemas.openxmlformats.org/presentationml/2006/main">
   <p:cSld>
     <p:spTree>
@@ -13749,7 +14881,7 @@
               <a:rPr lang="en-GB" dirty="0">
                 <a:latin typeface="Calibri" charset="0"/>
               </a:rPr>
-              <a:t> the remote repository to our file system. </a:t>
+              <a:t> the remote repository to our file system (using Option 1). </a:t>
             </a:r>
           </a:p>
           <a:p>
@@ -15694,7 +16826,7 @@
 </p:sld>
 </file>
 
-<file path=ppt/slides/slide24.xml><?xml version="1.0" encoding="utf-8"?>
+<file path=ppt/slides/slide25.xml><?xml version="1.0" encoding="utf-8"?>
 <p:sld xmlns:a="http://schemas.openxmlformats.org/drawingml/2006/main" xmlns:r="http://schemas.openxmlformats.org/officeDocument/2006/relationships" xmlns:p="http://schemas.openxmlformats.org/presentationml/2006/main">
   <p:cSld>
     <p:spTree>
@@ -15723,7 +16855,7 @@
         </p:nvSpPr>
         <p:spPr>
           <a:xfrm>
-            <a:off x="448235" y="316527"/>
+            <a:off x="448235" y="76644"/>
             <a:ext cx="8247530" cy="880969"/>
           </a:xfrm>
         </p:spPr>
@@ -15752,7 +16884,7 @@
         </p:nvSpPr>
         <p:spPr>
           <a:xfrm>
-            <a:off x="376518" y="1255997"/>
+            <a:off x="376518" y="957613"/>
             <a:ext cx="7899400" cy="850900"/>
           </a:xfrm>
         </p:spPr>
@@ -15782,36 +16914,6 @@
           </a:p>
         </p:txBody>
       </p:sp>
-      <p:pic>
-        <p:nvPicPr>
-          <p:cNvPr id="2" name="Picture 1" descr="Screen Shot 2017-02-23 at 11.11.53.png"/>
-          <p:cNvPicPr>
-            <a:picLocks noChangeAspect="1"/>
-          </p:cNvPicPr>
-          <p:nvPr/>
-        </p:nvPicPr>
-        <p:blipFill>
-          <a:blip r:embed="rId2" cstate="email">
-            <a:extLst>
-              <a:ext uri="{28A0092B-C50C-407E-A947-70E740481C1C}">
-                <a14:useLocalDpi xmlns:a14="http://schemas.microsoft.com/office/drawing/2010/main" val="0"/>
-              </a:ext>
-            </a:extLst>
-          </a:blip>
-          <a:stretch>
-            <a:fillRect/>
-          </a:stretch>
-        </p:blipFill>
-        <p:spPr>
-          <a:xfrm>
-            <a:off x="26894" y="1739901"/>
-            <a:ext cx="9117106" cy="1796474"/>
-          </a:xfrm>
-          <a:prstGeom prst="rect">
-            <a:avLst/>
-          </a:prstGeom>
-        </p:spPr>
-      </p:pic>
       <p:sp>
         <p:nvSpPr>
           <p:cNvPr id="5" name="Content Placeholder 2"/>
@@ -15822,7 +16924,7 @@
         </p:nvSpPr>
         <p:spPr bwMode="auto">
           <a:xfrm>
-            <a:off x="376518" y="3536375"/>
+            <a:off x="405393" y="3334240"/>
             <a:ext cx="7899400" cy="850900"/>
           </a:xfrm>
           <a:prstGeom prst="rect">
@@ -16038,34 +17140,111 @@
       </p:sp>
       <p:pic>
         <p:nvPicPr>
-          <p:cNvPr id="3" name="Picture 2" descr="Screen Shot 2017-02-23 at 11.13.40.png"/>
+          <p:cNvPr id="6" name="Picture 5">
+            <a:extLst>
+              <a:ext uri="{FF2B5EF4-FFF2-40B4-BE49-F238E27FC236}">
+                <a16:creationId xmlns:a16="http://schemas.microsoft.com/office/drawing/2014/main" id="{70BBA7A8-B380-1F63-8537-3850389AE4C3}"/>
+              </a:ext>
+            </a:extLst>
+          </p:cNvPr>
           <p:cNvPicPr>
             <a:picLocks noChangeAspect="1"/>
           </p:cNvPicPr>
           <p:nvPr/>
         </p:nvPicPr>
         <p:blipFill>
-          <a:blip r:embed="rId3" cstate="email">
-            <a:extLst>
-              <a:ext uri="{28A0092B-C50C-407E-A947-70E740481C1C}">
-                <a14:useLocalDpi xmlns:a14="http://schemas.microsoft.com/office/drawing/2010/main" val="0"/>
-              </a:ext>
-            </a:extLst>
-          </a:blip>
+          <a:blip r:embed="rId2"/>
           <a:stretch>
             <a:fillRect/>
           </a:stretch>
         </p:blipFill>
         <p:spPr>
           <a:xfrm>
-            <a:off x="26894" y="4020279"/>
-            <a:ext cx="8767482" cy="1928155"/>
+            <a:off x="417385" y="1309272"/>
+            <a:ext cx="8278380" cy="2038635"/>
           </a:xfrm>
           <a:prstGeom prst="rect">
             <a:avLst/>
           </a:prstGeom>
         </p:spPr>
       </p:pic>
+      <p:pic>
+        <p:nvPicPr>
+          <p:cNvPr id="8" name="Picture 7">
+            <a:extLst>
+              <a:ext uri="{FF2B5EF4-FFF2-40B4-BE49-F238E27FC236}">
+                <a16:creationId xmlns:a16="http://schemas.microsoft.com/office/drawing/2014/main" id="{B969BC11-59C5-2A5C-9AF6-239091445E61}"/>
+              </a:ext>
+            </a:extLst>
+          </p:cNvPr>
+          <p:cNvPicPr>
+            <a:picLocks noChangeAspect="1"/>
+          </p:cNvPicPr>
+          <p:nvPr/>
+        </p:nvPicPr>
+        <p:blipFill>
+          <a:blip r:embed="rId3"/>
+          <a:stretch>
+            <a:fillRect/>
+          </a:stretch>
+        </p:blipFill>
+        <p:spPr>
+          <a:xfrm>
+            <a:off x="409735" y="3788271"/>
+            <a:ext cx="8249801" cy="2457793"/>
+          </a:xfrm>
+          <a:prstGeom prst="rect">
+            <a:avLst/>
+          </a:prstGeom>
+        </p:spPr>
+      </p:pic>
+      <p:sp>
+        <p:nvSpPr>
+          <p:cNvPr id="9" name="Arrow: Right 8">
+            <a:extLst>
+              <a:ext uri="{FF2B5EF4-FFF2-40B4-BE49-F238E27FC236}">
+                <a16:creationId xmlns:a16="http://schemas.microsoft.com/office/drawing/2014/main" id="{97ACB293-9006-778D-2676-DF967EF92BFD}"/>
+              </a:ext>
+            </a:extLst>
+          </p:cNvPr>
+          <p:cNvSpPr/>
+          <p:nvPr/>
+        </p:nvSpPr>
+        <p:spPr>
+          <a:xfrm flipH="1">
+            <a:off x="1655546" y="5425051"/>
+            <a:ext cx="1357162" cy="950672"/>
+          </a:xfrm>
+          <a:prstGeom prst="rightArrow">
+            <a:avLst/>
+          </a:prstGeom>
+        </p:spPr>
+        <p:style>
+          <a:lnRef idx="0">
+            <a:schemeClr val="accent2"/>
+          </a:lnRef>
+          <a:fillRef idx="3">
+            <a:schemeClr val="accent2"/>
+          </a:fillRef>
+          <a:effectRef idx="3">
+            <a:schemeClr val="accent2"/>
+          </a:effectRef>
+          <a:fontRef idx="minor">
+            <a:schemeClr val="lt1"/>
+          </a:fontRef>
+        </p:style>
+        <p:txBody>
+          <a:bodyPr rtlCol="0" anchor="ctr"/>
+          <a:lstStyle/>
+          <a:p>
+            <a:pPr algn="ctr"/>
+            <a:r>
+              <a:rPr lang="en-GB" dirty="0"/>
+              <a:t>New!</a:t>
+            </a:r>
+          </a:p>
+        </p:txBody>
+      </p:sp>
     </p:spTree>
   </p:cSld>
   <p:clrMapOvr>
@@ -16105,7 +17284,7 @@
                                           </p:stCondLst>
                                         </p:cTn>
                                         <p:tgtEl>
-                                          <p:spTgt spid="3"/>
+                                          <p:spTgt spid="8"/>
                                         </p:tgtEl>
                                         <p:attrNameLst>
                                           <p:attrName>style.visibility</p:attrName>
@@ -16133,6 +17312,33 @@
                                         </p:cTn>
                                         <p:tgtEl>
                                           <p:spTgt spid="5"/>
+                                        </p:tgtEl>
+                                        <p:attrNameLst>
+                                          <p:attrName>style.visibility</p:attrName>
+                                        </p:attrNameLst>
+                                      </p:cBhvr>
+                                      <p:to>
+                                        <p:strVal val="visible"/>
+                                      </p:to>
+                                    </p:set>
+                                  </p:childTnLst>
+                                </p:cTn>
+                              </p:par>
+                              <p:par>
+                                <p:cTn id="9" presetID="1" presetClass="entr" presetSubtype="0" fill="hold" grpId="0" nodeType="withEffect">
+                                  <p:stCondLst>
+                                    <p:cond delay="0"/>
+                                  </p:stCondLst>
+                                  <p:childTnLst>
+                                    <p:set>
+                                      <p:cBhvr>
+                                        <p:cTn id="10" dur="1" fill="hold">
+                                          <p:stCondLst>
+                                            <p:cond delay="0"/>
+                                          </p:stCondLst>
+                                        </p:cTn>
+                                        <p:tgtEl>
+                                          <p:spTgt spid="9"/>
                                         </p:tgtEl>
                                         <p:attrNameLst>
                                           <p:attrName>style.visibility</p:attrName>
@@ -16174,12 +17380,13 @@
     </p:tnLst>
     <p:bldLst>
       <p:bldP spid="5" grpId="0"/>
+      <p:bldP spid="9" grpId="0" animBg="1"/>
     </p:bldLst>
   </p:timing>
 </p:sld>
 </file>
 
-<file path=ppt/slides/slide25.xml><?xml version="1.0" encoding="utf-8"?>
+<file path=ppt/slides/slide26.xml><?xml version="1.0" encoding="utf-8"?>
 <p:sld xmlns:a="http://schemas.openxmlformats.org/drawingml/2006/main" xmlns:r="http://schemas.openxmlformats.org/officeDocument/2006/relationships" xmlns:p="http://schemas.openxmlformats.org/presentationml/2006/main">
   <p:cSld>
     <p:spTree>
@@ -16220,7 +17427,7 @@
               <a:rPr lang="en-GB" dirty="0">
                 <a:latin typeface="Calibri" charset="0"/>
               </a:rPr>
-              <a:t>The Plan: Use git / GitHub all week</a:t>
+              <a:t>Learn by using</a:t>
             </a:r>
           </a:p>
         </p:txBody>
@@ -16275,7 +17482,7 @@
               <a:rPr lang="en-GB" dirty="0">
                 <a:ea typeface="+mn-ea"/>
               </a:rPr>
-              <a:t>So, we propose that you use Git/GitHub for every exercise.</a:t>
+              <a:t>So, we propose that you use Git/GitHub every day.</a:t>
             </a:r>
           </a:p>
           <a:p>
@@ -16288,7 +17495,7 @@
               <a:rPr lang="en-GB" dirty="0">
                 <a:ea typeface="+mn-ea"/>
               </a:rPr>
-              <a:t>We encourage you to create and update your own GitHub repository with files from exercises throughout the course.</a:t>
+              <a:t>We encourage you to create and update your own GitHub repository with files from exercises throughout our courses, and in your daily work!</a:t>
             </a:r>
           </a:p>
           <a:p>
@@ -16340,19 +17547,21 @@
         </p:nvSpPr>
         <p:spPr>
           <a:xfrm>
-            <a:off x="457200" y="1183352"/>
-            <a:ext cx="8431619" cy="4855941"/>
+            <a:off x="457200" y="1337912"/>
+            <a:ext cx="8431619" cy="4701381"/>
           </a:xfrm>
         </p:spPr>
         <p:txBody>
-          <a:bodyPr/>
+          <a:bodyPr>
+            <a:normAutofit/>
+          </a:bodyPr>
           <a:lstStyle/>
           <a:p>
             <a:pPr marL="0" indent="0">
               <a:buNone/>
             </a:pPr>
             <a:r>
-              <a:rPr lang="en-GB" dirty="0">
+              <a:rPr lang="en-GB" sz="2400" dirty="0">
                 <a:latin typeface="Calibri" charset="0"/>
               </a:rPr>
               <a:t>Git is easy to use but will take a bit of practice to get comfortable with. With that in mind:</a:t>
@@ -16360,73 +17569,84 @@
           </a:p>
           <a:p>
             <a:r>
-              <a:rPr lang="en-GB" dirty="0">
+              <a:rPr lang="en-GB" sz="2400" dirty="0">
                 <a:latin typeface="Calibri" charset="0"/>
               </a:rPr>
-              <a:t>We will encourage you to commit your work at then end of every exercise.</a:t>
-            </a:r>
-          </a:p>
-          <a:p>
-            <a:r>
-              <a:rPr lang="en-GB" dirty="0">
+              <a:t>You only need to understand the basics</a:t>
+            </a:r>
+          </a:p>
+          <a:p>
+            <a:r>
+              <a:rPr lang="en-GB" sz="2400" dirty="0">
                 <a:latin typeface="Calibri" charset="0"/>
               </a:rPr>
-              <a:t>The basics will be enough for most use-cases</a:t>
-            </a:r>
-          </a:p>
-          <a:p>
-            <a:r>
-              <a:rPr lang="en-GB" dirty="0">
+              <a:t>Use the </a:t>
+            </a:r>
+            <a:r>
+              <a:rPr lang="en-GB" sz="2400" dirty="0" err="1">
                 <a:latin typeface="Calibri" charset="0"/>
               </a:rPr>
-              <a:t>We will provide you with a </a:t>
-            </a:r>
-            <a:r>
-              <a:rPr lang="en-GB" dirty="0" err="1">
+              <a:t>Cheatsheet</a:t>
+            </a:r>
+            <a:r>
+              <a:rPr lang="en-GB" sz="2400" dirty="0">
                 <a:latin typeface="Calibri" charset="0"/>
               </a:rPr>
-              <a:t>cheatsheet</a:t>
-            </a:r>
-            <a:endParaRPr lang="en-GB" dirty="0">
+              <a:t>: </a:t>
+            </a:r>
+            <a:r>
+              <a:rPr lang="en-GB" sz="2400" dirty="0">
+                <a:latin typeface="Calibri" charset="0"/>
+                <a:hlinkClick r:id="rId2"/>
+              </a:rPr>
+              <a:t>https://education.github.com/git-cheat-sheet-education.pdf</a:t>
+            </a:r>
+            <a:r>
+              <a:rPr lang="en-GB" sz="2400" dirty="0">
+                <a:latin typeface="Calibri" charset="0"/>
+              </a:rPr>
+              <a:t> </a:t>
+            </a:r>
+          </a:p>
+          <a:p>
+            <a:r>
+              <a:rPr lang="en-GB" sz="2400" dirty="0">
+                <a:latin typeface="Calibri" charset="0"/>
+              </a:rPr>
+              <a:t>The exercise following this presentation will get you set up to use Git and </a:t>
+            </a:r>
+            <a:r>
+              <a:rPr lang="en-GB" sz="2400" dirty="0" err="1">
+                <a:latin typeface="Calibri" charset="0"/>
+              </a:rPr>
+              <a:t>GitGub</a:t>
+            </a:r>
+            <a:endParaRPr lang="en-GB" sz="2400" dirty="0">
               <a:latin typeface="Calibri" charset="0"/>
             </a:endParaRPr>
           </a:p>
           <a:p>
             <a:r>
-              <a:rPr lang="en-GB" dirty="0">
+              <a:rPr lang="en-GB" sz="2400" dirty="0">
                 <a:latin typeface="Calibri" charset="0"/>
               </a:rPr>
-              <a:t>The internet is full of answers</a:t>
-            </a:r>
-          </a:p>
-          <a:p>
-            <a:r>
-              <a:rPr lang="en-GB" dirty="0">
+              <a:t>(We will encourage you to commit your work at then end of every exercise)</a:t>
+            </a:r>
+          </a:p>
+          <a:p>
+            <a:r>
+              <a:rPr lang="en-GB" sz="2400" dirty="0">
                 <a:latin typeface="Calibri" charset="0"/>
               </a:rPr>
-              <a:t>Give it a go. </a:t>
-            </a:r>
-            <a:r>
-              <a:rPr lang="en-GB" b="1" dirty="0">
+              <a:t>Give it a try – you’ll learn by </a:t>
+            </a:r>
+            <a:r>
+              <a:rPr lang="en-GB" sz="2400" i="1" dirty="0">
                 <a:latin typeface="Calibri" charset="0"/>
               </a:rPr>
-              <a:t>You don’t need to “get it” to “git it”.</a:t>
-            </a:r>
-          </a:p>
-          <a:p>
-            <a:r>
-              <a:rPr lang="en-GB" b="1" dirty="0">
-                <a:latin typeface="Calibri" charset="0"/>
-              </a:rPr>
-              <a:t>The exercise following this presentation will make sure you are setup with Git/</a:t>
-            </a:r>
-            <a:r>
-              <a:rPr lang="en-GB" b="1" dirty="0" err="1">
-                <a:latin typeface="Calibri" charset="0"/>
-              </a:rPr>
-              <a:t>GitGub</a:t>
-            </a:r>
-            <a:endParaRPr lang="en-GB" dirty="0">
+              <a:t>doing</a:t>
+            </a:r>
+            <a:endParaRPr lang="en-GB" sz="2400" dirty="0">
               <a:latin typeface="Calibri" charset="0"/>
             </a:endParaRPr>
           </a:p>
@@ -16503,16 +17723,18 @@
         </p:nvSpPr>
         <p:spPr>
           <a:xfrm>
-            <a:off x="629499" y="1271552"/>
+            <a:off x="457200" y="1268413"/>
             <a:ext cx="7885002" cy="4494434"/>
           </a:xfrm>
         </p:spPr>
         <p:txBody>
-          <a:bodyPr/>
+          <a:bodyPr>
+            <a:normAutofit/>
+          </a:bodyPr>
           <a:lstStyle/>
           <a:p>
             <a:r>
-              <a:rPr lang="en-GB" dirty="0">
+              <a:rPr lang="en-GB" sz="2400" dirty="0">
                 <a:latin typeface="Calibri" charset="0"/>
               </a:rPr>
               <a:t>Version control software keeps track of your changes</a:t>
@@ -16520,38 +17742,38 @@
           </a:p>
           <a:p>
             <a:r>
-              <a:rPr lang="en-GB" dirty="0">
+              <a:rPr lang="en-GB" sz="2400" dirty="0">
                 <a:latin typeface="Calibri" charset="0"/>
               </a:rPr>
-              <a:t>Allows you to revert back to a previous point</a:t>
-            </a:r>
-          </a:p>
-          <a:p>
-            <a:r>
-              <a:rPr lang="en-GB" dirty="0">
+              <a:t>Allows you to revert back to a previous points in history</a:t>
+            </a:r>
+          </a:p>
+          <a:p>
+            <a:r>
+              <a:rPr lang="en-GB" sz="2400" dirty="0">
                 <a:latin typeface="Calibri" charset="0"/>
               </a:rPr>
-              <a:t>Manages contributions from multiple people</a:t>
-            </a:r>
-          </a:p>
-          <a:p>
-            <a:r>
-              <a:rPr lang="en-GB" dirty="0">
+              <a:t>Uses freeze points which won’t change</a:t>
+            </a:r>
+          </a:p>
+          <a:p>
+            <a:r>
+              <a:rPr lang="en-GB" sz="2400" dirty="0">
                 <a:latin typeface="Calibri" charset="0"/>
               </a:rPr>
-              <a:t>Creates freeze points which won’t change</a:t>
-            </a:r>
-          </a:p>
-          <a:p>
-            <a:r>
-              <a:rPr lang="en-GB" dirty="0">
+              <a:t>Can manage contributions from multiple people</a:t>
+            </a:r>
+          </a:p>
+          <a:p>
+            <a:r>
+              <a:rPr lang="en-GB" sz="2400" dirty="0">
                 <a:latin typeface="Calibri" charset="0"/>
               </a:rPr>
               <a:t>Stores the full history of the things under version control including who did what, when?</a:t>
             </a:r>
           </a:p>
           <a:p>
-            <a:endParaRPr lang="en-GB" dirty="0">
+            <a:endParaRPr lang="en-GB" sz="2400" dirty="0">
               <a:latin typeface="Calibri" charset="0"/>
             </a:endParaRPr>
           </a:p>
@@ -16559,7 +17781,7 @@
             <a:pPr marL="0" indent="0">
               <a:buNone/>
             </a:pPr>
-            <a:endParaRPr lang="en-GB" dirty="0">
+            <a:endParaRPr lang="en-GB" sz="2400" dirty="0">
               <a:latin typeface="Calibri" charset="0"/>
             </a:endParaRPr>
           </a:p>
@@ -16641,77 +17863,79 @@
           </a:xfrm>
         </p:spPr>
         <p:txBody>
-          <a:bodyPr/>
+          <a:bodyPr>
+            <a:normAutofit/>
+          </a:bodyPr>
           <a:lstStyle/>
           <a:p>
             <a:r>
-              <a:rPr lang="en-GB" dirty="0">
+              <a:rPr lang="en-GB" sz="2400" dirty="0">
                 <a:latin typeface="Calibri" charset="0"/>
               </a:rPr>
               <a:t>Scientists are typically </a:t>
             </a:r>
             <a:r>
-              <a:rPr lang="en-GB" b="1" dirty="0">
+              <a:rPr lang="en-GB" sz="2400" b="1" dirty="0">
                 <a:latin typeface="Calibri" charset="0"/>
               </a:rPr>
               <a:t>required to publish data and code</a:t>
             </a:r>
             <a:r>
-              <a:rPr lang="en-GB" dirty="0">
+              <a:rPr lang="en-GB" sz="2400" dirty="0">
                 <a:latin typeface="Calibri" charset="0"/>
               </a:rPr>
               <a:t> (by their funders/institutions).</a:t>
             </a:r>
-            <a:endParaRPr lang="en-GB" sz="1200" dirty="0">
+            <a:endParaRPr lang="en-GB" sz="1100" dirty="0">
               <a:latin typeface="Calibri" charset="0"/>
             </a:endParaRPr>
           </a:p>
           <a:p>
             <a:r>
-              <a:rPr lang="en-GB" dirty="0">
+              <a:rPr lang="en-GB" sz="2400" dirty="0">
                 <a:latin typeface="Calibri" charset="0"/>
               </a:rPr>
               <a:t>Collaboration between scientists requires data-sharing; this implicitly relies upon </a:t>
             </a:r>
             <a:r>
-              <a:rPr lang="en-GB" b="1" dirty="0">
+              <a:rPr lang="en-GB" sz="2400" b="1" dirty="0">
                 <a:latin typeface="Calibri" charset="0"/>
               </a:rPr>
               <a:t>code-sharing</a:t>
             </a:r>
             <a:r>
-              <a:rPr lang="en-GB" dirty="0">
+              <a:rPr lang="en-GB" sz="2400" dirty="0">
                 <a:latin typeface="Calibri" charset="0"/>
               </a:rPr>
               <a:t>.</a:t>
             </a:r>
-            <a:endParaRPr lang="en-GB" sz="1200" dirty="0">
+            <a:endParaRPr lang="en-GB" sz="1100" dirty="0">
               <a:latin typeface="Calibri" charset="0"/>
             </a:endParaRPr>
           </a:p>
           <a:p>
             <a:r>
-              <a:rPr lang="en-GB" dirty="0">
+              <a:rPr lang="en-GB" sz="2400" dirty="0">
                 <a:latin typeface="Calibri" charset="0"/>
               </a:rPr>
               <a:t>There are </a:t>
             </a:r>
             <a:r>
-              <a:rPr lang="en-GB" b="1" dirty="0">
+              <a:rPr lang="en-GB" sz="2400" b="1" dirty="0">
                 <a:latin typeface="Calibri" charset="0"/>
               </a:rPr>
               <a:t>tools that make it easy </a:t>
             </a:r>
             <a:r>
-              <a:rPr lang="en-GB" dirty="0">
+              <a:rPr lang="en-GB" sz="2400" dirty="0">
                 <a:latin typeface="Calibri" charset="0"/>
               </a:rPr>
-              <a:t>to record our changes, document our workflow and "fix" releases of our code at important steps along the way.</a:t>
-            </a:r>
-          </a:p>
-          <a:p>
-            <a:r>
-              <a:rPr lang="en-GB" dirty="0">
+              <a:t>to record our changes, document our workflow and create “fixed” releases of our code at important steps along the way.</a:t>
+            </a:r>
+          </a:p>
+          <a:p>
+            <a:r>
+              <a:rPr lang="en-GB" sz="2400" dirty="0">
                 <a:latin typeface="Calibri" charset="0"/>
               </a:rPr>
               <a:t>Reduce errors and admin burden ("latest", "new2"…)</a:t>
@@ -16719,7 +17943,7 @@
           </a:p>
           <a:p>
             <a:r>
-              <a:rPr lang="en-GB" dirty="0">
+              <a:rPr lang="en-GB" sz="2400" dirty="0">
                 <a:latin typeface="Calibri" charset="0"/>
               </a:rPr>
               <a:t>Allows you test ideas with confidence, you can always go back.</a:t>
@@ -17009,6 +18233,120 @@
       </p:grpSpPr>
       <p:sp>
         <p:nvSpPr>
+          <p:cNvPr id="5123" name="Content Placeholder 2"/>
+          <p:cNvSpPr>
+            <a:spLocks noGrp="1"/>
+          </p:cNvSpPr>
+          <p:nvPr>
+            <p:ph idx="1"/>
+          </p:nvPr>
+        </p:nvSpPr>
+        <p:spPr>
+          <a:xfrm>
+            <a:off x="397769" y="1279046"/>
+            <a:ext cx="8229600" cy="5257800"/>
+          </a:xfrm>
+        </p:spPr>
+        <p:txBody>
+          <a:bodyPr>
+            <a:normAutofit/>
+          </a:bodyPr>
+          <a:lstStyle/>
+          <a:p>
+            <a:r>
+              <a:rPr lang="en-GB" sz="2400" dirty="0">
+                <a:latin typeface="Calibri" charset="0"/>
+              </a:rPr>
+              <a:t>There are a number of tools and web services that can do some, or all, of the tasks managed by Git/GitHub.</a:t>
+            </a:r>
+          </a:p>
+          <a:p>
+            <a:r>
+              <a:rPr lang="en-GB" sz="2400" dirty="0">
+                <a:latin typeface="Calibri" charset="0"/>
+              </a:rPr>
+              <a:t>They are as good, if not better, than alternatives.</a:t>
+            </a:r>
+          </a:p>
+          <a:p>
+            <a:r>
+              <a:rPr lang="en-GB" sz="2400" dirty="0">
+                <a:latin typeface="Calibri" charset="0"/>
+              </a:rPr>
+              <a:t>In your daily life as a scientist, we think that you will encounter these two tools most frequently.</a:t>
+            </a:r>
+          </a:p>
+          <a:p>
+            <a:r>
+              <a:rPr lang="en-GB" sz="2400" dirty="0">
+                <a:latin typeface="Calibri" charset="0"/>
+              </a:rPr>
+              <a:t>If you learn how to use them, then the principles will be transferrable to other tools (if needed).</a:t>
+            </a:r>
+          </a:p>
+        </p:txBody>
+      </p:sp>
+      <p:sp>
+        <p:nvSpPr>
+          <p:cNvPr id="5122" name="Title 1"/>
+          <p:cNvSpPr>
+            <a:spLocks noGrp="1"/>
+          </p:cNvSpPr>
+          <p:nvPr>
+            <p:ph type="title"/>
+          </p:nvPr>
+        </p:nvSpPr>
+        <p:spPr>
+          <a:xfrm>
+            <a:off x="457200" y="125413"/>
+            <a:ext cx="8229600" cy="1143000"/>
+          </a:xfrm>
+        </p:spPr>
+        <p:txBody>
+          <a:bodyPr/>
+          <a:lstStyle/>
+          <a:p>
+            <a:r>
+              <a:rPr lang="en-GB" dirty="0">
+                <a:latin typeface="Calibri" charset="0"/>
+              </a:rPr>
+              <a:t>Why use Git and GitHub?</a:t>
+            </a:r>
+          </a:p>
+        </p:txBody>
+      </p:sp>
+    </p:spTree>
+    <p:extLst>
+      <p:ext uri="{BB962C8B-B14F-4D97-AF65-F5344CB8AC3E}">
+        <p14:creationId xmlns:p14="http://schemas.microsoft.com/office/powerpoint/2010/main" val="3957046309"/>
+      </p:ext>
+    </p:extLst>
+  </p:cSld>
+  <p:clrMapOvr>
+    <a:masterClrMapping/>
+  </p:clrMapOvr>
+</p:sld>
+</file>
+
+<file path=ppt/slides/slide7.xml><?xml version="1.0" encoding="utf-8"?>
+<p:sld xmlns:a="http://schemas.openxmlformats.org/drawingml/2006/main" xmlns:r="http://schemas.openxmlformats.org/officeDocument/2006/relationships" xmlns:p="http://schemas.openxmlformats.org/presentationml/2006/main">
+  <p:cSld>
+    <p:spTree>
+      <p:nvGrpSpPr>
+        <p:cNvPr id="1" name=""/>
+        <p:cNvGrpSpPr/>
+        <p:nvPr/>
+      </p:nvGrpSpPr>
+      <p:grpSpPr>
+        <a:xfrm>
+          <a:off x="0" y="0"/>
+          <a:ext cx="0" cy="0"/>
+          <a:chOff x="0" y="0"/>
+          <a:chExt cx="0" cy="0"/>
+        </a:xfrm>
+      </p:grpSpPr>
+      <p:sp>
+        <p:nvSpPr>
           <p:cNvPr id="6146" name="Text Box 3"/>
           <p:cNvSpPr txBox="1">
             <a:spLocks noChangeArrowheads="1"/>
@@ -17305,7 +18643,7 @@
 </p:sld>
 </file>
 
-<file path=ppt/slides/slide7.xml><?xml version="1.0" encoding="utf-8"?>
+<file path=ppt/slides/slide8.xml><?xml version="1.0" encoding="utf-8"?>
 <p:sld xmlns:a="http://schemas.openxmlformats.org/drawingml/2006/main" xmlns:r="http://schemas.openxmlformats.org/officeDocument/2006/relationships" xmlns:p="http://schemas.openxmlformats.org/presentationml/2006/main">
   <p:cSld>
     <p:spTree>
@@ -17603,25 +18941,7 @@
                 </a:solidFill>
                 <a:latin typeface="+mn-lt"/>
               </a:rPr>
-              <a:t>We will use </a:t>
-            </a:r>
-            <a:r>
-              <a:rPr lang="en-US" sz="3600" dirty="0" err="1">
-                <a:solidFill>
-                  <a:srgbClr val="000000"/>
-                </a:solidFill>
-                <a:latin typeface="+mn-lt"/>
-              </a:rPr>
-              <a:t>Git</a:t>
-            </a:r>
-            <a:r>
-              <a:rPr lang="en-US" sz="3600" dirty="0">
-                <a:solidFill>
-                  <a:srgbClr val="000000"/>
-                </a:solidFill>
-                <a:latin typeface="+mn-lt"/>
-              </a:rPr>
-              <a:t> and </a:t>
+              <a:t>We will use Git and </a:t>
             </a:r>
             <a:r>
               <a:rPr lang="en-US" sz="3600" dirty="0"/>
@@ -17672,7 +18992,7 @@
 </p:sld>
 </file>
 
-<file path=ppt/slides/slide8.xml><?xml version="1.0" encoding="utf-8"?>
+<file path=ppt/slides/slide9.xml><?xml version="1.0" encoding="utf-8"?>
 <p:sld xmlns:a="http://schemas.openxmlformats.org/drawingml/2006/main" xmlns:r="http://schemas.openxmlformats.org/officeDocument/2006/relationships" xmlns:p="http://schemas.openxmlformats.org/presentationml/2006/main">
   <p:cSld>
     <p:spTree>
@@ -17825,730 +19145,64 @@
       </p:sp>
       <p:pic>
         <p:nvPicPr>
-          <p:cNvPr id="205" name="Google Shape;205;p27"/>
-          <p:cNvPicPr preferRelativeResize="0"/>
+          <p:cNvPr id="3" name="Picture 2">
+            <a:extLst>
+              <a:ext uri="{FF2B5EF4-FFF2-40B4-BE49-F238E27FC236}">
+                <a16:creationId xmlns:a16="http://schemas.microsoft.com/office/drawing/2014/main" id="{7163576E-F470-1EDD-C58C-29893005E62B}"/>
+              </a:ext>
+            </a:extLst>
+          </p:cNvPr>
+          <p:cNvPicPr>
+            <a:picLocks noChangeAspect="1"/>
+          </p:cNvPicPr>
           <p:nvPr/>
         </p:nvPicPr>
         <p:blipFill>
-          <a:blip r:embed="rId4">
-            <a:alphaModFix/>
-          </a:blip>
+          <a:blip r:embed="rId4"/>
           <a:stretch>
             <a:fillRect/>
           </a:stretch>
         </p:blipFill>
         <p:spPr>
           <a:xfrm>
-            <a:off x="681963" y="1059275"/>
-            <a:ext cx="7780074" cy="4422801"/>
-          </a:xfrm>
-          <a:prstGeom prst="rect">
-            <a:avLst/>
-          </a:prstGeom>
-          <a:noFill/>
-          <a:ln>
-            <a:noFill/>
-          </a:ln>
-        </p:spPr>
-      </p:pic>
-    </p:spTree>
-  </p:cSld>
-  <p:clrMapOvr>
-    <a:masterClrMapping/>
-  </p:clrMapOvr>
-</p:sld>
-</file>
-
-<file path=ppt/slides/slide9.xml><?xml version="1.0" encoding="utf-8"?>
-<p:sld xmlns:a="http://schemas.openxmlformats.org/drawingml/2006/main" xmlns:r="http://schemas.openxmlformats.org/officeDocument/2006/relationships" xmlns:p="http://schemas.openxmlformats.org/presentationml/2006/main">
-  <p:cSld>
-    <p:spTree>
-      <p:nvGrpSpPr>
-        <p:cNvPr id="1" name="Shape 209"/>
-        <p:cNvGrpSpPr/>
-        <p:nvPr/>
-      </p:nvGrpSpPr>
-      <p:grpSpPr>
-        <a:xfrm>
-          <a:off x="0" y="0"/>
-          <a:ext cx="0" cy="0"/>
-          <a:chOff x="0" y="0"/>
-          <a:chExt cx="0" cy="0"/>
-        </a:xfrm>
-      </p:grpSpPr>
-      <p:sp>
-        <p:nvSpPr>
-          <p:cNvPr id="210" name="Google Shape;210;p28"/>
-          <p:cNvSpPr txBox="1">
-            <a:spLocks noGrp="1"/>
-          </p:cNvSpPr>
-          <p:nvPr>
-            <p:ph type="ctrTitle"/>
-          </p:nvPr>
-        </p:nvSpPr>
-        <p:spPr>
-          <a:xfrm>
-            <a:off x="406400" y="313615"/>
-            <a:ext cx="8462100" cy="715200"/>
-          </a:xfrm>
-          <a:prstGeom prst="rect">
-            <a:avLst/>
-          </a:prstGeom>
-          <a:noFill/>
-          <a:ln>
-            <a:noFill/>
-          </a:ln>
-        </p:spPr>
-        <p:txBody>
-          <a:bodyPr spcFirstLastPara="1" wrap="square" lIns="91425" tIns="45700" rIns="91425" bIns="45700" anchor="t" anchorCtr="0">
-            <a:noAutofit/>
-          </a:bodyPr>
-          <a:lstStyle/>
-          <a:p>
-            <a:pPr marL="0" marR="0" lvl="0" indent="0" algn="l" rtl="0">
-              <a:lnSpc>
-                <a:spcPct val="90000"/>
-              </a:lnSpc>
-              <a:spcBef>
-                <a:spcPts val="0"/>
-              </a:spcBef>
-              <a:spcAft>
-                <a:spcPts val="0"/>
-              </a:spcAft>
-              <a:buClr>
-                <a:srgbClr val="63666A"/>
-              </a:buClr>
-              <a:buSzPts val="2400"/>
-              <a:buFont typeface="Calibri"/>
-              <a:buNone/>
-            </a:pPr>
-            <a:r>
-              <a:rPr lang="en-US" dirty="0">
-                <a:solidFill>
-                  <a:schemeClr val="tx1"/>
-                </a:solidFill>
-              </a:rPr>
-              <a:t>What is GitHub?</a:t>
-            </a:r>
-            <a:endParaRPr sz="2400" b="0" i="0" u="none" strike="noStrike" cap="none" dirty="0">
-              <a:solidFill>
-                <a:schemeClr val="tx1"/>
-              </a:solidFill>
-              <a:ea typeface="Calibri"/>
-              <a:cs typeface="Calibri"/>
-              <a:sym typeface="Calibri"/>
-            </a:endParaRPr>
-          </a:p>
-        </p:txBody>
-      </p:sp>
-      <p:sp>
-        <p:nvSpPr>
-          <p:cNvPr id="211" name="Google Shape;211;p28"/>
-          <p:cNvSpPr txBox="1">
-            <a:spLocks noGrp="1"/>
-          </p:cNvSpPr>
-          <p:nvPr>
-            <p:ph type="body" idx="1"/>
-          </p:nvPr>
-        </p:nvSpPr>
-        <p:spPr>
-          <a:xfrm>
-            <a:off x="675436" y="1338900"/>
-            <a:ext cx="7777088" cy="4412954"/>
+            <a:off x="368300" y="1199031"/>
+            <a:ext cx="4888919" cy="3152938"/>
           </a:xfrm>
           <a:prstGeom prst="rect">
             <a:avLst/>
           </a:prstGeom>
         </p:spPr>
-        <p:txBody>
-          <a:bodyPr spcFirstLastPara="1" wrap="square" lIns="91425" tIns="45700" rIns="91425" bIns="45700" anchor="t" anchorCtr="0">
-            <a:noAutofit/>
-          </a:bodyPr>
-          <a:lstStyle/>
-          <a:p>
-            <a:pPr marL="0" lvl="0" indent="0" algn="l" rtl="0">
-              <a:spcBef>
-                <a:spcPts val="600"/>
-              </a:spcBef>
-              <a:spcAft>
-                <a:spcPts val="0"/>
-              </a:spcAft>
-              <a:buNone/>
-            </a:pPr>
-            <a:r>
-              <a:rPr lang="en-US" dirty="0">
-                <a:solidFill>
-                  <a:schemeClr val="tx1"/>
-                </a:solidFill>
-              </a:rPr>
-              <a:t>“A </a:t>
-            </a:r>
-            <a:r>
-              <a:rPr lang="en-US" b="1" dirty="0">
-                <a:solidFill>
-                  <a:schemeClr val="tx1"/>
-                </a:solidFill>
-              </a:rPr>
-              <a:t>web-based</a:t>
-            </a:r>
-            <a:r>
-              <a:rPr lang="en-US" dirty="0">
-                <a:solidFill>
-                  <a:schemeClr val="tx1"/>
-                </a:solidFill>
-              </a:rPr>
-              <a:t> Git repository </a:t>
-            </a:r>
-            <a:r>
-              <a:rPr lang="en-US" b="1" dirty="0">
-                <a:solidFill>
-                  <a:schemeClr val="tx1"/>
-                </a:solidFill>
-              </a:rPr>
-              <a:t>hosting service</a:t>
-            </a:r>
-            <a:r>
-              <a:rPr lang="en-US" dirty="0">
-                <a:solidFill>
-                  <a:schemeClr val="tx1"/>
-                </a:solidFill>
-              </a:rPr>
-              <a:t>”</a:t>
-            </a:r>
-            <a:endParaRPr dirty="0">
-              <a:solidFill>
-                <a:schemeClr val="tx1"/>
-              </a:solidFill>
-            </a:endParaRPr>
-          </a:p>
-          <a:p>
-            <a:pPr marL="0" lvl="0" indent="0" algn="l" rtl="0">
-              <a:spcBef>
-                <a:spcPts val="600"/>
-              </a:spcBef>
-              <a:spcAft>
-                <a:spcPts val="0"/>
-              </a:spcAft>
-              <a:buNone/>
-            </a:pPr>
-            <a:endParaRPr dirty="0">
-              <a:solidFill>
-                <a:schemeClr val="tx1"/>
-              </a:solidFill>
-            </a:endParaRPr>
-          </a:p>
-          <a:p>
-            <a:pPr marL="0" lvl="0" indent="0" algn="l" rtl="0">
-              <a:spcBef>
-                <a:spcPts val="600"/>
-              </a:spcBef>
-              <a:spcAft>
-                <a:spcPts val="0"/>
-              </a:spcAft>
-              <a:buNone/>
-            </a:pPr>
-            <a:r>
-              <a:rPr lang="en-US" dirty="0">
-                <a:solidFill>
-                  <a:schemeClr val="tx1"/>
-                </a:solidFill>
-              </a:rPr>
-              <a:t>GitHub allows you to:</a:t>
-            </a:r>
-            <a:endParaRPr dirty="0">
-              <a:solidFill>
-                <a:schemeClr val="tx1"/>
-              </a:solidFill>
-            </a:endParaRPr>
-          </a:p>
-          <a:p>
-            <a:pPr marL="457200" lvl="0" indent="-406400" algn="l" rtl="0">
-              <a:spcBef>
-                <a:spcPts val="600"/>
-              </a:spcBef>
-              <a:spcAft>
-                <a:spcPts val="0"/>
-              </a:spcAft>
-              <a:buSzPts val="2800"/>
-              <a:buChar char="●"/>
-            </a:pPr>
-            <a:r>
-              <a:rPr lang="en-US" dirty="0">
-                <a:solidFill>
-                  <a:schemeClr val="tx1"/>
-                </a:solidFill>
-              </a:rPr>
-              <a:t>Share your repositories with others</a:t>
-            </a:r>
-            <a:endParaRPr dirty="0">
-              <a:solidFill>
-                <a:schemeClr val="tx1"/>
-              </a:solidFill>
-            </a:endParaRPr>
-          </a:p>
-          <a:p>
-            <a:pPr marL="457200" lvl="0" indent="-406400" algn="l" rtl="0">
-              <a:spcBef>
-                <a:spcPts val="0"/>
-              </a:spcBef>
-              <a:spcAft>
-                <a:spcPts val="0"/>
-              </a:spcAft>
-              <a:buSzPts val="2800"/>
-              <a:buChar char="●"/>
-            </a:pPr>
-            <a:r>
-              <a:rPr lang="en-US" dirty="0">
-                <a:solidFill>
-                  <a:schemeClr val="tx1"/>
-                </a:solidFill>
-              </a:rPr>
-              <a:t>Access other user’s repositories</a:t>
-            </a:r>
-            <a:endParaRPr dirty="0">
-              <a:solidFill>
-                <a:schemeClr val="tx1"/>
-              </a:solidFill>
-            </a:endParaRPr>
-          </a:p>
-          <a:p>
-            <a:pPr marL="457200" lvl="0" indent="-406400" algn="l" rtl="0">
-              <a:spcBef>
-                <a:spcPts val="0"/>
-              </a:spcBef>
-              <a:spcAft>
-                <a:spcPts val="0"/>
-              </a:spcAft>
-              <a:buSzPts val="2800"/>
-              <a:buChar char="●"/>
-            </a:pPr>
-            <a:r>
-              <a:rPr lang="en-US" dirty="0">
-                <a:solidFill>
-                  <a:schemeClr val="tx1"/>
-                </a:solidFill>
-              </a:rPr>
-              <a:t>Store remote copies as a backup of your local repositories</a:t>
-            </a:r>
-            <a:endParaRPr dirty="0">
-              <a:solidFill>
-                <a:schemeClr val="tx1"/>
-              </a:solidFill>
-            </a:endParaRPr>
-          </a:p>
-          <a:p>
-            <a:pPr marL="457200" lvl="0" indent="-406400" algn="l" rtl="0">
-              <a:spcBef>
-                <a:spcPts val="0"/>
-              </a:spcBef>
-              <a:spcAft>
-                <a:spcPts val="0"/>
-              </a:spcAft>
-              <a:buSzPts val="2800"/>
-              <a:buChar char="●"/>
-            </a:pPr>
-            <a:r>
-              <a:rPr lang="en-US" dirty="0">
-                <a:solidFill>
-                  <a:schemeClr val="tx1"/>
-                </a:solidFill>
-              </a:rPr>
-              <a:t>Add bug tracking, feature requests, wikis, ...</a:t>
-            </a:r>
-            <a:endParaRPr dirty="0">
-              <a:solidFill>
-                <a:schemeClr val="tx1"/>
-              </a:solidFill>
-            </a:endParaRPr>
-          </a:p>
-          <a:p>
-            <a:pPr marL="0" lvl="0" indent="0" algn="l" rtl="0">
-              <a:spcBef>
-                <a:spcPts val="600"/>
-              </a:spcBef>
-              <a:spcAft>
-                <a:spcPts val="0"/>
-              </a:spcAft>
-              <a:buNone/>
-            </a:pPr>
-            <a:r>
-              <a:rPr lang="en-US" dirty="0">
-                <a:solidFill>
-                  <a:schemeClr val="tx1"/>
-                </a:solidFill>
-              </a:rPr>
-              <a:t>GitHub is </a:t>
-            </a:r>
-            <a:r>
-              <a:rPr lang="en-US" b="1" dirty="0">
-                <a:solidFill>
-                  <a:schemeClr val="accent6"/>
-                </a:solidFill>
-              </a:rPr>
-              <a:t>free</a:t>
-            </a:r>
-            <a:r>
-              <a:rPr lang="en-US" dirty="0">
-                <a:solidFill>
-                  <a:schemeClr val="tx1"/>
-                </a:solidFill>
-              </a:rPr>
-              <a:t> for most use cases</a:t>
-            </a:r>
-            <a:endParaRPr dirty="0">
-              <a:solidFill>
-                <a:schemeClr val="tx1"/>
-              </a:solidFill>
-            </a:endParaRPr>
-          </a:p>
-          <a:p>
-            <a:pPr marL="0" lvl="0" indent="0" algn="l" rtl="0">
-              <a:lnSpc>
-                <a:spcPct val="130000"/>
-              </a:lnSpc>
-              <a:spcBef>
-                <a:spcPts val="0"/>
-              </a:spcBef>
-              <a:spcAft>
-                <a:spcPts val="1600"/>
-              </a:spcAft>
-              <a:buNone/>
-            </a:pPr>
-            <a:endParaRPr dirty="0">
-              <a:solidFill>
-                <a:schemeClr val="tx1"/>
-              </a:solidFill>
-            </a:endParaRPr>
-          </a:p>
-        </p:txBody>
-      </p:sp>
-      <mc:AlternateContent xmlns:mc="http://schemas.openxmlformats.org/markup-compatibility/2006" xmlns:p14="http://schemas.microsoft.com/office/powerpoint/2010/main">
-        <mc:Choice Requires="p14">
-          <p:contentPart p14:bwMode="auto" r:id="rId3">
-            <p14:nvContentPartPr>
-              <p14:cNvPr id="2" name="Ink 1">
-                <a:extLst>
-                  <a:ext uri="{FF2B5EF4-FFF2-40B4-BE49-F238E27FC236}">
-                    <a16:creationId xmlns:a16="http://schemas.microsoft.com/office/drawing/2014/main" id="{B9FE3177-D47E-F346-8093-34D0FDDB119A}"/>
-                  </a:ext>
-                </a:extLst>
-              </p14:cNvPr>
-              <p14:cNvContentPartPr/>
-              <p14:nvPr/>
-            </p14:nvContentPartPr>
-            <p14:xfrm>
-              <a:off x="1674309" y="6245014"/>
-              <a:ext cx="1465560" cy="41760"/>
-            </p14:xfrm>
-          </p:contentPart>
-        </mc:Choice>
-        <mc:Fallback xmlns="">
-          <p:pic>
-            <p:nvPicPr>
-              <p:cNvPr id="2" name="Ink 1">
-                <a:extLst>
-                  <a:ext uri="{FF2B5EF4-FFF2-40B4-BE49-F238E27FC236}">
-                    <a16:creationId xmlns:a16="http://schemas.microsoft.com/office/drawing/2014/main" id="{B9FE3177-D47E-F346-8093-34D0FDDB119A}"/>
-                  </a:ext>
-                </a:extLst>
-              </p:cNvPr>
-              <p:cNvPicPr/>
-              <p:nvPr/>
-            </p:nvPicPr>
-            <p:blipFill>
-              <a:blip r:embed="rId4"/>
-              <a:stretch>
-                <a:fillRect/>
-              </a:stretch>
-            </p:blipFill>
-            <p:spPr>
-              <a:xfrm>
-                <a:off x="1620669" y="6137014"/>
-                <a:ext cx="1573200" cy="257400"/>
-              </a:xfrm>
-              <a:prstGeom prst="rect">
-                <a:avLst/>
-              </a:prstGeom>
-            </p:spPr>
-          </p:pic>
-        </mc:Fallback>
-      </mc:AlternateContent>
-      <mc:AlternateContent xmlns:mc="http://schemas.openxmlformats.org/markup-compatibility/2006" xmlns:p14="http://schemas.microsoft.com/office/powerpoint/2010/main" xmlns:aink="http://schemas.microsoft.com/office/drawing/2016/ink">
-        <mc:Choice Requires="p14 aink">
-          <p:contentPart p14:bwMode="auto" r:id="rId5">
-            <p14:nvContentPartPr>
-              <p14:cNvPr id="3" name="Ink 2">
-                <a:extLst>
-                  <a:ext uri="{FF2B5EF4-FFF2-40B4-BE49-F238E27FC236}">
-                    <a16:creationId xmlns:a16="http://schemas.microsoft.com/office/drawing/2014/main" id="{23F3D796-569C-044A-A8D1-BF66F64683B0}"/>
-                  </a:ext>
-                </a:extLst>
-              </p14:cNvPr>
-              <p14:cNvContentPartPr/>
-              <p14:nvPr/>
-            </p14:nvContentPartPr>
-            <p14:xfrm>
-              <a:off x="1721469" y="6291814"/>
-              <a:ext cx="834120" cy="52200"/>
-            </p14:xfrm>
-          </p:contentPart>
-        </mc:Choice>
-        <mc:Fallback xmlns="">
-          <p:pic>
-            <p:nvPicPr>
-              <p:cNvPr id="3" name="Ink 2">
-                <a:extLst>
-                  <a:ext uri="{FF2B5EF4-FFF2-40B4-BE49-F238E27FC236}">
-                    <a16:creationId xmlns:a16="http://schemas.microsoft.com/office/drawing/2014/main" id="{23F3D796-569C-044A-A8D1-BF66F64683B0}"/>
-                  </a:ext>
-                </a:extLst>
-              </p:cNvPr>
-              <p:cNvPicPr/>
-              <p:nvPr/>
-            </p:nvPicPr>
-            <p:blipFill>
-              <a:blip r:embed="rId6"/>
-              <a:stretch>
-                <a:fillRect/>
-              </a:stretch>
-            </p:blipFill>
-            <p:spPr>
-              <a:xfrm>
-                <a:off x="1703829" y="6274174"/>
-                <a:ext cx="869760" cy="87840"/>
-              </a:xfrm>
-              <a:prstGeom prst="rect">
-                <a:avLst/>
-              </a:prstGeom>
-            </p:spPr>
-          </p:pic>
-        </mc:Fallback>
-      </mc:AlternateContent>
-      <mc:AlternateContent xmlns:mc="http://schemas.openxmlformats.org/markup-compatibility/2006" xmlns:p14="http://schemas.microsoft.com/office/powerpoint/2010/main">
-        <mc:Choice Requires="p14">
-          <p:contentPart p14:bwMode="auto" r:id="rId7">
-            <p14:nvContentPartPr>
-              <p14:cNvPr id="4" name="Ink 3">
-                <a:extLst>
-                  <a:ext uri="{FF2B5EF4-FFF2-40B4-BE49-F238E27FC236}">
-                    <a16:creationId xmlns:a16="http://schemas.microsoft.com/office/drawing/2014/main" id="{4E8DBA5F-897F-E646-A684-EE379F95DEFF}"/>
-                  </a:ext>
-                </a:extLst>
-              </p14:cNvPr>
-              <p14:cNvContentPartPr/>
-              <p14:nvPr/>
-            </p14:nvContentPartPr>
-            <p14:xfrm>
-              <a:off x="1706349" y="6216214"/>
-              <a:ext cx="373680" cy="41040"/>
-            </p14:xfrm>
-          </p:contentPart>
-        </mc:Choice>
-        <mc:Fallback xmlns="">
-          <p:pic>
-            <p:nvPicPr>
-              <p:cNvPr id="4" name="Ink 3">
-                <a:extLst>
-                  <a:ext uri="{FF2B5EF4-FFF2-40B4-BE49-F238E27FC236}">
-                    <a16:creationId xmlns:a16="http://schemas.microsoft.com/office/drawing/2014/main" id="{4E8DBA5F-897F-E646-A684-EE379F95DEFF}"/>
-                  </a:ext>
-                </a:extLst>
-              </p:cNvPr>
-              <p:cNvPicPr/>
-              <p:nvPr/>
-            </p:nvPicPr>
-            <p:blipFill>
-              <a:blip r:embed="rId8"/>
-              <a:stretch>
-                <a:fillRect/>
-              </a:stretch>
-            </p:blipFill>
-            <p:spPr>
-              <a:xfrm>
-                <a:off x="1688709" y="6198574"/>
-                <a:ext cx="409320" cy="76680"/>
-              </a:xfrm>
-              <a:prstGeom prst="rect">
-                <a:avLst/>
-              </a:prstGeom>
-            </p:spPr>
-          </p:pic>
-        </mc:Fallback>
-      </mc:AlternateContent>
-      <p:grpSp>
-        <p:nvGrpSpPr>
-          <p:cNvPr id="7" name="Group 6">
+      </p:pic>
+      <p:pic>
+        <p:nvPicPr>
+          <p:cNvPr id="5" name="Picture 4">
             <a:extLst>
               <a:ext uri="{FF2B5EF4-FFF2-40B4-BE49-F238E27FC236}">
-                <a16:creationId xmlns:a16="http://schemas.microsoft.com/office/drawing/2014/main" id="{60D7733A-5CFF-0D4A-91FD-464162E4FF92}"/>
+                <a16:creationId xmlns:a16="http://schemas.microsoft.com/office/drawing/2014/main" id="{66E03A85-2380-A299-1A5F-499C22E12352}"/>
               </a:ext>
             </a:extLst>
           </p:cNvPr>
-          <p:cNvGrpSpPr/>
+          <p:cNvPicPr>
+            <a:picLocks noChangeAspect="1"/>
+          </p:cNvPicPr>
           <p:nvPr/>
-        </p:nvGrpSpPr>
-        <p:grpSpPr>
+        </p:nvPicPr>
+        <p:blipFill>
+          <a:blip r:embed="rId5"/>
+          <a:stretch>
+            <a:fillRect/>
+          </a:stretch>
+        </p:blipFill>
+        <p:spPr>
           <a:xfrm>
-            <a:off x="1690509" y="6092734"/>
-            <a:ext cx="4346280" cy="294840"/>
-            <a:chOff x="1690509" y="6092734"/>
-            <a:chExt cx="4346280" cy="294840"/>
+            <a:off x="4462424" y="2946400"/>
+            <a:ext cx="4313276" cy="2394208"/>
           </a:xfrm>
-        </p:grpSpPr>
-        <mc:AlternateContent xmlns:mc="http://schemas.openxmlformats.org/markup-compatibility/2006" xmlns:p14="http://schemas.microsoft.com/office/powerpoint/2010/main">
-          <mc:Choice Requires="p14">
-            <p:contentPart p14:bwMode="auto" r:id="rId9">
-              <p14:nvContentPartPr>
-                <p14:cNvPr id="5" name="Ink 4">
-                  <a:extLst>
-                    <a:ext uri="{FF2B5EF4-FFF2-40B4-BE49-F238E27FC236}">
-                      <a16:creationId xmlns:a16="http://schemas.microsoft.com/office/drawing/2014/main" id="{BADF720C-B9F5-F44C-A888-2F9B175E2E5C}"/>
-                    </a:ext>
-                  </a:extLst>
-                </p14:cNvPr>
-                <p14:cNvContentPartPr/>
-                <p14:nvPr/>
-              </p14:nvContentPartPr>
-              <p14:xfrm>
-                <a:off x="1690509" y="6092734"/>
-                <a:ext cx="4346280" cy="294840"/>
-              </p14:xfrm>
-            </p:contentPart>
-          </mc:Choice>
-          <mc:Fallback xmlns="">
-            <p:pic>
-              <p:nvPicPr>
-                <p:cNvPr id="5" name="Ink 4">
-                  <a:extLst>
-                    <a:ext uri="{FF2B5EF4-FFF2-40B4-BE49-F238E27FC236}">
-                      <a16:creationId xmlns:a16="http://schemas.microsoft.com/office/drawing/2014/main" id="{BADF720C-B9F5-F44C-A888-2F9B175E2E5C}"/>
-                    </a:ext>
-                  </a:extLst>
-                </p:cNvPr>
-                <p:cNvPicPr/>
-                <p:nvPr/>
-              </p:nvPicPr>
-              <p:blipFill>
-                <a:blip r:embed="rId10"/>
-                <a:stretch>
-                  <a:fillRect/>
-                </a:stretch>
-              </p:blipFill>
-              <p:spPr>
-                <a:xfrm>
-                  <a:off x="1627869" y="6030094"/>
-                  <a:ext cx="4471920" cy="420480"/>
-                </a:xfrm>
-                <a:prstGeom prst="rect">
-                  <a:avLst/>
-                </a:prstGeom>
-              </p:spPr>
-            </p:pic>
-          </mc:Fallback>
-        </mc:AlternateContent>
-        <mc:AlternateContent xmlns:mc="http://schemas.openxmlformats.org/markup-compatibility/2006" xmlns:p14="http://schemas.microsoft.com/office/powerpoint/2010/main">
-          <mc:Choice Requires="p14">
-            <p:contentPart p14:bwMode="auto" r:id="rId11">
-              <p14:nvContentPartPr>
-                <p14:cNvPr id="6" name="Ink 5">
-                  <a:extLst>
-                    <a:ext uri="{FF2B5EF4-FFF2-40B4-BE49-F238E27FC236}">
-                      <a16:creationId xmlns:a16="http://schemas.microsoft.com/office/drawing/2014/main" id="{8501FE56-09A2-AC45-82DC-67268F03E654}"/>
-                    </a:ext>
-                  </a:extLst>
-                </p14:cNvPr>
-                <p14:cNvContentPartPr/>
-                <p14:nvPr/>
-              </p14:nvContentPartPr>
-              <p14:xfrm>
-                <a:off x="6032829" y="6347614"/>
-                <a:ext cx="360" cy="360"/>
-              </p14:xfrm>
-            </p:contentPart>
-          </mc:Choice>
-          <mc:Fallback xmlns="">
-            <p:pic>
-              <p:nvPicPr>
-                <p:cNvPr id="6" name="Ink 5">
-                  <a:extLst>
-                    <a:ext uri="{FF2B5EF4-FFF2-40B4-BE49-F238E27FC236}">
-                      <a16:creationId xmlns:a16="http://schemas.microsoft.com/office/drawing/2014/main" id="{8501FE56-09A2-AC45-82DC-67268F03E654}"/>
-                    </a:ext>
-                  </a:extLst>
-                </p:cNvPr>
-                <p:cNvPicPr/>
-                <p:nvPr/>
-              </p:nvPicPr>
-              <p:blipFill>
-                <a:blip r:embed="rId12"/>
-                <a:stretch>
-                  <a:fillRect/>
-                </a:stretch>
-              </p:blipFill>
-              <p:spPr>
-                <a:xfrm>
-                  <a:off x="5969829" y="6284974"/>
-                  <a:ext cx="126000" cy="126000"/>
-                </a:xfrm>
-                <a:prstGeom prst="rect">
-                  <a:avLst/>
-                </a:prstGeom>
-              </p:spPr>
-            </p:pic>
-          </mc:Fallback>
-        </mc:AlternateContent>
-      </p:grpSp>
-      <mc:AlternateContent xmlns:mc="http://schemas.openxmlformats.org/markup-compatibility/2006" xmlns:p14="http://schemas.microsoft.com/office/powerpoint/2010/main">
-        <mc:Choice Requires="p14">
-          <p:contentPart p14:bwMode="auto" r:id="rId13">
-            <p14:nvContentPartPr>
-              <p14:cNvPr id="8" name="Ink 7">
-                <a:extLst>
-                  <a:ext uri="{FF2B5EF4-FFF2-40B4-BE49-F238E27FC236}">
-                    <a16:creationId xmlns:a16="http://schemas.microsoft.com/office/drawing/2014/main" id="{3ED6A287-2C92-2E4D-8297-7BEB5F0F7107}"/>
-                  </a:ext>
-                </a:extLst>
-              </p14:cNvPr>
-              <p14:cNvContentPartPr/>
-              <p14:nvPr/>
-            </p14:nvContentPartPr>
-            <p14:xfrm>
-              <a:off x="1830549" y="6218014"/>
-              <a:ext cx="462600" cy="159120"/>
-            </p14:xfrm>
-          </p:contentPart>
-        </mc:Choice>
-        <mc:Fallback xmlns="">
-          <p:pic>
-            <p:nvPicPr>
-              <p:cNvPr id="8" name="Ink 7">
-                <a:extLst>
-                  <a:ext uri="{FF2B5EF4-FFF2-40B4-BE49-F238E27FC236}">
-                    <a16:creationId xmlns:a16="http://schemas.microsoft.com/office/drawing/2014/main" id="{3ED6A287-2C92-2E4D-8297-7BEB5F0F7107}"/>
-                  </a:ext>
-                </a:extLst>
-              </p:cNvPr>
-              <p:cNvPicPr/>
-              <p:nvPr/>
-            </p:nvPicPr>
-            <p:blipFill>
-              <a:blip r:embed="rId14"/>
-              <a:stretch>
-                <a:fillRect/>
-              </a:stretch>
-            </p:blipFill>
-            <p:spPr>
-              <a:xfrm>
-                <a:off x="1767909" y="6155374"/>
-                <a:ext cx="588240" cy="284760"/>
-              </a:xfrm>
-              <a:prstGeom prst="rect">
-                <a:avLst/>
-              </a:prstGeom>
-            </p:spPr>
-          </p:pic>
-        </mc:Fallback>
-      </mc:AlternateContent>
+          <a:prstGeom prst="rect">
+            <a:avLst/>
+          </a:prstGeom>
+        </p:spPr>
+      </p:pic>
     </p:spTree>
   </p:cSld>
   <p:clrMapOvr>
